--- a/documents/presentations/beta-presentation/team-urban-science-beta-presentation.pptx
+++ b/documents/presentations/beta-presentation/team-urban-science-beta-presentation.pptx
@@ -217,8 +217,12 @@
               <a:defRPr/>
             </a:pPr>
             <a:r>
-              <a:rPr lang="en-US"/>
-              <a:t>Team &lt;Company Name&gt;</a:t>
+              <a:rPr lang="en-US" dirty="0"/>
+              <a:t>Team </a:t>
+            </a:r>
+            <a:r>
+              <a:rPr lang="en-US" dirty="0" smtClean="0"/>
+              <a:t>Urban Science</a:t>
             </a:r>
             <a:endParaRPr lang="en-US" dirty="0"/>
           </a:p>
@@ -264,8 +268,16 @@
               <a:defRPr/>
             </a:pPr>
             <a:r>
-              <a:rPr lang="en-US"/>
-              <a:t>Beta Presentation &lt;Project Title&gt;</a:t>
+              <a:rPr lang="en-US" dirty="0"/>
+              <a:t>Beta Presentation </a:t>
+            </a:r>
+            <a:r>
+              <a:rPr lang="en-US" dirty="0" err="1" smtClean="0"/>
+              <a:t>Infographics</a:t>
+            </a:r>
+            <a:r>
+              <a:rPr lang="en-US" dirty="0" smtClean="0"/>
+              <a:t> Generator</a:t>
             </a:r>
             <a:endParaRPr lang="en-US" dirty="0"/>
           </a:p>
@@ -388,7 +400,7 @@
           <a:blip r:embed="rId2" cstate="print">
             <a:extLst>
               <a:ext uri="{28A0092B-C50C-407E-A947-70E740481C1C}">
-                <a14:useLocalDpi xmlns:a14="http://schemas.microsoft.com/office/drawing/2010/main" xmlns="" val="0"/>
+                <a14:useLocalDpi xmlns="" xmlns:a14="http://schemas.microsoft.com/office/drawing/2010/main" val="0"/>
               </a:ext>
             </a:extLst>
           </a:blip>
@@ -411,14 +423,14 @@
           </a:ln>
           <a:extLst>
             <a:ext uri="{909E8E84-426E-40DD-AFC4-6F175D3DCCD1}">
-              <a14:hiddenFill xmlns:a14="http://schemas.microsoft.com/office/drawing/2010/main" xmlns="">
+              <a14:hiddenFill xmlns="" xmlns:a14="http://schemas.microsoft.com/office/drawing/2010/main">
                 <a:solidFill>
                   <a:srgbClr val="FFFFFF"/>
                 </a:solidFill>
               </a14:hiddenFill>
             </a:ext>
             <a:ext uri="{91240B29-F687-4F45-9708-019B960494DF}">
-              <a14:hiddenLine xmlns:a14="http://schemas.microsoft.com/office/drawing/2010/main" xmlns="" w="9525">
+              <a14:hiddenLine xmlns="" xmlns:a14="http://schemas.microsoft.com/office/drawing/2010/main" w="9525">
                 <a:solidFill>
                   <a:srgbClr val="000000"/>
                 </a:solidFill>
@@ -452,14 +464,14 @@
           </a:ln>
           <a:extLst>
             <a:ext uri="{909E8E84-426E-40DD-AFC4-6F175D3DCCD1}">
-              <a14:hiddenFill xmlns:a14="http://schemas.microsoft.com/office/drawing/2010/main" xmlns="">
+              <a14:hiddenFill xmlns="" xmlns:a14="http://schemas.microsoft.com/office/drawing/2010/main">
                 <a:solidFill>
                   <a:srgbClr val="FFFFFF"/>
                 </a:solidFill>
               </a14:hiddenFill>
             </a:ext>
             <a:ext uri="{91240B29-F687-4F45-9708-019B960494DF}">
-              <a14:hiddenLine xmlns:a14="http://schemas.microsoft.com/office/drawing/2010/main" xmlns="" w="9525">
+              <a14:hiddenLine xmlns="" xmlns:a14="http://schemas.microsoft.com/office/drawing/2010/main" w="9525">
                 <a:solidFill>
                   <a:srgbClr val="000000"/>
                 </a:solidFill>
@@ -593,7 +605,7 @@
     </p:spTree>
     <p:extLst>
       <p:ext uri="{BB962C8B-B14F-4D97-AF65-F5344CB8AC3E}">
-        <p14:creationId xmlns:p14="http://schemas.microsoft.com/office/powerpoint/2010/main" xmlns="" val="232417806"/>
+        <p14:creationId xmlns="" xmlns:p14="http://schemas.microsoft.com/office/powerpoint/2010/main" val="232417806"/>
       </p:ext>
     </p:extLst>
   </p:cSld>
@@ -664,9 +676,10 @@
               <a:defRPr/>
             </a:pPr>
             <a:r>
-              <a:rPr lang="en-US"/>
-              <a:t>Team &lt;Company Name&gt;</a:t>
-            </a:r>
+              <a:rPr lang="en-US" dirty="0" smtClean="0"/>
+              <a:t>Team Urban Science</a:t>
+            </a:r>
+            <a:endParaRPr lang="en-US" dirty="0"/>
           </a:p>
         </p:txBody>
       </p:sp>
@@ -710,9 +723,18 @@
               <a:defRPr/>
             </a:pPr>
             <a:r>
-              <a:rPr lang="en-US"/>
-              <a:t>Beta Presentation &lt;Project Title&gt;</a:t>
-            </a:r>
+              <a:rPr lang="en-US" dirty="0" smtClean="0"/>
+              <a:t>Beta Presentation </a:t>
+            </a:r>
+            <a:r>
+              <a:rPr lang="en-US" dirty="0" err="1" smtClean="0"/>
+              <a:t>Infographics</a:t>
+            </a:r>
+            <a:r>
+              <a:rPr lang="en-US" dirty="0" smtClean="0"/>
+              <a:t> Generator</a:t>
+            </a:r>
+            <a:endParaRPr lang="en-US" dirty="0"/>
           </a:p>
         </p:txBody>
       </p:sp>
@@ -909,7 +931,7 @@
     </p:spTree>
     <p:extLst>
       <p:ext uri="{BB962C8B-B14F-4D97-AF65-F5344CB8AC3E}">
-        <p14:creationId xmlns:p14="http://schemas.microsoft.com/office/powerpoint/2010/main" xmlns="" val="2158654164"/>
+        <p14:creationId xmlns="" xmlns:p14="http://schemas.microsoft.com/office/powerpoint/2010/main" val="2158654164"/>
       </p:ext>
     </p:extLst>
   </p:cSld>
@@ -1079,7 +1101,7 @@
           </a:ln>
           <a:extLst>
             <a:ext uri="{909E8E84-426E-40DD-AFC4-6F175D3DCCD1}">
-              <a14:hiddenFill xmlns:a14="http://schemas.microsoft.com/office/drawing/2010/main" xmlns="">
+              <a14:hiddenFill xmlns="" xmlns:a14="http://schemas.microsoft.com/office/drawing/2010/main">
                 <a:solidFill>
                   <a:srgbClr val="FFFFFF"/>
                 </a:solidFill>
@@ -1102,14 +1124,14 @@
           <a:noFill/>
           <a:extLst>
             <a:ext uri="{909E8E84-426E-40DD-AFC4-6F175D3DCCD1}">
-              <a14:hiddenFill xmlns:a14="http://schemas.microsoft.com/office/drawing/2010/main" xmlns="">
+              <a14:hiddenFill xmlns="" xmlns:a14="http://schemas.microsoft.com/office/drawing/2010/main">
                 <a:solidFill>
                   <a:srgbClr val="FFFFFF"/>
                 </a:solidFill>
               </a14:hiddenFill>
             </a:ext>
             <a:ext uri="{91240B29-F687-4F45-9708-019B960494DF}">
-              <a14:hiddenLine xmlns:a14="http://schemas.microsoft.com/office/drawing/2010/main" xmlns="" w="9525">
+              <a14:hiddenLine xmlns="" xmlns:a14="http://schemas.microsoft.com/office/drawing/2010/main" w="9525">
                 <a:solidFill>
                   <a:srgbClr val="000000"/>
                 </a:solidFill>
@@ -1150,14 +1172,14 @@
         <p:spPr bwMode="auto">
           <a:extLst>
             <a:ext uri="{909E8E84-426E-40DD-AFC4-6F175D3DCCD1}">
-              <a14:hiddenFill xmlns:a14="http://schemas.microsoft.com/office/drawing/2010/main" xmlns="">
+              <a14:hiddenFill xmlns="" xmlns:a14="http://schemas.microsoft.com/office/drawing/2010/main">
                 <a:solidFill>
                   <a:srgbClr val="FFFFFF"/>
                 </a:solidFill>
               </a14:hiddenFill>
             </a:ext>
             <a:ext uri="{91240B29-F687-4F45-9708-019B960494DF}">
-              <a14:hiddenLine xmlns:a14="http://schemas.microsoft.com/office/drawing/2010/main" xmlns="" w="9525">
+              <a14:hiddenLine xmlns="" xmlns:a14="http://schemas.microsoft.com/office/drawing/2010/main" w="9525">
                 <a:solidFill>
                   <a:srgbClr val="000000"/>
                 </a:solidFill>
@@ -1302,14 +1324,14 @@
         <p:spPr bwMode="auto">
           <a:extLst>
             <a:ext uri="{909E8E84-426E-40DD-AFC4-6F175D3DCCD1}">
-              <a14:hiddenFill xmlns:a14="http://schemas.microsoft.com/office/drawing/2010/main" xmlns="">
+              <a14:hiddenFill xmlns="" xmlns:a14="http://schemas.microsoft.com/office/drawing/2010/main">
                 <a:solidFill>
                   <a:srgbClr val="FFFFFF"/>
                 </a:solidFill>
               </a14:hiddenFill>
             </a:ext>
             <a:ext uri="{91240B29-F687-4F45-9708-019B960494DF}">
-              <a14:hiddenLine xmlns:a14="http://schemas.microsoft.com/office/drawing/2010/main" xmlns="" w="9525">
+              <a14:hiddenLine xmlns="" xmlns:a14="http://schemas.microsoft.com/office/drawing/2010/main" w="9525">
                 <a:solidFill>
                   <a:srgbClr val="000000"/>
                 </a:solidFill>
@@ -1454,14 +1476,14 @@
         <p:spPr bwMode="auto">
           <a:extLst>
             <a:ext uri="{909E8E84-426E-40DD-AFC4-6F175D3DCCD1}">
-              <a14:hiddenFill xmlns:a14="http://schemas.microsoft.com/office/drawing/2010/main" xmlns="">
+              <a14:hiddenFill xmlns="" xmlns:a14="http://schemas.microsoft.com/office/drawing/2010/main">
                 <a:solidFill>
                   <a:srgbClr val="FFFFFF"/>
                 </a:solidFill>
               </a14:hiddenFill>
             </a:ext>
             <a:ext uri="{91240B29-F687-4F45-9708-019B960494DF}">
-              <a14:hiddenLine xmlns:a14="http://schemas.microsoft.com/office/drawing/2010/main" xmlns="" w="9525">
+              <a14:hiddenLine xmlns="" xmlns:a14="http://schemas.microsoft.com/office/drawing/2010/main" w="9525">
                 <a:solidFill>
                   <a:srgbClr val="000000"/>
                 </a:solidFill>
@@ -1606,14 +1628,14 @@
         <p:spPr bwMode="auto">
           <a:extLst>
             <a:ext uri="{909E8E84-426E-40DD-AFC4-6F175D3DCCD1}">
-              <a14:hiddenFill xmlns:a14="http://schemas.microsoft.com/office/drawing/2010/main" xmlns="">
+              <a14:hiddenFill xmlns="" xmlns:a14="http://schemas.microsoft.com/office/drawing/2010/main">
                 <a:solidFill>
                   <a:srgbClr val="FFFFFF"/>
                 </a:solidFill>
               </a14:hiddenFill>
             </a:ext>
             <a:ext uri="{91240B29-F687-4F45-9708-019B960494DF}">
-              <a14:hiddenLine xmlns:a14="http://schemas.microsoft.com/office/drawing/2010/main" xmlns="" w="9525">
+              <a14:hiddenLine xmlns="" xmlns:a14="http://schemas.microsoft.com/office/drawing/2010/main" w="9525">
                 <a:solidFill>
                   <a:srgbClr val="000000"/>
                 </a:solidFill>
@@ -1793,14 +1815,14 @@
         <p:spPr bwMode="auto">
           <a:extLst>
             <a:ext uri="{909E8E84-426E-40DD-AFC4-6F175D3DCCD1}">
-              <a14:hiddenFill xmlns:a14="http://schemas.microsoft.com/office/drawing/2010/main" xmlns="">
+              <a14:hiddenFill xmlns="" xmlns:a14="http://schemas.microsoft.com/office/drawing/2010/main">
                 <a:solidFill>
                   <a:srgbClr val="FFFFFF"/>
                 </a:solidFill>
               </a14:hiddenFill>
             </a:ext>
             <a:ext uri="{91240B29-F687-4F45-9708-019B960494DF}">
-              <a14:hiddenLine xmlns:a14="http://schemas.microsoft.com/office/drawing/2010/main" xmlns="" w="9525">
+              <a14:hiddenLine xmlns="" xmlns:a14="http://schemas.microsoft.com/office/drawing/2010/main" w="9525">
                 <a:solidFill>
                   <a:srgbClr val="000000"/>
                 </a:solidFill>
@@ -1947,14 +1969,14 @@
         <p:spPr bwMode="auto">
           <a:extLst>
             <a:ext uri="{909E8E84-426E-40DD-AFC4-6F175D3DCCD1}">
-              <a14:hiddenFill xmlns:a14="http://schemas.microsoft.com/office/drawing/2010/main" xmlns="">
+              <a14:hiddenFill xmlns="" xmlns:a14="http://schemas.microsoft.com/office/drawing/2010/main">
                 <a:solidFill>
                   <a:srgbClr val="FFFFFF"/>
                 </a:solidFill>
               </a14:hiddenFill>
             </a:ext>
             <a:ext uri="{91240B29-F687-4F45-9708-019B960494DF}">
-              <a14:hiddenLine xmlns:a14="http://schemas.microsoft.com/office/drawing/2010/main" xmlns="" w="9525">
+              <a14:hiddenLine xmlns="" xmlns:a14="http://schemas.microsoft.com/office/drawing/2010/main" w="9525">
                 <a:solidFill>
                   <a:srgbClr val="000000"/>
                 </a:solidFill>
@@ -2101,14 +2123,14 @@
         <p:spPr bwMode="auto">
           <a:extLst>
             <a:ext uri="{909E8E84-426E-40DD-AFC4-6F175D3DCCD1}">
-              <a14:hiddenFill xmlns:a14="http://schemas.microsoft.com/office/drawing/2010/main" xmlns="">
+              <a14:hiddenFill xmlns="" xmlns:a14="http://schemas.microsoft.com/office/drawing/2010/main">
                 <a:solidFill>
                   <a:srgbClr val="FFFFFF"/>
                 </a:solidFill>
               </a14:hiddenFill>
             </a:ext>
             <a:ext uri="{91240B29-F687-4F45-9708-019B960494DF}">
-              <a14:hiddenLine xmlns:a14="http://schemas.microsoft.com/office/drawing/2010/main" xmlns="" w="9525">
+              <a14:hiddenLine xmlns="" xmlns:a14="http://schemas.microsoft.com/office/drawing/2010/main" w="9525">
                 <a:solidFill>
                   <a:srgbClr val="000000"/>
                 </a:solidFill>
@@ -2255,14 +2277,14 @@
         <p:spPr bwMode="auto">
           <a:extLst>
             <a:ext uri="{909E8E84-426E-40DD-AFC4-6F175D3DCCD1}">
-              <a14:hiddenFill xmlns:a14="http://schemas.microsoft.com/office/drawing/2010/main" xmlns="">
+              <a14:hiddenFill xmlns="" xmlns:a14="http://schemas.microsoft.com/office/drawing/2010/main">
                 <a:solidFill>
                   <a:srgbClr val="FFFFFF"/>
                 </a:solidFill>
               </a14:hiddenFill>
             </a:ext>
             <a:ext uri="{91240B29-F687-4F45-9708-019B960494DF}">
-              <a14:hiddenLine xmlns:a14="http://schemas.microsoft.com/office/drawing/2010/main" xmlns="" w="9525">
+              <a14:hiddenLine xmlns="" xmlns:a14="http://schemas.microsoft.com/office/drawing/2010/main" w="9525">
                 <a:solidFill>
                   <a:srgbClr val="000000"/>
                 </a:solidFill>
@@ -2430,7 +2452,7 @@
           </a:ln>
           <a:extLst>
             <a:ext uri="{909E8E84-426E-40DD-AFC4-6F175D3DCCD1}">
-              <a14:hiddenFill xmlns:a14="http://schemas.microsoft.com/office/drawing/2010/main" xmlns="">
+              <a14:hiddenFill xmlns="" xmlns:a14="http://schemas.microsoft.com/office/drawing/2010/main">
                 <a:solidFill>
                   <a:srgbClr val="FFFFFF"/>
                 </a:solidFill>
@@ -2457,14 +2479,14 @@
           <a:noFill/>
           <a:extLst>
             <a:ext uri="{909E8E84-426E-40DD-AFC4-6F175D3DCCD1}">
-              <a14:hiddenFill xmlns:a14="http://schemas.microsoft.com/office/drawing/2010/main" xmlns="">
+              <a14:hiddenFill xmlns="" xmlns:a14="http://schemas.microsoft.com/office/drawing/2010/main">
                 <a:solidFill>
                   <a:srgbClr val="FFFFFF"/>
                 </a:solidFill>
               </a14:hiddenFill>
             </a:ext>
             <a:ext uri="{91240B29-F687-4F45-9708-019B960494DF}">
-              <a14:hiddenLine xmlns:a14="http://schemas.microsoft.com/office/drawing/2010/main" xmlns="" w="9525">
+              <a14:hiddenLine xmlns="" xmlns:a14="http://schemas.microsoft.com/office/drawing/2010/main" w="9525">
                 <a:solidFill>
                   <a:srgbClr val="000000"/>
                 </a:solidFill>
@@ -2530,14 +2552,14 @@
         <p:spPr bwMode="auto">
           <a:extLst>
             <a:ext uri="{909E8E84-426E-40DD-AFC4-6F175D3DCCD1}">
-              <a14:hiddenFill xmlns:a14="http://schemas.microsoft.com/office/drawing/2010/main" xmlns="">
+              <a14:hiddenFill xmlns="" xmlns:a14="http://schemas.microsoft.com/office/drawing/2010/main">
                 <a:solidFill>
                   <a:srgbClr val="FFFFFF"/>
                 </a:solidFill>
               </a14:hiddenFill>
             </a:ext>
             <a:ext uri="{91240B29-F687-4F45-9708-019B960494DF}">
-              <a14:hiddenLine xmlns:a14="http://schemas.microsoft.com/office/drawing/2010/main" xmlns="" w="9525">
+              <a14:hiddenLine xmlns="" xmlns:a14="http://schemas.microsoft.com/office/drawing/2010/main" w="9525">
                 <a:solidFill>
                   <a:srgbClr val="000000"/>
                 </a:solidFill>
@@ -2684,14 +2706,14 @@
         <p:spPr bwMode="auto">
           <a:extLst>
             <a:ext uri="{909E8E84-426E-40DD-AFC4-6F175D3DCCD1}">
-              <a14:hiddenFill xmlns:a14="http://schemas.microsoft.com/office/drawing/2010/main" xmlns="">
+              <a14:hiddenFill xmlns="" xmlns:a14="http://schemas.microsoft.com/office/drawing/2010/main">
                 <a:solidFill>
                   <a:srgbClr val="FFFFFF"/>
                 </a:solidFill>
               </a14:hiddenFill>
             </a:ext>
             <a:ext uri="{91240B29-F687-4F45-9708-019B960494DF}">
-              <a14:hiddenLine xmlns:a14="http://schemas.microsoft.com/office/drawing/2010/main" xmlns="" w="9525">
+              <a14:hiddenLine xmlns="" xmlns:a14="http://schemas.microsoft.com/office/drawing/2010/main" w="9525">
                 <a:solidFill>
                   <a:srgbClr val="000000"/>
                 </a:solidFill>
@@ -2838,14 +2860,14 @@
         <p:spPr bwMode="auto">
           <a:extLst>
             <a:ext uri="{909E8E84-426E-40DD-AFC4-6F175D3DCCD1}">
-              <a14:hiddenFill xmlns:a14="http://schemas.microsoft.com/office/drawing/2010/main" xmlns="">
+              <a14:hiddenFill xmlns="" xmlns:a14="http://schemas.microsoft.com/office/drawing/2010/main">
                 <a:solidFill>
                   <a:srgbClr val="FFFFFF"/>
                 </a:solidFill>
               </a14:hiddenFill>
             </a:ext>
             <a:ext uri="{91240B29-F687-4F45-9708-019B960494DF}">
-              <a14:hiddenLine xmlns:a14="http://schemas.microsoft.com/office/drawing/2010/main" xmlns="" w="9525">
+              <a14:hiddenLine xmlns="" xmlns:a14="http://schemas.microsoft.com/office/drawing/2010/main" w="9525">
                 <a:solidFill>
                   <a:srgbClr val="000000"/>
                 </a:solidFill>
@@ -2992,14 +3014,14 @@
         <p:spPr bwMode="auto">
           <a:extLst>
             <a:ext uri="{909E8E84-426E-40DD-AFC4-6F175D3DCCD1}">
-              <a14:hiddenFill xmlns:a14="http://schemas.microsoft.com/office/drawing/2010/main" xmlns="">
+              <a14:hiddenFill xmlns="" xmlns:a14="http://schemas.microsoft.com/office/drawing/2010/main">
                 <a:solidFill>
                   <a:srgbClr val="FFFFFF"/>
                 </a:solidFill>
               </a14:hiddenFill>
             </a:ext>
             <a:ext uri="{91240B29-F687-4F45-9708-019B960494DF}">
-              <a14:hiddenLine xmlns:a14="http://schemas.microsoft.com/office/drawing/2010/main" xmlns="" w="9525">
+              <a14:hiddenLine xmlns="" xmlns:a14="http://schemas.microsoft.com/office/drawing/2010/main" w="9525">
                 <a:solidFill>
                   <a:srgbClr val="000000"/>
                 </a:solidFill>
@@ -3167,7 +3189,7 @@
           </a:ln>
           <a:extLst>
             <a:ext uri="{909E8E84-426E-40DD-AFC4-6F175D3DCCD1}">
-              <a14:hiddenFill xmlns:a14="http://schemas.microsoft.com/office/drawing/2010/main" xmlns="">
+              <a14:hiddenFill xmlns="" xmlns:a14="http://schemas.microsoft.com/office/drawing/2010/main">
                 <a:solidFill>
                   <a:srgbClr val="FFFFFF"/>
                 </a:solidFill>
@@ -3190,14 +3212,14 @@
           <a:noFill/>
           <a:extLst>
             <a:ext uri="{909E8E84-426E-40DD-AFC4-6F175D3DCCD1}">
-              <a14:hiddenFill xmlns:a14="http://schemas.microsoft.com/office/drawing/2010/main" xmlns="">
+              <a14:hiddenFill xmlns="" xmlns:a14="http://schemas.microsoft.com/office/drawing/2010/main">
                 <a:solidFill>
                   <a:srgbClr val="FFFFFF"/>
                 </a:solidFill>
               </a14:hiddenFill>
             </a:ext>
             <a:ext uri="{91240B29-F687-4F45-9708-019B960494DF}">
-              <a14:hiddenLine xmlns:a14="http://schemas.microsoft.com/office/drawing/2010/main" xmlns="" w="9525">
+              <a14:hiddenLine xmlns="" xmlns:a14="http://schemas.microsoft.com/office/drawing/2010/main" w="9525">
                 <a:solidFill>
                   <a:srgbClr val="000000"/>
                 </a:solidFill>
@@ -3263,14 +3285,14 @@
         <p:spPr bwMode="auto">
           <a:extLst>
             <a:ext uri="{909E8E84-426E-40DD-AFC4-6F175D3DCCD1}">
-              <a14:hiddenFill xmlns:a14="http://schemas.microsoft.com/office/drawing/2010/main" xmlns="">
+              <a14:hiddenFill xmlns="" xmlns:a14="http://schemas.microsoft.com/office/drawing/2010/main">
                 <a:solidFill>
                   <a:srgbClr val="FFFFFF"/>
                 </a:solidFill>
               </a14:hiddenFill>
             </a:ext>
             <a:ext uri="{91240B29-F687-4F45-9708-019B960494DF}">
-              <a14:hiddenLine xmlns:a14="http://schemas.microsoft.com/office/drawing/2010/main" xmlns="" w="9525">
+              <a14:hiddenLine xmlns="" xmlns:a14="http://schemas.microsoft.com/office/drawing/2010/main" w="9525">
                 <a:solidFill>
                   <a:srgbClr val="000000"/>
                 </a:solidFill>
@@ -3417,14 +3439,14 @@
         <p:spPr bwMode="auto">
           <a:extLst>
             <a:ext uri="{909E8E84-426E-40DD-AFC4-6F175D3DCCD1}">
-              <a14:hiddenFill xmlns:a14="http://schemas.microsoft.com/office/drawing/2010/main" xmlns="">
+              <a14:hiddenFill xmlns="" xmlns:a14="http://schemas.microsoft.com/office/drawing/2010/main">
                 <a:solidFill>
                   <a:srgbClr val="FFFFFF"/>
                 </a:solidFill>
               </a14:hiddenFill>
             </a:ext>
             <a:ext uri="{91240B29-F687-4F45-9708-019B960494DF}">
-              <a14:hiddenLine xmlns:a14="http://schemas.microsoft.com/office/drawing/2010/main" xmlns="" w="9525">
+              <a14:hiddenLine xmlns="" xmlns:a14="http://schemas.microsoft.com/office/drawing/2010/main" w="9525">
                 <a:solidFill>
                   <a:srgbClr val="000000"/>
                 </a:solidFill>
@@ -3571,14 +3593,14 @@
         <p:spPr bwMode="auto">
           <a:extLst>
             <a:ext uri="{909E8E84-426E-40DD-AFC4-6F175D3DCCD1}">
-              <a14:hiddenFill xmlns:a14="http://schemas.microsoft.com/office/drawing/2010/main" xmlns="">
+              <a14:hiddenFill xmlns="" xmlns:a14="http://schemas.microsoft.com/office/drawing/2010/main">
                 <a:solidFill>
                   <a:srgbClr val="FFFFFF"/>
                 </a:solidFill>
               </a14:hiddenFill>
             </a:ext>
             <a:ext uri="{91240B29-F687-4F45-9708-019B960494DF}">
-              <a14:hiddenLine xmlns:a14="http://schemas.microsoft.com/office/drawing/2010/main" xmlns="" w="9525">
+              <a14:hiddenLine xmlns="" xmlns:a14="http://schemas.microsoft.com/office/drawing/2010/main" w="9525">
                 <a:solidFill>
                   <a:srgbClr val="000000"/>
                 </a:solidFill>
@@ -3725,14 +3747,14 @@
         <p:spPr bwMode="auto">
           <a:extLst>
             <a:ext uri="{909E8E84-426E-40DD-AFC4-6F175D3DCCD1}">
-              <a14:hiddenFill xmlns:a14="http://schemas.microsoft.com/office/drawing/2010/main" xmlns="">
+              <a14:hiddenFill xmlns="" xmlns:a14="http://schemas.microsoft.com/office/drawing/2010/main">
                 <a:solidFill>
                   <a:srgbClr val="FFFFFF"/>
                 </a:solidFill>
               </a14:hiddenFill>
             </a:ext>
             <a:ext uri="{91240B29-F687-4F45-9708-019B960494DF}">
-              <a14:hiddenLine xmlns:a14="http://schemas.microsoft.com/office/drawing/2010/main" xmlns="" w="9525">
+              <a14:hiddenLine xmlns="" xmlns:a14="http://schemas.microsoft.com/office/drawing/2010/main" w="9525">
                 <a:solidFill>
                   <a:srgbClr val="000000"/>
                 </a:solidFill>
@@ -3900,7 +3922,7 @@
           </a:ln>
           <a:extLst>
             <a:ext uri="{909E8E84-426E-40DD-AFC4-6F175D3DCCD1}">
-              <a14:hiddenFill xmlns:a14="http://schemas.microsoft.com/office/drawing/2010/main" xmlns="">
+              <a14:hiddenFill xmlns="" xmlns:a14="http://schemas.microsoft.com/office/drawing/2010/main">
                 <a:solidFill>
                   <a:srgbClr val="FFFFFF"/>
                 </a:solidFill>
@@ -3923,14 +3945,14 @@
           <a:noFill/>
           <a:extLst>
             <a:ext uri="{909E8E84-426E-40DD-AFC4-6F175D3DCCD1}">
-              <a14:hiddenFill xmlns:a14="http://schemas.microsoft.com/office/drawing/2010/main" xmlns="">
+              <a14:hiddenFill xmlns="" xmlns:a14="http://schemas.microsoft.com/office/drawing/2010/main">
                 <a:solidFill>
                   <a:srgbClr val="FFFFFF"/>
                 </a:solidFill>
               </a14:hiddenFill>
             </a:ext>
             <a:ext uri="{91240B29-F687-4F45-9708-019B960494DF}">
-              <a14:hiddenLine xmlns:a14="http://schemas.microsoft.com/office/drawing/2010/main" xmlns="" w="9525">
+              <a14:hiddenLine xmlns="" xmlns:a14="http://schemas.microsoft.com/office/drawing/2010/main" w="9525">
                 <a:solidFill>
                   <a:srgbClr val="000000"/>
                 </a:solidFill>
@@ -3995,7 +4017,7 @@
           <a:blip r:embed="rId2" cstate="print">
             <a:extLst>
               <a:ext uri="{28A0092B-C50C-407E-A947-70E740481C1C}">
-                <a14:useLocalDpi xmlns:a14="http://schemas.microsoft.com/office/drawing/2010/main" xmlns="" val="0"/>
+                <a14:useLocalDpi xmlns="" xmlns:a14="http://schemas.microsoft.com/office/drawing/2010/main" val="0"/>
               </a:ext>
             </a:extLst>
           </a:blip>
@@ -4019,14 +4041,14 @@
           <a:effectLst/>
           <a:extLst>
             <a:ext uri="{909E8E84-426E-40DD-AFC4-6F175D3DCCD1}">
-              <a14:hiddenFill xmlns:a14="http://schemas.microsoft.com/office/drawing/2010/main" xmlns="">
+              <a14:hiddenFill xmlns="" xmlns:a14="http://schemas.microsoft.com/office/drawing/2010/main">
                 <a:solidFill>
                   <a:schemeClr val="accent1"/>
                 </a:solidFill>
               </a14:hiddenFill>
             </a:ext>
             <a:ext uri="{91240B29-F687-4F45-9708-019B960494DF}">
-              <a14:hiddenLine xmlns:a14="http://schemas.microsoft.com/office/drawing/2010/main" xmlns="" w="12700" algn="ctr">
+              <a14:hiddenLine xmlns="" xmlns:a14="http://schemas.microsoft.com/office/drawing/2010/main" w="12700" algn="ctr">
                 <a:solidFill>
                   <a:schemeClr val="tx1"/>
                 </a:solidFill>
@@ -4036,7 +4058,7 @@
               </a14:hiddenLine>
             </a:ext>
             <a:ext uri="{AF507438-7753-43E0-B8FC-AC1667EBCBE1}">
-              <a14:hiddenEffects xmlns:a14="http://schemas.microsoft.com/office/drawing/2010/main" xmlns="">
+              <a14:hiddenEffects xmlns="" xmlns:a14="http://schemas.microsoft.com/office/drawing/2010/main">
                 <a:effectLst>
                   <a:outerShdw dist="35921" dir="2700000" algn="ctr" rotWithShape="0">
                     <a:schemeClr val="bg2"/>
@@ -4077,7 +4099,7 @@
             <a:blip r:embed="rId4" cstate="print">
               <a:extLst>
                 <a:ext uri="{28A0092B-C50C-407E-A947-70E740481C1C}">
-                  <a14:useLocalDpi xmlns:a14="http://schemas.microsoft.com/office/drawing/2010/main" xmlns="" val="0"/>
+                  <a14:useLocalDpi xmlns="" xmlns:a14="http://schemas.microsoft.com/office/drawing/2010/main" val="0"/>
                 </a:ext>
               </a:extLst>
             </a:blip>
@@ -4100,14 +4122,14 @@
             </a:ln>
             <a:extLst>
               <a:ext uri="{909E8E84-426E-40DD-AFC4-6F175D3DCCD1}">
-                <a14:hiddenFill xmlns:a14="http://schemas.microsoft.com/office/drawing/2010/main" xmlns="">
+                <a14:hiddenFill xmlns="" xmlns:a14="http://schemas.microsoft.com/office/drawing/2010/main">
                   <a:solidFill>
                     <a:srgbClr val="FFFFFF"/>
                   </a:solidFill>
                 </a14:hiddenFill>
               </a:ext>
               <a:ext uri="{91240B29-F687-4F45-9708-019B960494DF}">
-                <a14:hiddenLine xmlns:a14="http://schemas.microsoft.com/office/drawing/2010/main" xmlns="" w="9525">
+                <a14:hiddenLine xmlns="" xmlns:a14="http://schemas.microsoft.com/office/drawing/2010/main" w="9525">
                   <a:solidFill>
                     <a:srgbClr val="000000"/>
                   </a:solidFill>
@@ -4141,14 +4163,14 @@
             </a:ln>
             <a:extLst>
               <a:ext uri="{909E8E84-426E-40DD-AFC4-6F175D3DCCD1}">
-                <a14:hiddenFill xmlns:a14="http://schemas.microsoft.com/office/drawing/2010/main" xmlns="">
+                <a14:hiddenFill xmlns="" xmlns:a14="http://schemas.microsoft.com/office/drawing/2010/main">
                   <a:solidFill>
                     <a:srgbClr val="FFFFFF"/>
                   </a:solidFill>
                 </a14:hiddenFill>
               </a:ext>
               <a:ext uri="{91240B29-F687-4F45-9708-019B960494DF}">
-                <a14:hiddenLine xmlns:a14="http://schemas.microsoft.com/office/drawing/2010/main" xmlns="" w="9525">
+                <a14:hiddenLine xmlns="" xmlns:a14="http://schemas.microsoft.com/office/drawing/2010/main" w="9525">
                   <a:solidFill>
                     <a:srgbClr val="000000"/>
                   </a:solidFill>
@@ -4320,14 +4342,14 @@
           </a:ln>
           <a:extLst>
             <a:ext uri="{909E8E84-426E-40DD-AFC4-6F175D3DCCD1}">
-              <a14:hiddenFill xmlns:a14="http://schemas.microsoft.com/office/drawing/2010/main" xmlns="">
+              <a14:hiddenFill xmlns="" xmlns:a14="http://schemas.microsoft.com/office/drawing/2010/main">
                 <a:solidFill>
                   <a:srgbClr val="FFFFFF"/>
                 </a:solidFill>
               </a14:hiddenFill>
             </a:ext>
             <a:ext uri="{91240B29-F687-4F45-9708-019B960494DF}">
-              <a14:hiddenLine xmlns:a14="http://schemas.microsoft.com/office/drawing/2010/main" xmlns="" w="9525">
+              <a14:hiddenLine xmlns="" xmlns:a14="http://schemas.microsoft.com/office/drawing/2010/main" w="9525">
                 <a:solidFill>
                   <a:srgbClr val="000000"/>
                 </a:solidFill>
@@ -4631,9 +4653,10 @@
               <a:defRPr/>
             </a:pPr>
             <a:r>
-              <a:rPr lang="en-US"/>
+              <a:rPr lang="en-US" smtClean="0"/>
               <a:t>The Capstone Experience</a:t>
             </a:r>
+            <a:endParaRPr lang="en-US" dirty="0"/>
           </a:p>
         </p:txBody>
       </p:sp>
@@ -4660,9 +4683,10 @@
               <a:defRPr/>
             </a:pPr>
             <a:r>
-              <a:rPr lang="en-US"/>
-              <a:t>Team &lt;Company Name&gt; Beta Presentation</a:t>
-            </a:r>
+              <a:rPr lang="en-US" dirty="0" smtClean="0"/>
+              <a:t>Team Urban Science Beta Presentation</a:t>
+            </a:r>
+            <a:endParaRPr lang="en-US" dirty="0"/>
           </a:p>
         </p:txBody>
       </p:sp>
@@ -4702,7 +4726,7 @@
     </p:spTree>
     <p:extLst>
       <p:ext uri="{BB962C8B-B14F-4D97-AF65-F5344CB8AC3E}">
-        <p14:creationId xmlns:p14="http://schemas.microsoft.com/office/powerpoint/2010/main" xmlns="" val="2588080409"/>
+        <p14:creationId xmlns="" xmlns:p14="http://schemas.microsoft.com/office/powerpoint/2010/main" val="2588080409"/>
       </p:ext>
     </p:extLst>
   </p:cSld>
@@ -4855,9 +4879,10 @@
               <a:defRPr/>
             </a:pPr>
             <a:r>
-              <a:rPr lang="en-US"/>
+              <a:rPr lang="en-US" smtClean="0"/>
               <a:t>The Capstone Experience</a:t>
             </a:r>
+            <a:endParaRPr lang="en-US"/>
           </a:p>
         </p:txBody>
       </p:sp>
@@ -4889,9 +4914,10 @@
               <a:defRPr/>
             </a:pPr>
             <a:r>
-              <a:rPr lang="en-US"/>
-              <a:t>Team &lt;Company Name&gt; Beta Presentation</a:t>
-            </a:r>
+              <a:rPr lang="en-US" dirty="0" smtClean="0"/>
+              <a:t>Team Urban Science Beta Presentation</a:t>
+            </a:r>
+            <a:endParaRPr lang="en-US" dirty="0"/>
           </a:p>
         </p:txBody>
       </p:sp>
@@ -4931,7 +4957,7 @@
     </p:spTree>
     <p:extLst>
       <p:ext uri="{BB962C8B-B14F-4D97-AF65-F5344CB8AC3E}">
-        <p14:creationId xmlns:p14="http://schemas.microsoft.com/office/powerpoint/2010/main" xmlns="" val="2741523762"/>
+        <p14:creationId xmlns="" xmlns:p14="http://schemas.microsoft.com/office/powerpoint/2010/main" val="2741523762"/>
       </p:ext>
     </p:extLst>
   </p:cSld>
@@ -5078,9 +5104,10 @@
               <a:defRPr/>
             </a:pPr>
             <a:r>
-              <a:rPr lang="en-US"/>
+              <a:rPr lang="en-US" smtClean="0"/>
               <a:t>The Capstone Experience</a:t>
             </a:r>
+            <a:endParaRPr lang="en-US"/>
           </a:p>
         </p:txBody>
       </p:sp>
@@ -5112,8 +5139,16 @@
               <a:defRPr/>
             </a:pPr>
             <a:r>
-              <a:rPr lang="en-US"/>
-              <a:t>Team &lt;Company Name&gt; Beta Presentation</a:t>
+              <a:rPr lang="en-US" dirty="0"/>
+              <a:t>Team </a:t>
+            </a:r>
+            <a:r>
+              <a:rPr lang="en-US" dirty="0" smtClean="0"/>
+              <a:t>Urban Science </a:t>
+            </a:r>
+            <a:r>
+              <a:rPr lang="en-US" dirty="0"/>
+              <a:t>Beta Presentation</a:t>
             </a:r>
           </a:p>
         </p:txBody>
@@ -5154,7 +5189,7 @@
     </p:spTree>
     <p:extLst>
       <p:ext uri="{BB962C8B-B14F-4D97-AF65-F5344CB8AC3E}">
-        <p14:creationId xmlns:p14="http://schemas.microsoft.com/office/powerpoint/2010/main" xmlns="" val="2682078689"/>
+        <p14:creationId xmlns="" xmlns:p14="http://schemas.microsoft.com/office/powerpoint/2010/main" val="2682078689"/>
       </p:ext>
     </p:extLst>
   </p:cSld>
@@ -5419,9 +5454,10 @@
               <a:defRPr/>
             </a:pPr>
             <a:r>
-              <a:rPr lang="en-US"/>
+              <a:rPr lang="en-US" smtClean="0"/>
               <a:t>The Capstone Experience</a:t>
             </a:r>
+            <a:endParaRPr lang="en-US"/>
           </a:p>
         </p:txBody>
       </p:sp>
@@ -5448,8 +5484,16 @@
               <a:defRPr/>
             </a:pPr>
             <a:r>
-              <a:rPr lang="en-US"/>
-              <a:t>Team &lt;Company Name&gt; Beta Presentation</a:t>
+              <a:rPr lang="en-US" dirty="0"/>
+              <a:t>Team </a:t>
+            </a:r>
+            <a:r>
+              <a:rPr lang="en-US" dirty="0" smtClean="0"/>
+              <a:t>Urban Science Beta </a:t>
+            </a:r>
+            <a:r>
+              <a:rPr lang="en-US" dirty="0"/>
+              <a:t>Presentation</a:t>
             </a:r>
           </a:p>
         </p:txBody>
@@ -5490,7 +5534,7 @@
     </p:spTree>
     <p:extLst>
       <p:ext uri="{BB962C8B-B14F-4D97-AF65-F5344CB8AC3E}">
-        <p14:creationId xmlns:p14="http://schemas.microsoft.com/office/powerpoint/2010/main" xmlns="" val="1967580509"/>
+        <p14:creationId xmlns="" xmlns:p14="http://schemas.microsoft.com/office/powerpoint/2010/main" val="1967580509"/>
       </p:ext>
     </p:extLst>
   </p:cSld>
@@ -5875,9 +5919,10 @@
               <a:defRPr/>
             </a:pPr>
             <a:r>
-              <a:rPr lang="en-US"/>
+              <a:rPr lang="en-US" smtClean="0"/>
               <a:t>The Capstone Experience</a:t>
             </a:r>
+            <a:endParaRPr lang="en-US"/>
           </a:p>
         </p:txBody>
       </p:sp>
@@ -5904,8 +5949,16 @@
               <a:defRPr/>
             </a:pPr>
             <a:r>
-              <a:rPr lang="en-US"/>
-              <a:t>Team &lt;Company Name&gt; Beta Presentation</a:t>
+              <a:rPr lang="en-US" dirty="0"/>
+              <a:t>Team </a:t>
+            </a:r>
+            <a:r>
+              <a:rPr lang="en-US" dirty="0" smtClean="0"/>
+              <a:t>Urban Science Beta </a:t>
+            </a:r>
+            <a:r>
+              <a:rPr lang="en-US" dirty="0"/>
+              <a:t>Presentation</a:t>
             </a:r>
           </a:p>
         </p:txBody>
@@ -5946,7 +5999,7 @@
     </p:spTree>
     <p:extLst>
       <p:ext uri="{BB962C8B-B14F-4D97-AF65-F5344CB8AC3E}">
-        <p14:creationId xmlns:p14="http://schemas.microsoft.com/office/powerpoint/2010/main" xmlns="" val="4110782242"/>
+        <p14:creationId xmlns="" xmlns:p14="http://schemas.microsoft.com/office/powerpoint/2010/main" val="4110782242"/>
       </p:ext>
     </p:extLst>
   </p:cSld>
@@ -6019,7 +6072,7 @@
               <a:defRPr/>
             </a:pPr>
             <a:r>
-              <a:rPr lang="en-US"/>
+              <a:rPr lang="en-US" smtClean="0"/>
               <a:t>The Capstone Experience</a:t>
             </a:r>
             <a:endParaRPr lang="en-US" dirty="0"/>
@@ -6054,10 +6107,17 @@
               <a:defRPr/>
             </a:pPr>
             <a:r>
-              <a:rPr lang="en-US"/>
-              <a:t>Team &lt;Company Name&gt; Beta Presentation</a:t>
-            </a:r>
-            <a:endParaRPr lang="en-US" dirty="0"/>
+              <a:rPr lang="en-US" dirty="0"/>
+              <a:t>Team </a:t>
+            </a:r>
+            <a:r>
+              <a:rPr lang="en-US" dirty="0" smtClean="0"/>
+              <a:t>Urban Science </a:t>
+            </a:r>
+            <a:r>
+              <a:rPr lang="en-US" dirty="0"/>
+              <a:t>Beta Presentation</a:t>
+            </a:r>
           </a:p>
         </p:txBody>
       </p:sp>
@@ -6097,7 +6157,7 @@
     </p:spTree>
     <p:extLst>
       <p:ext uri="{BB962C8B-B14F-4D97-AF65-F5344CB8AC3E}">
-        <p14:creationId xmlns:p14="http://schemas.microsoft.com/office/powerpoint/2010/main" xmlns="" val="1892974325"/>
+        <p14:creationId xmlns="" xmlns:p14="http://schemas.microsoft.com/office/powerpoint/2010/main" val="1892974325"/>
       </p:ext>
     </p:extLst>
   </p:cSld>
@@ -6147,9 +6207,10 @@
               <a:defRPr/>
             </a:pPr>
             <a:r>
-              <a:rPr lang="en-US"/>
+              <a:rPr lang="en-US" smtClean="0"/>
               <a:t>The Capstone Experience</a:t>
             </a:r>
+            <a:endParaRPr lang="en-US"/>
           </a:p>
         </p:txBody>
       </p:sp>
@@ -6176,8 +6237,16 @@
               <a:defRPr/>
             </a:pPr>
             <a:r>
-              <a:rPr lang="en-US"/>
-              <a:t>Team &lt;Company Name&gt; Beta Presentation</a:t>
+              <a:rPr lang="en-US" dirty="0"/>
+              <a:t>Team </a:t>
+            </a:r>
+            <a:r>
+              <a:rPr lang="en-US" dirty="0" smtClean="0"/>
+              <a:t>Urban Science </a:t>
+            </a:r>
+            <a:r>
+              <a:rPr lang="en-US" dirty="0"/>
+              <a:t>Beta Presentation</a:t>
             </a:r>
           </a:p>
         </p:txBody>
@@ -6218,7 +6287,7 @@
     </p:spTree>
     <p:extLst>
       <p:ext uri="{BB962C8B-B14F-4D97-AF65-F5344CB8AC3E}">
-        <p14:creationId xmlns:p14="http://schemas.microsoft.com/office/powerpoint/2010/main" xmlns="" val="606310080"/>
+        <p14:creationId xmlns="" xmlns:p14="http://schemas.microsoft.com/office/powerpoint/2010/main" val="606310080"/>
       </p:ext>
     </p:extLst>
   </p:cSld>
@@ -6259,7 +6328,7 @@
           <a:blip r:embed="rId3" cstate="print">
             <a:extLst>
               <a:ext uri="{28A0092B-C50C-407E-A947-70E740481C1C}">
-                <a14:useLocalDpi xmlns:a14="http://schemas.microsoft.com/office/drawing/2010/main" xmlns="" val="0"/>
+                <a14:useLocalDpi xmlns="" xmlns:a14="http://schemas.microsoft.com/office/drawing/2010/main" val="0"/>
               </a:ext>
             </a:extLst>
           </a:blip>
@@ -6282,14 +6351,14 @@
           </a:ln>
           <a:extLst>
             <a:ext uri="{909E8E84-426E-40DD-AFC4-6F175D3DCCD1}">
-              <a14:hiddenFill xmlns:a14="http://schemas.microsoft.com/office/drawing/2010/main" xmlns="">
+              <a14:hiddenFill xmlns="" xmlns:a14="http://schemas.microsoft.com/office/drawing/2010/main">
                 <a:solidFill>
                   <a:srgbClr val="FFFFFF"/>
                 </a:solidFill>
               </a14:hiddenFill>
             </a:ext>
             <a:ext uri="{91240B29-F687-4F45-9708-019B960494DF}">
-              <a14:hiddenLine xmlns:a14="http://schemas.microsoft.com/office/drawing/2010/main" xmlns="" w="9525">
+              <a14:hiddenLine xmlns="" xmlns:a14="http://schemas.microsoft.com/office/drawing/2010/main" w="9525">
                 <a:solidFill>
                   <a:srgbClr val="000000"/>
                 </a:solidFill>
@@ -6450,7 +6519,7 @@
     </p:spTree>
     <p:extLst>
       <p:ext uri="{BB962C8B-B14F-4D97-AF65-F5344CB8AC3E}">
-        <p14:creationId xmlns:p14="http://schemas.microsoft.com/office/powerpoint/2010/main" xmlns="" val="1504093363"/>
+        <p14:creationId xmlns="" xmlns:p14="http://schemas.microsoft.com/office/powerpoint/2010/main" val="1504093363"/>
       </p:ext>
     </p:extLst>
   </p:cSld>
@@ -6511,14 +6580,14 @@
           </a:ln>
           <a:extLst>
             <a:ext uri="{909E8E84-426E-40DD-AFC4-6F175D3DCCD1}">
-              <a14:hiddenFill xmlns:a14="http://schemas.microsoft.com/office/drawing/2010/main" xmlns="">
+              <a14:hiddenFill xmlns="" xmlns:a14="http://schemas.microsoft.com/office/drawing/2010/main">
                 <a:solidFill>
                   <a:srgbClr val="FFFFFF"/>
                 </a:solidFill>
               </a14:hiddenFill>
             </a:ext>
             <a:ext uri="{91240B29-F687-4F45-9708-019B960494DF}">
-              <a14:hiddenLine xmlns:a14="http://schemas.microsoft.com/office/drawing/2010/main" xmlns="" w="9525">
+              <a14:hiddenLine xmlns="" xmlns:a14="http://schemas.microsoft.com/office/drawing/2010/main" w="9525">
                 <a:solidFill>
                   <a:srgbClr val="000000"/>
                 </a:solidFill>
@@ -6569,14 +6638,14 @@
           </a:ln>
           <a:extLst>
             <a:ext uri="{909E8E84-426E-40DD-AFC4-6F175D3DCCD1}">
-              <a14:hiddenFill xmlns:a14="http://schemas.microsoft.com/office/drawing/2010/main" xmlns="">
+              <a14:hiddenFill xmlns="" xmlns:a14="http://schemas.microsoft.com/office/drawing/2010/main">
                 <a:solidFill>
                   <a:srgbClr val="FFFFFF"/>
                 </a:solidFill>
               </a14:hiddenFill>
             </a:ext>
             <a:ext uri="{91240B29-F687-4F45-9708-019B960494DF}">
-              <a14:hiddenLine xmlns:a14="http://schemas.microsoft.com/office/drawing/2010/main" xmlns="" w="9525">
+              <a14:hiddenLine xmlns="" xmlns:a14="http://schemas.microsoft.com/office/drawing/2010/main" w="9525">
                 <a:solidFill>
                   <a:srgbClr val="000000"/>
                 </a:solidFill>
@@ -6676,9 +6745,10 @@
               <a:defRPr/>
             </a:pPr>
             <a:r>
-              <a:rPr lang="en-US"/>
+              <a:rPr lang="en-US" smtClean="0"/>
               <a:t>The Capstone Experience</a:t>
             </a:r>
+            <a:endParaRPr lang="en-US"/>
           </a:p>
         </p:txBody>
       </p:sp>
@@ -6727,10 +6797,17 @@
               <a:defRPr/>
             </a:pPr>
             <a:r>
-              <a:rPr lang="en-US"/>
-              <a:t>Team &lt;Company Name&gt; Beta Presentation</a:t>
-            </a:r>
-            <a:endParaRPr lang="en-US" dirty="0"/>
+              <a:rPr lang="en-US" dirty="0"/>
+              <a:t>Team </a:t>
+            </a:r>
+            <a:r>
+              <a:rPr lang="en-US" dirty="0" smtClean="0"/>
+              <a:t>Urban Science Beta </a:t>
+            </a:r>
+            <a:r>
+              <a:rPr lang="en-US" dirty="0"/>
+              <a:t>Presentation</a:t>
+            </a:r>
           </a:p>
         </p:txBody>
       </p:sp>
@@ -6913,7 +6990,7 @@
           <a:blip r:embed="rId11" cstate="print">
             <a:extLst>
               <a:ext uri="{28A0092B-C50C-407E-A947-70E740481C1C}">
-                <a14:useLocalDpi xmlns:a14="http://schemas.microsoft.com/office/drawing/2010/main" xmlns="" val="0"/>
+                <a14:useLocalDpi xmlns="" xmlns:a14="http://schemas.microsoft.com/office/drawing/2010/main" val="0"/>
               </a:ext>
             </a:extLst>
           </a:blip>
@@ -6936,14 +7013,14 @@
           </a:ln>
           <a:extLst>
             <a:ext uri="{909E8E84-426E-40DD-AFC4-6F175D3DCCD1}">
-              <a14:hiddenFill xmlns:a14="http://schemas.microsoft.com/office/drawing/2010/main" xmlns="">
+              <a14:hiddenFill xmlns="" xmlns:a14="http://schemas.microsoft.com/office/drawing/2010/main">
                 <a:solidFill>
                   <a:srgbClr val="FFFFFF"/>
                 </a:solidFill>
               </a14:hiddenFill>
             </a:ext>
             <a:ext uri="{91240B29-F687-4F45-9708-019B960494DF}">
-              <a14:hiddenLine xmlns:a14="http://schemas.microsoft.com/office/drawing/2010/main" xmlns="" w="9525">
+              <a14:hiddenLine xmlns="" xmlns:a14="http://schemas.microsoft.com/office/drawing/2010/main" w="9525">
                 <a:solidFill>
                   <a:srgbClr val="000000"/>
                 </a:solidFill>
@@ -7684,7 +7761,11 @@
             </a:pPr>
             <a:r>
               <a:rPr lang="en-US" dirty="0" smtClean="0"/>
-              <a:t>Throughout the PowerPoint template, replace placeholders &lt;…&gt; with the appropriate information.</a:t>
+              <a:t>Throughout </a:t>
+            </a:r>
+            <a:r>
+              <a:rPr lang="en-US" dirty="0" smtClean="0"/>
+              <a:t>the PowerPoint template, replace placeholders &lt;…&gt; with the appropriate information.</a:t>
             </a:r>
           </a:p>
           <a:p>
@@ -7756,9 +7837,10 @@
               <a:defRPr/>
             </a:pPr>
             <a:r>
-              <a:rPr lang="en-US"/>
+              <a:rPr lang="en-US" smtClean="0"/>
               <a:t>The Capstone Experience</a:t>
             </a:r>
+            <a:endParaRPr lang="en-US"/>
           </a:p>
         </p:txBody>
       </p:sp>
@@ -7781,8 +7863,16 @@
               <a:defRPr/>
             </a:pPr>
             <a:r>
-              <a:rPr lang="en-US"/>
-              <a:t>Team &lt;Company Name&gt; Beta Presentation</a:t>
+              <a:rPr lang="en-US" dirty="0"/>
+              <a:t>Team </a:t>
+            </a:r>
+            <a:r>
+              <a:rPr lang="en-US" dirty="0" smtClean="0"/>
+              <a:t>Urban Science </a:t>
+            </a:r>
+            <a:r>
+              <a:rPr lang="en-US" dirty="0"/>
+              <a:t>Beta Presentation</a:t>
             </a:r>
           </a:p>
         </p:txBody>
@@ -7891,19 +7981,60 @@
               <a:rPr lang="en-US" dirty="0" smtClean="0"/>
               <a:t>Bug Fix </a:t>
             </a:r>
+            <a:r>
+              <a:rPr lang="en-US" dirty="0" smtClean="0"/>
+              <a:t>everything</a:t>
+            </a:r>
             <a:endParaRPr lang="en-US" dirty="0" smtClean="0"/>
           </a:p>
           <a:p>
             <a:pPr eaLnBrk="1" hangingPunct="1"/>
             <a:r>
               <a:rPr lang="en-US" dirty="0" smtClean="0"/>
-              <a:t>Mysterious February bug</a:t>
+              <a:t>Mysterious </a:t>
+            </a:r>
+            <a:r>
+              <a:rPr lang="en-US" dirty="0" err="1" smtClean="0"/>
+              <a:t>Javascript</a:t>
+            </a:r>
+            <a:r>
+              <a:rPr lang="en-US" dirty="0" smtClean="0"/>
+              <a:t> bugs</a:t>
+            </a:r>
+          </a:p>
+          <a:p>
+            <a:pPr eaLnBrk="1" hangingPunct="1"/>
+            <a:r>
+              <a:rPr lang="en-US" dirty="0" smtClean="0"/>
+              <a:t>Documentation of code</a:t>
+            </a:r>
+          </a:p>
+          <a:p>
+            <a:pPr eaLnBrk="1" hangingPunct="1"/>
+            <a:r>
+              <a:rPr lang="en-US" dirty="0" smtClean="0"/>
+              <a:t>Project Video</a:t>
+            </a:r>
+          </a:p>
+          <a:p>
+            <a:pPr eaLnBrk="1" hangingPunct="1"/>
+            <a:r>
+              <a:rPr lang="en-US" dirty="0" smtClean="0"/>
+              <a:t>Project </a:t>
+            </a:r>
+            <a:r>
+              <a:rPr lang="en-US" smtClean="0"/>
+              <a:t>Plan Document</a:t>
             </a:r>
           </a:p>
           <a:p>
             <a:pPr eaLnBrk="1" hangingPunct="1"/>
             <a:endParaRPr lang="en-US" dirty="0" smtClean="0"/>
           </a:p>
+          <a:p>
+            <a:pPr eaLnBrk="1" hangingPunct="1"/>
+            <a:endParaRPr lang="en-US" dirty="0" smtClean="0"/>
+          </a:p>
         </p:txBody>
       </p:sp>
       <p:sp>
@@ -7925,9 +8056,10 @@
               <a:defRPr/>
             </a:pPr>
             <a:r>
-              <a:rPr lang="en-US"/>
+              <a:rPr lang="en-US" smtClean="0"/>
               <a:t>The Capstone Experience</a:t>
             </a:r>
+            <a:endParaRPr lang="en-US"/>
           </a:p>
         </p:txBody>
       </p:sp>
@@ -7950,8 +8082,16 @@
               <a:defRPr/>
             </a:pPr>
             <a:r>
-              <a:rPr lang="en-US"/>
-              <a:t>Team &lt;Company Name&gt; Beta Presentation</a:t>
+              <a:rPr lang="en-US" dirty="0"/>
+              <a:t>Team </a:t>
+            </a:r>
+            <a:r>
+              <a:rPr lang="en-US" dirty="0" smtClean="0"/>
+              <a:t>Urban Science </a:t>
+            </a:r>
+            <a:r>
+              <a:rPr lang="en-US" dirty="0"/>
+              <a:t>Beta Presentation</a:t>
             </a:r>
           </a:p>
         </p:txBody>
@@ -8267,9 +8407,10 @@
               <a:defRPr/>
             </a:pPr>
             <a:r>
-              <a:rPr lang="en-US"/>
+              <a:rPr lang="en-US" smtClean="0"/>
               <a:t>The Capstone Experience</a:t>
             </a:r>
+            <a:endParaRPr lang="en-US"/>
           </a:p>
         </p:txBody>
       </p:sp>
@@ -8292,8 +8433,16 @@
               <a:defRPr/>
             </a:pPr>
             <a:r>
-              <a:rPr lang="en-US"/>
-              <a:t>Team &lt;Company Name&gt; Beta Presentation</a:t>
+              <a:rPr lang="en-US" dirty="0"/>
+              <a:t>Team </a:t>
+            </a:r>
+            <a:r>
+              <a:rPr lang="en-US" dirty="0" smtClean="0"/>
+              <a:t>Urban Science </a:t>
+            </a:r>
+            <a:r>
+              <a:rPr lang="en-US" dirty="0"/>
+              <a:t>Beta Presentation</a:t>
             </a:r>
           </a:p>
         </p:txBody>
@@ -8395,7 +8544,6 @@
               <a:rPr lang="en-US" sz="3600" dirty="0" smtClean="0"/>
               <a:t> Generator</a:t>
             </a:r>
-            <a:endParaRPr lang="en-US" sz="3600" dirty="0" smtClean="0"/>
           </a:p>
         </p:txBody>
       </p:sp>
@@ -8430,21 +8578,8 @@
                   <a:srgbClr val="18453B"/>
                 </a:solidFill>
               </a:rPr>
-              <a:t>Team </a:t>
-            </a:r>
-            <a:r>
-              <a:rPr lang="en-US" sz="2400" dirty="0" smtClean="0">
-                <a:solidFill>
-                  <a:srgbClr val="18453B"/>
-                </a:solidFill>
-              </a:rPr>
-              <a:t>Urban Science</a:t>
-            </a:r>
-            <a:endParaRPr lang="en-US" sz="2400" dirty="0" smtClean="0">
-              <a:solidFill>
-                <a:srgbClr val="18453B"/>
-              </a:solidFill>
-            </a:endParaRPr>
+              <a:t>Team Urban Science</a:t>
+            </a:r>
           </a:p>
           <a:p>
             <a:pPr eaLnBrk="1" hangingPunct="1">
@@ -8460,11 +8595,6 @@
               </a:rPr>
               <a:t>Peter Chen</a:t>
             </a:r>
-            <a:endParaRPr lang="en-US" dirty="0" smtClean="0">
-              <a:solidFill>
-                <a:srgbClr val="18453B"/>
-              </a:solidFill>
-            </a:endParaRPr>
           </a:p>
           <a:p>
             <a:pPr eaLnBrk="1" hangingPunct="1">
@@ -8493,21 +8623,8 @@
                   <a:srgbClr val="18453B"/>
                 </a:solidFill>
               </a:rPr>
-              <a:t>Louis </a:t>
-            </a:r>
-            <a:r>
-              <a:rPr lang="en-US" dirty="0" smtClean="0">
-                <a:solidFill>
-                  <a:srgbClr val="18453B"/>
-                </a:solidFill>
-              </a:rPr>
-              <a:t>Bodnar</a:t>
-            </a:r>
-            <a:endParaRPr lang="en-US" dirty="0" smtClean="0">
-              <a:solidFill>
-                <a:srgbClr val="18453B"/>
-              </a:solidFill>
-            </a:endParaRPr>
+              <a:t>Louis Bodnar</a:t>
+            </a:r>
           </a:p>
           <a:p>
             <a:pPr eaLnBrk="1" hangingPunct="1">
@@ -8523,11 +8640,6 @@
               </a:rPr>
               <a:t>Kevin Shreve</a:t>
             </a:r>
-            <a:endParaRPr lang="en-US" dirty="0" smtClean="0">
-              <a:solidFill>
-                <a:srgbClr val="18453B"/>
-              </a:solidFill>
-            </a:endParaRPr>
           </a:p>
           <a:p>
             <a:pPr eaLnBrk="1" hangingPunct="1">
@@ -8693,9 +8805,10 @@
               <a:defRPr/>
             </a:pPr>
             <a:r>
-              <a:rPr lang="en-US"/>
+              <a:rPr lang="en-US" smtClean="0"/>
               <a:t>The Capstone Experience</a:t>
             </a:r>
+            <a:endParaRPr lang="en-US"/>
           </a:p>
         </p:txBody>
       </p:sp>
@@ -8718,8 +8831,12 @@
               <a:defRPr/>
             </a:pPr>
             <a:r>
-              <a:rPr lang="en-US"/>
-              <a:t>Team &lt;Company Name&gt; Beta Presentation</a:t>
+              <a:rPr lang="en-US" dirty="0" smtClean="0"/>
+              <a:t>Team Urban Science </a:t>
+            </a:r>
+            <a:r>
+              <a:rPr lang="en-US" dirty="0"/>
+              <a:t>Beta Presentation</a:t>
             </a:r>
           </a:p>
         </p:txBody>
@@ -8827,7 +8944,7 @@
               <a:defRPr/>
             </a:pPr>
             <a:r>
-              <a:rPr lang="en-US"/>
+              <a:rPr lang="en-US" smtClean="0"/>
               <a:t>The Capstone Experience</a:t>
             </a:r>
             <a:endParaRPr lang="en-US" dirty="0"/>
@@ -8853,10 +8970,17 @@
               <a:defRPr/>
             </a:pPr>
             <a:r>
-              <a:rPr lang="en-US"/>
-              <a:t>Team &lt;Company Name&gt; Beta Presentation</a:t>
-            </a:r>
-            <a:endParaRPr lang="en-US" dirty="0"/>
+              <a:rPr lang="en-US" dirty="0"/>
+              <a:t>Team </a:t>
+            </a:r>
+            <a:r>
+              <a:rPr lang="en-US" dirty="0" smtClean="0"/>
+              <a:t>Urban Science </a:t>
+            </a:r>
+            <a:r>
+              <a:rPr lang="en-US" dirty="0"/>
+              <a:t>Beta Presentation</a:t>
+            </a:r>
           </a:p>
         </p:txBody>
       </p:sp>
@@ -8990,9 +9114,10 @@
               <a:defRPr/>
             </a:pPr>
             <a:r>
-              <a:rPr lang="en-US"/>
+              <a:rPr lang="en-US" smtClean="0"/>
               <a:t>The Capstone Experience</a:t>
             </a:r>
+            <a:endParaRPr lang="en-US"/>
           </a:p>
         </p:txBody>
       </p:sp>
@@ -9015,8 +9140,16 @@
               <a:defRPr/>
             </a:pPr>
             <a:r>
-              <a:rPr lang="en-US"/>
-              <a:t>Team &lt;Company Name&gt; Beta Presentation</a:t>
+              <a:rPr lang="en-US" dirty="0"/>
+              <a:t>Team </a:t>
+            </a:r>
+            <a:r>
+              <a:rPr lang="en-US" dirty="0" smtClean="0"/>
+              <a:t>Urban Science </a:t>
+            </a:r>
+            <a:r>
+              <a:rPr lang="en-US" dirty="0"/>
+              <a:t>Beta Presentation</a:t>
             </a:r>
           </a:p>
         </p:txBody>
@@ -9129,9 +9262,10 @@
               <a:defRPr/>
             </a:pPr>
             <a:r>
-              <a:rPr lang="en-US"/>
+              <a:rPr lang="en-US" smtClean="0"/>
               <a:t>The Capstone Experience</a:t>
             </a:r>
+            <a:endParaRPr lang="en-US"/>
           </a:p>
         </p:txBody>
       </p:sp>
@@ -9154,8 +9288,16 @@
               <a:defRPr/>
             </a:pPr>
             <a:r>
-              <a:rPr lang="en-US"/>
-              <a:t>Team &lt;Company Name&gt; Beta Presentation</a:t>
+              <a:rPr lang="en-US" dirty="0"/>
+              <a:t>Team </a:t>
+            </a:r>
+            <a:r>
+              <a:rPr lang="en-US" dirty="0" smtClean="0"/>
+              <a:t>Urban Science </a:t>
+            </a:r>
+            <a:r>
+              <a:rPr lang="en-US" dirty="0"/>
+              <a:t>Beta Presentation</a:t>
             </a:r>
           </a:p>
         </p:txBody>
@@ -9268,9 +9410,10 @@
               <a:defRPr/>
             </a:pPr>
             <a:r>
-              <a:rPr lang="en-US"/>
+              <a:rPr lang="en-US" smtClean="0"/>
               <a:t>The Capstone Experience</a:t>
             </a:r>
+            <a:endParaRPr lang="en-US"/>
           </a:p>
         </p:txBody>
       </p:sp>
@@ -9293,8 +9436,16 @@
               <a:defRPr/>
             </a:pPr>
             <a:r>
-              <a:rPr lang="en-US"/>
-              <a:t>Team &lt;Company Name&gt; Beta Presentation</a:t>
+              <a:rPr lang="en-US" dirty="0"/>
+              <a:t>Team </a:t>
+            </a:r>
+            <a:r>
+              <a:rPr lang="en-US" dirty="0" smtClean="0"/>
+              <a:t>Urban Science </a:t>
+            </a:r>
+            <a:r>
+              <a:rPr lang="en-US" dirty="0"/>
+              <a:t>Beta Presentation</a:t>
             </a:r>
           </a:p>
         </p:txBody>
@@ -9333,6 +9484,13 @@
   <p:clrMapOvr>
     <a:masterClrMapping/>
   </p:clrMapOvr>
+  <p:timing>
+    <p:tnLst>
+      <p:par>
+        <p:cTn id="1" dur="indefinite" restart="never" nodeType="tmRoot"/>
+      </p:par>
+    </p:tnLst>
+  </p:timing>
 </p:sld>
 </file>
 
@@ -9400,9 +9558,10 @@
               <a:defRPr/>
             </a:pPr>
             <a:r>
-              <a:rPr lang="en-US"/>
+              <a:rPr lang="en-US" smtClean="0"/>
               <a:t>The Capstone Experience</a:t>
             </a:r>
+            <a:endParaRPr lang="en-US"/>
           </a:p>
         </p:txBody>
       </p:sp>
@@ -9425,8 +9584,16 @@
               <a:defRPr/>
             </a:pPr>
             <a:r>
-              <a:rPr lang="en-US"/>
-              <a:t>Team &lt;Company Name&gt; Beta Presentation</a:t>
+              <a:rPr lang="en-US" dirty="0"/>
+              <a:t>Team </a:t>
+            </a:r>
+            <a:r>
+              <a:rPr lang="en-US" dirty="0" smtClean="0"/>
+              <a:t>Urban Science </a:t>
+            </a:r>
+            <a:r>
+              <a:rPr lang="en-US" dirty="0"/>
+              <a:t>Beta Presentation</a:t>
             </a:r>
           </a:p>
         </p:txBody>
@@ -9465,6 +9632,13 @@
   <p:clrMapOvr>
     <a:masterClrMapping/>
   </p:clrMapOvr>
+  <p:timing>
+    <p:tnLst>
+      <p:par>
+        <p:cTn id="1" dur="indefinite" restart="never" nodeType="tmRoot"/>
+      </p:par>
+    </p:tnLst>
+  </p:timing>
 </p:sld>
 </file>
 

--- a/documents/presentations/beta-presentation/team-urban-science-beta-presentation.pptx
+++ b/documents/presentations/beta-presentation/team-urban-science-beta-presentation.pptx
@@ -400,7 +400,7 @@
           <a:blip r:embed="rId2" cstate="print">
             <a:extLst>
               <a:ext uri="{28A0092B-C50C-407E-A947-70E740481C1C}">
-                <a14:useLocalDpi xmlns="" xmlns:a14="http://schemas.microsoft.com/office/drawing/2010/main" val="0"/>
+                <a14:useLocalDpi xmlns:a14="http://schemas.microsoft.com/office/drawing/2010/main" xmlns="" val="0"/>
               </a:ext>
             </a:extLst>
           </a:blip>
@@ -423,14 +423,14 @@
           </a:ln>
           <a:extLst>
             <a:ext uri="{909E8E84-426E-40DD-AFC4-6F175D3DCCD1}">
-              <a14:hiddenFill xmlns="" xmlns:a14="http://schemas.microsoft.com/office/drawing/2010/main">
+              <a14:hiddenFill xmlns:a14="http://schemas.microsoft.com/office/drawing/2010/main" xmlns="">
                 <a:solidFill>
                   <a:srgbClr val="FFFFFF"/>
                 </a:solidFill>
               </a14:hiddenFill>
             </a:ext>
             <a:ext uri="{91240B29-F687-4F45-9708-019B960494DF}">
-              <a14:hiddenLine xmlns="" xmlns:a14="http://schemas.microsoft.com/office/drawing/2010/main" w="9525">
+              <a14:hiddenLine xmlns:a14="http://schemas.microsoft.com/office/drawing/2010/main" xmlns="" w="9525">
                 <a:solidFill>
                   <a:srgbClr val="000000"/>
                 </a:solidFill>
@@ -464,14 +464,14 @@
           </a:ln>
           <a:extLst>
             <a:ext uri="{909E8E84-426E-40DD-AFC4-6F175D3DCCD1}">
-              <a14:hiddenFill xmlns="" xmlns:a14="http://schemas.microsoft.com/office/drawing/2010/main">
+              <a14:hiddenFill xmlns:a14="http://schemas.microsoft.com/office/drawing/2010/main" xmlns="">
                 <a:solidFill>
                   <a:srgbClr val="FFFFFF"/>
                 </a:solidFill>
               </a14:hiddenFill>
             </a:ext>
             <a:ext uri="{91240B29-F687-4F45-9708-019B960494DF}">
-              <a14:hiddenLine xmlns="" xmlns:a14="http://schemas.microsoft.com/office/drawing/2010/main" w="9525">
+              <a14:hiddenLine xmlns:a14="http://schemas.microsoft.com/office/drawing/2010/main" xmlns="" w="9525">
                 <a:solidFill>
                   <a:srgbClr val="000000"/>
                 </a:solidFill>
@@ -605,7 +605,7 @@
     </p:spTree>
     <p:extLst>
       <p:ext uri="{BB962C8B-B14F-4D97-AF65-F5344CB8AC3E}">
-        <p14:creationId xmlns="" xmlns:p14="http://schemas.microsoft.com/office/powerpoint/2010/main" val="232417806"/>
+        <p14:creationId xmlns:p14="http://schemas.microsoft.com/office/powerpoint/2010/main" xmlns="" val="232417806"/>
       </p:ext>
     </p:extLst>
   </p:cSld>
@@ -931,7 +931,7 @@
     </p:spTree>
     <p:extLst>
       <p:ext uri="{BB962C8B-B14F-4D97-AF65-F5344CB8AC3E}">
-        <p14:creationId xmlns="" xmlns:p14="http://schemas.microsoft.com/office/powerpoint/2010/main" val="2158654164"/>
+        <p14:creationId xmlns:p14="http://schemas.microsoft.com/office/powerpoint/2010/main" xmlns="" val="2158654164"/>
       </p:ext>
     </p:extLst>
   </p:cSld>
@@ -1101,7 +1101,7 @@
           </a:ln>
           <a:extLst>
             <a:ext uri="{909E8E84-426E-40DD-AFC4-6F175D3DCCD1}">
-              <a14:hiddenFill xmlns="" xmlns:a14="http://schemas.microsoft.com/office/drawing/2010/main">
+              <a14:hiddenFill xmlns:a14="http://schemas.microsoft.com/office/drawing/2010/main" xmlns="">
                 <a:solidFill>
                   <a:srgbClr val="FFFFFF"/>
                 </a:solidFill>
@@ -1124,14 +1124,14 @@
           <a:noFill/>
           <a:extLst>
             <a:ext uri="{909E8E84-426E-40DD-AFC4-6F175D3DCCD1}">
-              <a14:hiddenFill xmlns="" xmlns:a14="http://schemas.microsoft.com/office/drawing/2010/main">
+              <a14:hiddenFill xmlns:a14="http://schemas.microsoft.com/office/drawing/2010/main" xmlns="">
                 <a:solidFill>
                   <a:srgbClr val="FFFFFF"/>
                 </a:solidFill>
               </a14:hiddenFill>
             </a:ext>
             <a:ext uri="{91240B29-F687-4F45-9708-019B960494DF}">
-              <a14:hiddenLine xmlns="" xmlns:a14="http://schemas.microsoft.com/office/drawing/2010/main" w="9525">
+              <a14:hiddenLine xmlns:a14="http://schemas.microsoft.com/office/drawing/2010/main" xmlns="" w="9525">
                 <a:solidFill>
                   <a:srgbClr val="000000"/>
                 </a:solidFill>
@@ -1172,14 +1172,14 @@
         <p:spPr bwMode="auto">
           <a:extLst>
             <a:ext uri="{909E8E84-426E-40DD-AFC4-6F175D3DCCD1}">
-              <a14:hiddenFill xmlns="" xmlns:a14="http://schemas.microsoft.com/office/drawing/2010/main">
+              <a14:hiddenFill xmlns:a14="http://schemas.microsoft.com/office/drawing/2010/main" xmlns="">
                 <a:solidFill>
                   <a:srgbClr val="FFFFFF"/>
                 </a:solidFill>
               </a14:hiddenFill>
             </a:ext>
             <a:ext uri="{91240B29-F687-4F45-9708-019B960494DF}">
-              <a14:hiddenLine xmlns="" xmlns:a14="http://schemas.microsoft.com/office/drawing/2010/main" w="9525">
+              <a14:hiddenLine xmlns:a14="http://schemas.microsoft.com/office/drawing/2010/main" xmlns="" w="9525">
                 <a:solidFill>
                   <a:srgbClr val="000000"/>
                 </a:solidFill>
@@ -1324,14 +1324,14 @@
         <p:spPr bwMode="auto">
           <a:extLst>
             <a:ext uri="{909E8E84-426E-40DD-AFC4-6F175D3DCCD1}">
-              <a14:hiddenFill xmlns="" xmlns:a14="http://schemas.microsoft.com/office/drawing/2010/main">
+              <a14:hiddenFill xmlns:a14="http://schemas.microsoft.com/office/drawing/2010/main" xmlns="">
                 <a:solidFill>
                   <a:srgbClr val="FFFFFF"/>
                 </a:solidFill>
               </a14:hiddenFill>
             </a:ext>
             <a:ext uri="{91240B29-F687-4F45-9708-019B960494DF}">
-              <a14:hiddenLine xmlns="" xmlns:a14="http://schemas.microsoft.com/office/drawing/2010/main" w="9525">
+              <a14:hiddenLine xmlns:a14="http://schemas.microsoft.com/office/drawing/2010/main" xmlns="" w="9525">
                 <a:solidFill>
                   <a:srgbClr val="000000"/>
                 </a:solidFill>
@@ -1476,14 +1476,14 @@
         <p:spPr bwMode="auto">
           <a:extLst>
             <a:ext uri="{909E8E84-426E-40DD-AFC4-6F175D3DCCD1}">
-              <a14:hiddenFill xmlns="" xmlns:a14="http://schemas.microsoft.com/office/drawing/2010/main">
+              <a14:hiddenFill xmlns:a14="http://schemas.microsoft.com/office/drawing/2010/main" xmlns="">
                 <a:solidFill>
                   <a:srgbClr val="FFFFFF"/>
                 </a:solidFill>
               </a14:hiddenFill>
             </a:ext>
             <a:ext uri="{91240B29-F687-4F45-9708-019B960494DF}">
-              <a14:hiddenLine xmlns="" xmlns:a14="http://schemas.microsoft.com/office/drawing/2010/main" w="9525">
+              <a14:hiddenLine xmlns:a14="http://schemas.microsoft.com/office/drawing/2010/main" xmlns="" w="9525">
                 <a:solidFill>
                   <a:srgbClr val="000000"/>
                 </a:solidFill>
@@ -1628,14 +1628,14 @@
         <p:spPr bwMode="auto">
           <a:extLst>
             <a:ext uri="{909E8E84-426E-40DD-AFC4-6F175D3DCCD1}">
-              <a14:hiddenFill xmlns="" xmlns:a14="http://schemas.microsoft.com/office/drawing/2010/main">
+              <a14:hiddenFill xmlns:a14="http://schemas.microsoft.com/office/drawing/2010/main" xmlns="">
                 <a:solidFill>
                   <a:srgbClr val="FFFFFF"/>
                 </a:solidFill>
               </a14:hiddenFill>
             </a:ext>
             <a:ext uri="{91240B29-F687-4F45-9708-019B960494DF}">
-              <a14:hiddenLine xmlns="" xmlns:a14="http://schemas.microsoft.com/office/drawing/2010/main" w="9525">
+              <a14:hiddenLine xmlns:a14="http://schemas.microsoft.com/office/drawing/2010/main" xmlns="" w="9525">
                 <a:solidFill>
                   <a:srgbClr val="000000"/>
                 </a:solidFill>
@@ -1815,14 +1815,14 @@
         <p:spPr bwMode="auto">
           <a:extLst>
             <a:ext uri="{909E8E84-426E-40DD-AFC4-6F175D3DCCD1}">
-              <a14:hiddenFill xmlns="" xmlns:a14="http://schemas.microsoft.com/office/drawing/2010/main">
+              <a14:hiddenFill xmlns:a14="http://schemas.microsoft.com/office/drawing/2010/main" xmlns="">
                 <a:solidFill>
                   <a:srgbClr val="FFFFFF"/>
                 </a:solidFill>
               </a14:hiddenFill>
             </a:ext>
             <a:ext uri="{91240B29-F687-4F45-9708-019B960494DF}">
-              <a14:hiddenLine xmlns="" xmlns:a14="http://schemas.microsoft.com/office/drawing/2010/main" w="9525">
+              <a14:hiddenLine xmlns:a14="http://schemas.microsoft.com/office/drawing/2010/main" xmlns="" w="9525">
                 <a:solidFill>
                   <a:srgbClr val="000000"/>
                 </a:solidFill>
@@ -1969,14 +1969,14 @@
         <p:spPr bwMode="auto">
           <a:extLst>
             <a:ext uri="{909E8E84-426E-40DD-AFC4-6F175D3DCCD1}">
-              <a14:hiddenFill xmlns="" xmlns:a14="http://schemas.microsoft.com/office/drawing/2010/main">
+              <a14:hiddenFill xmlns:a14="http://schemas.microsoft.com/office/drawing/2010/main" xmlns="">
                 <a:solidFill>
                   <a:srgbClr val="FFFFFF"/>
                 </a:solidFill>
               </a14:hiddenFill>
             </a:ext>
             <a:ext uri="{91240B29-F687-4F45-9708-019B960494DF}">
-              <a14:hiddenLine xmlns="" xmlns:a14="http://schemas.microsoft.com/office/drawing/2010/main" w="9525">
+              <a14:hiddenLine xmlns:a14="http://schemas.microsoft.com/office/drawing/2010/main" xmlns="" w="9525">
                 <a:solidFill>
                   <a:srgbClr val="000000"/>
                 </a:solidFill>
@@ -2123,14 +2123,14 @@
         <p:spPr bwMode="auto">
           <a:extLst>
             <a:ext uri="{909E8E84-426E-40DD-AFC4-6F175D3DCCD1}">
-              <a14:hiddenFill xmlns="" xmlns:a14="http://schemas.microsoft.com/office/drawing/2010/main">
+              <a14:hiddenFill xmlns:a14="http://schemas.microsoft.com/office/drawing/2010/main" xmlns="">
                 <a:solidFill>
                   <a:srgbClr val="FFFFFF"/>
                 </a:solidFill>
               </a14:hiddenFill>
             </a:ext>
             <a:ext uri="{91240B29-F687-4F45-9708-019B960494DF}">
-              <a14:hiddenLine xmlns="" xmlns:a14="http://schemas.microsoft.com/office/drawing/2010/main" w="9525">
+              <a14:hiddenLine xmlns:a14="http://schemas.microsoft.com/office/drawing/2010/main" xmlns="" w="9525">
                 <a:solidFill>
                   <a:srgbClr val="000000"/>
                 </a:solidFill>
@@ -2277,14 +2277,14 @@
         <p:spPr bwMode="auto">
           <a:extLst>
             <a:ext uri="{909E8E84-426E-40DD-AFC4-6F175D3DCCD1}">
-              <a14:hiddenFill xmlns="" xmlns:a14="http://schemas.microsoft.com/office/drawing/2010/main">
+              <a14:hiddenFill xmlns:a14="http://schemas.microsoft.com/office/drawing/2010/main" xmlns="">
                 <a:solidFill>
                   <a:srgbClr val="FFFFFF"/>
                 </a:solidFill>
               </a14:hiddenFill>
             </a:ext>
             <a:ext uri="{91240B29-F687-4F45-9708-019B960494DF}">
-              <a14:hiddenLine xmlns="" xmlns:a14="http://schemas.microsoft.com/office/drawing/2010/main" w="9525">
+              <a14:hiddenLine xmlns:a14="http://schemas.microsoft.com/office/drawing/2010/main" xmlns="" w="9525">
                 <a:solidFill>
                   <a:srgbClr val="000000"/>
                 </a:solidFill>
@@ -2452,7 +2452,7 @@
           </a:ln>
           <a:extLst>
             <a:ext uri="{909E8E84-426E-40DD-AFC4-6F175D3DCCD1}">
-              <a14:hiddenFill xmlns="" xmlns:a14="http://schemas.microsoft.com/office/drawing/2010/main">
+              <a14:hiddenFill xmlns:a14="http://schemas.microsoft.com/office/drawing/2010/main" xmlns="">
                 <a:solidFill>
                   <a:srgbClr val="FFFFFF"/>
                 </a:solidFill>
@@ -2479,14 +2479,14 @@
           <a:noFill/>
           <a:extLst>
             <a:ext uri="{909E8E84-426E-40DD-AFC4-6F175D3DCCD1}">
-              <a14:hiddenFill xmlns="" xmlns:a14="http://schemas.microsoft.com/office/drawing/2010/main">
+              <a14:hiddenFill xmlns:a14="http://schemas.microsoft.com/office/drawing/2010/main" xmlns="">
                 <a:solidFill>
                   <a:srgbClr val="FFFFFF"/>
                 </a:solidFill>
               </a14:hiddenFill>
             </a:ext>
             <a:ext uri="{91240B29-F687-4F45-9708-019B960494DF}">
-              <a14:hiddenLine xmlns="" xmlns:a14="http://schemas.microsoft.com/office/drawing/2010/main" w="9525">
+              <a14:hiddenLine xmlns:a14="http://schemas.microsoft.com/office/drawing/2010/main" xmlns="" w="9525">
                 <a:solidFill>
                   <a:srgbClr val="000000"/>
                 </a:solidFill>
@@ -2552,14 +2552,14 @@
         <p:spPr bwMode="auto">
           <a:extLst>
             <a:ext uri="{909E8E84-426E-40DD-AFC4-6F175D3DCCD1}">
-              <a14:hiddenFill xmlns="" xmlns:a14="http://schemas.microsoft.com/office/drawing/2010/main">
+              <a14:hiddenFill xmlns:a14="http://schemas.microsoft.com/office/drawing/2010/main" xmlns="">
                 <a:solidFill>
                   <a:srgbClr val="FFFFFF"/>
                 </a:solidFill>
               </a14:hiddenFill>
             </a:ext>
             <a:ext uri="{91240B29-F687-4F45-9708-019B960494DF}">
-              <a14:hiddenLine xmlns="" xmlns:a14="http://schemas.microsoft.com/office/drawing/2010/main" w="9525">
+              <a14:hiddenLine xmlns:a14="http://schemas.microsoft.com/office/drawing/2010/main" xmlns="" w="9525">
                 <a:solidFill>
                   <a:srgbClr val="000000"/>
                 </a:solidFill>
@@ -2706,14 +2706,14 @@
         <p:spPr bwMode="auto">
           <a:extLst>
             <a:ext uri="{909E8E84-426E-40DD-AFC4-6F175D3DCCD1}">
-              <a14:hiddenFill xmlns="" xmlns:a14="http://schemas.microsoft.com/office/drawing/2010/main">
+              <a14:hiddenFill xmlns:a14="http://schemas.microsoft.com/office/drawing/2010/main" xmlns="">
                 <a:solidFill>
                   <a:srgbClr val="FFFFFF"/>
                 </a:solidFill>
               </a14:hiddenFill>
             </a:ext>
             <a:ext uri="{91240B29-F687-4F45-9708-019B960494DF}">
-              <a14:hiddenLine xmlns="" xmlns:a14="http://schemas.microsoft.com/office/drawing/2010/main" w="9525">
+              <a14:hiddenLine xmlns:a14="http://schemas.microsoft.com/office/drawing/2010/main" xmlns="" w="9525">
                 <a:solidFill>
                   <a:srgbClr val="000000"/>
                 </a:solidFill>
@@ -2860,14 +2860,14 @@
         <p:spPr bwMode="auto">
           <a:extLst>
             <a:ext uri="{909E8E84-426E-40DD-AFC4-6F175D3DCCD1}">
-              <a14:hiddenFill xmlns="" xmlns:a14="http://schemas.microsoft.com/office/drawing/2010/main">
+              <a14:hiddenFill xmlns:a14="http://schemas.microsoft.com/office/drawing/2010/main" xmlns="">
                 <a:solidFill>
                   <a:srgbClr val="FFFFFF"/>
                 </a:solidFill>
               </a14:hiddenFill>
             </a:ext>
             <a:ext uri="{91240B29-F687-4F45-9708-019B960494DF}">
-              <a14:hiddenLine xmlns="" xmlns:a14="http://schemas.microsoft.com/office/drawing/2010/main" w="9525">
+              <a14:hiddenLine xmlns:a14="http://schemas.microsoft.com/office/drawing/2010/main" xmlns="" w="9525">
                 <a:solidFill>
                   <a:srgbClr val="000000"/>
                 </a:solidFill>
@@ -3014,14 +3014,14 @@
         <p:spPr bwMode="auto">
           <a:extLst>
             <a:ext uri="{909E8E84-426E-40DD-AFC4-6F175D3DCCD1}">
-              <a14:hiddenFill xmlns="" xmlns:a14="http://schemas.microsoft.com/office/drawing/2010/main">
+              <a14:hiddenFill xmlns:a14="http://schemas.microsoft.com/office/drawing/2010/main" xmlns="">
                 <a:solidFill>
                   <a:srgbClr val="FFFFFF"/>
                 </a:solidFill>
               </a14:hiddenFill>
             </a:ext>
             <a:ext uri="{91240B29-F687-4F45-9708-019B960494DF}">
-              <a14:hiddenLine xmlns="" xmlns:a14="http://schemas.microsoft.com/office/drawing/2010/main" w="9525">
+              <a14:hiddenLine xmlns:a14="http://schemas.microsoft.com/office/drawing/2010/main" xmlns="" w="9525">
                 <a:solidFill>
                   <a:srgbClr val="000000"/>
                 </a:solidFill>
@@ -3189,7 +3189,7 @@
           </a:ln>
           <a:extLst>
             <a:ext uri="{909E8E84-426E-40DD-AFC4-6F175D3DCCD1}">
-              <a14:hiddenFill xmlns="" xmlns:a14="http://schemas.microsoft.com/office/drawing/2010/main">
+              <a14:hiddenFill xmlns:a14="http://schemas.microsoft.com/office/drawing/2010/main" xmlns="">
                 <a:solidFill>
                   <a:srgbClr val="FFFFFF"/>
                 </a:solidFill>
@@ -3212,14 +3212,14 @@
           <a:noFill/>
           <a:extLst>
             <a:ext uri="{909E8E84-426E-40DD-AFC4-6F175D3DCCD1}">
-              <a14:hiddenFill xmlns="" xmlns:a14="http://schemas.microsoft.com/office/drawing/2010/main">
+              <a14:hiddenFill xmlns:a14="http://schemas.microsoft.com/office/drawing/2010/main" xmlns="">
                 <a:solidFill>
                   <a:srgbClr val="FFFFFF"/>
                 </a:solidFill>
               </a14:hiddenFill>
             </a:ext>
             <a:ext uri="{91240B29-F687-4F45-9708-019B960494DF}">
-              <a14:hiddenLine xmlns="" xmlns:a14="http://schemas.microsoft.com/office/drawing/2010/main" w="9525">
+              <a14:hiddenLine xmlns:a14="http://schemas.microsoft.com/office/drawing/2010/main" xmlns="" w="9525">
                 <a:solidFill>
                   <a:srgbClr val="000000"/>
                 </a:solidFill>
@@ -3285,14 +3285,14 @@
         <p:spPr bwMode="auto">
           <a:extLst>
             <a:ext uri="{909E8E84-426E-40DD-AFC4-6F175D3DCCD1}">
-              <a14:hiddenFill xmlns="" xmlns:a14="http://schemas.microsoft.com/office/drawing/2010/main">
+              <a14:hiddenFill xmlns:a14="http://schemas.microsoft.com/office/drawing/2010/main" xmlns="">
                 <a:solidFill>
                   <a:srgbClr val="FFFFFF"/>
                 </a:solidFill>
               </a14:hiddenFill>
             </a:ext>
             <a:ext uri="{91240B29-F687-4F45-9708-019B960494DF}">
-              <a14:hiddenLine xmlns="" xmlns:a14="http://schemas.microsoft.com/office/drawing/2010/main" w="9525">
+              <a14:hiddenLine xmlns:a14="http://schemas.microsoft.com/office/drawing/2010/main" xmlns="" w="9525">
                 <a:solidFill>
                   <a:srgbClr val="000000"/>
                 </a:solidFill>
@@ -3439,14 +3439,14 @@
         <p:spPr bwMode="auto">
           <a:extLst>
             <a:ext uri="{909E8E84-426E-40DD-AFC4-6F175D3DCCD1}">
-              <a14:hiddenFill xmlns="" xmlns:a14="http://schemas.microsoft.com/office/drawing/2010/main">
+              <a14:hiddenFill xmlns:a14="http://schemas.microsoft.com/office/drawing/2010/main" xmlns="">
                 <a:solidFill>
                   <a:srgbClr val="FFFFFF"/>
                 </a:solidFill>
               </a14:hiddenFill>
             </a:ext>
             <a:ext uri="{91240B29-F687-4F45-9708-019B960494DF}">
-              <a14:hiddenLine xmlns="" xmlns:a14="http://schemas.microsoft.com/office/drawing/2010/main" w="9525">
+              <a14:hiddenLine xmlns:a14="http://schemas.microsoft.com/office/drawing/2010/main" xmlns="" w="9525">
                 <a:solidFill>
                   <a:srgbClr val="000000"/>
                 </a:solidFill>
@@ -3593,14 +3593,14 @@
         <p:spPr bwMode="auto">
           <a:extLst>
             <a:ext uri="{909E8E84-426E-40DD-AFC4-6F175D3DCCD1}">
-              <a14:hiddenFill xmlns="" xmlns:a14="http://schemas.microsoft.com/office/drawing/2010/main">
+              <a14:hiddenFill xmlns:a14="http://schemas.microsoft.com/office/drawing/2010/main" xmlns="">
                 <a:solidFill>
                   <a:srgbClr val="FFFFFF"/>
                 </a:solidFill>
               </a14:hiddenFill>
             </a:ext>
             <a:ext uri="{91240B29-F687-4F45-9708-019B960494DF}">
-              <a14:hiddenLine xmlns="" xmlns:a14="http://schemas.microsoft.com/office/drawing/2010/main" w="9525">
+              <a14:hiddenLine xmlns:a14="http://schemas.microsoft.com/office/drawing/2010/main" xmlns="" w="9525">
                 <a:solidFill>
                   <a:srgbClr val="000000"/>
                 </a:solidFill>
@@ -3747,14 +3747,14 @@
         <p:spPr bwMode="auto">
           <a:extLst>
             <a:ext uri="{909E8E84-426E-40DD-AFC4-6F175D3DCCD1}">
-              <a14:hiddenFill xmlns="" xmlns:a14="http://schemas.microsoft.com/office/drawing/2010/main">
+              <a14:hiddenFill xmlns:a14="http://schemas.microsoft.com/office/drawing/2010/main" xmlns="">
                 <a:solidFill>
                   <a:srgbClr val="FFFFFF"/>
                 </a:solidFill>
               </a14:hiddenFill>
             </a:ext>
             <a:ext uri="{91240B29-F687-4F45-9708-019B960494DF}">
-              <a14:hiddenLine xmlns="" xmlns:a14="http://schemas.microsoft.com/office/drawing/2010/main" w="9525">
+              <a14:hiddenLine xmlns:a14="http://schemas.microsoft.com/office/drawing/2010/main" xmlns="" w="9525">
                 <a:solidFill>
                   <a:srgbClr val="000000"/>
                 </a:solidFill>
@@ -3922,7 +3922,7 @@
           </a:ln>
           <a:extLst>
             <a:ext uri="{909E8E84-426E-40DD-AFC4-6F175D3DCCD1}">
-              <a14:hiddenFill xmlns="" xmlns:a14="http://schemas.microsoft.com/office/drawing/2010/main">
+              <a14:hiddenFill xmlns:a14="http://schemas.microsoft.com/office/drawing/2010/main" xmlns="">
                 <a:solidFill>
                   <a:srgbClr val="FFFFFF"/>
                 </a:solidFill>
@@ -3945,14 +3945,14 @@
           <a:noFill/>
           <a:extLst>
             <a:ext uri="{909E8E84-426E-40DD-AFC4-6F175D3DCCD1}">
-              <a14:hiddenFill xmlns="" xmlns:a14="http://schemas.microsoft.com/office/drawing/2010/main">
+              <a14:hiddenFill xmlns:a14="http://schemas.microsoft.com/office/drawing/2010/main" xmlns="">
                 <a:solidFill>
                   <a:srgbClr val="FFFFFF"/>
                 </a:solidFill>
               </a14:hiddenFill>
             </a:ext>
             <a:ext uri="{91240B29-F687-4F45-9708-019B960494DF}">
-              <a14:hiddenLine xmlns="" xmlns:a14="http://schemas.microsoft.com/office/drawing/2010/main" w="9525">
+              <a14:hiddenLine xmlns:a14="http://schemas.microsoft.com/office/drawing/2010/main" xmlns="" w="9525">
                 <a:solidFill>
                   <a:srgbClr val="000000"/>
                 </a:solidFill>
@@ -4017,7 +4017,7 @@
           <a:blip r:embed="rId2" cstate="print">
             <a:extLst>
               <a:ext uri="{28A0092B-C50C-407E-A947-70E740481C1C}">
-                <a14:useLocalDpi xmlns="" xmlns:a14="http://schemas.microsoft.com/office/drawing/2010/main" val="0"/>
+                <a14:useLocalDpi xmlns:a14="http://schemas.microsoft.com/office/drawing/2010/main" xmlns="" val="0"/>
               </a:ext>
             </a:extLst>
           </a:blip>
@@ -4041,14 +4041,14 @@
           <a:effectLst/>
           <a:extLst>
             <a:ext uri="{909E8E84-426E-40DD-AFC4-6F175D3DCCD1}">
-              <a14:hiddenFill xmlns="" xmlns:a14="http://schemas.microsoft.com/office/drawing/2010/main">
+              <a14:hiddenFill xmlns:a14="http://schemas.microsoft.com/office/drawing/2010/main" xmlns="">
                 <a:solidFill>
                   <a:schemeClr val="accent1"/>
                 </a:solidFill>
               </a14:hiddenFill>
             </a:ext>
             <a:ext uri="{91240B29-F687-4F45-9708-019B960494DF}">
-              <a14:hiddenLine xmlns="" xmlns:a14="http://schemas.microsoft.com/office/drawing/2010/main" w="12700" algn="ctr">
+              <a14:hiddenLine xmlns:a14="http://schemas.microsoft.com/office/drawing/2010/main" xmlns="" w="12700" algn="ctr">
                 <a:solidFill>
                   <a:schemeClr val="tx1"/>
                 </a:solidFill>
@@ -4058,7 +4058,7 @@
               </a14:hiddenLine>
             </a:ext>
             <a:ext uri="{AF507438-7753-43E0-B8FC-AC1667EBCBE1}">
-              <a14:hiddenEffects xmlns="" xmlns:a14="http://schemas.microsoft.com/office/drawing/2010/main">
+              <a14:hiddenEffects xmlns:a14="http://schemas.microsoft.com/office/drawing/2010/main" xmlns="">
                 <a:effectLst>
                   <a:outerShdw dist="35921" dir="2700000" algn="ctr" rotWithShape="0">
                     <a:schemeClr val="bg2"/>
@@ -4099,7 +4099,7 @@
             <a:blip r:embed="rId4" cstate="print">
               <a:extLst>
                 <a:ext uri="{28A0092B-C50C-407E-A947-70E740481C1C}">
-                  <a14:useLocalDpi xmlns="" xmlns:a14="http://schemas.microsoft.com/office/drawing/2010/main" val="0"/>
+                  <a14:useLocalDpi xmlns:a14="http://schemas.microsoft.com/office/drawing/2010/main" xmlns="" val="0"/>
                 </a:ext>
               </a:extLst>
             </a:blip>
@@ -4122,14 +4122,14 @@
             </a:ln>
             <a:extLst>
               <a:ext uri="{909E8E84-426E-40DD-AFC4-6F175D3DCCD1}">
-                <a14:hiddenFill xmlns="" xmlns:a14="http://schemas.microsoft.com/office/drawing/2010/main">
+                <a14:hiddenFill xmlns:a14="http://schemas.microsoft.com/office/drawing/2010/main" xmlns="">
                   <a:solidFill>
                     <a:srgbClr val="FFFFFF"/>
                   </a:solidFill>
                 </a14:hiddenFill>
               </a:ext>
               <a:ext uri="{91240B29-F687-4F45-9708-019B960494DF}">
-                <a14:hiddenLine xmlns="" xmlns:a14="http://schemas.microsoft.com/office/drawing/2010/main" w="9525">
+                <a14:hiddenLine xmlns:a14="http://schemas.microsoft.com/office/drawing/2010/main" xmlns="" w="9525">
                   <a:solidFill>
                     <a:srgbClr val="000000"/>
                   </a:solidFill>
@@ -4163,14 +4163,14 @@
             </a:ln>
             <a:extLst>
               <a:ext uri="{909E8E84-426E-40DD-AFC4-6F175D3DCCD1}">
-                <a14:hiddenFill xmlns="" xmlns:a14="http://schemas.microsoft.com/office/drawing/2010/main">
+                <a14:hiddenFill xmlns:a14="http://schemas.microsoft.com/office/drawing/2010/main" xmlns="">
                   <a:solidFill>
                     <a:srgbClr val="FFFFFF"/>
                   </a:solidFill>
                 </a14:hiddenFill>
               </a:ext>
               <a:ext uri="{91240B29-F687-4F45-9708-019B960494DF}">
-                <a14:hiddenLine xmlns="" xmlns:a14="http://schemas.microsoft.com/office/drawing/2010/main" w="9525">
+                <a14:hiddenLine xmlns:a14="http://schemas.microsoft.com/office/drawing/2010/main" xmlns="" w="9525">
                   <a:solidFill>
                     <a:srgbClr val="000000"/>
                   </a:solidFill>
@@ -4342,14 +4342,14 @@
           </a:ln>
           <a:extLst>
             <a:ext uri="{909E8E84-426E-40DD-AFC4-6F175D3DCCD1}">
-              <a14:hiddenFill xmlns="" xmlns:a14="http://schemas.microsoft.com/office/drawing/2010/main">
+              <a14:hiddenFill xmlns:a14="http://schemas.microsoft.com/office/drawing/2010/main" xmlns="">
                 <a:solidFill>
                   <a:srgbClr val="FFFFFF"/>
                 </a:solidFill>
               </a14:hiddenFill>
             </a:ext>
             <a:ext uri="{91240B29-F687-4F45-9708-019B960494DF}">
-              <a14:hiddenLine xmlns="" xmlns:a14="http://schemas.microsoft.com/office/drawing/2010/main" w="9525">
+              <a14:hiddenLine xmlns:a14="http://schemas.microsoft.com/office/drawing/2010/main" xmlns="" w="9525">
                 <a:solidFill>
                   <a:srgbClr val="000000"/>
                 </a:solidFill>
@@ -4726,7 +4726,7 @@
     </p:spTree>
     <p:extLst>
       <p:ext uri="{BB962C8B-B14F-4D97-AF65-F5344CB8AC3E}">
-        <p14:creationId xmlns="" xmlns:p14="http://schemas.microsoft.com/office/powerpoint/2010/main" val="2588080409"/>
+        <p14:creationId xmlns:p14="http://schemas.microsoft.com/office/powerpoint/2010/main" xmlns="" val="2588080409"/>
       </p:ext>
     </p:extLst>
   </p:cSld>
@@ -4957,7 +4957,7 @@
     </p:spTree>
     <p:extLst>
       <p:ext uri="{BB962C8B-B14F-4D97-AF65-F5344CB8AC3E}">
-        <p14:creationId xmlns="" xmlns:p14="http://schemas.microsoft.com/office/powerpoint/2010/main" val="2741523762"/>
+        <p14:creationId xmlns:p14="http://schemas.microsoft.com/office/powerpoint/2010/main" xmlns="" val="2741523762"/>
       </p:ext>
     </p:extLst>
   </p:cSld>
@@ -5189,7 +5189,7 @@
     </p:spTree>
     <p:extLst>
       <p:ext uri="{BB962C8B-B14F-4D97-AF65-F5344CB8AC3E}">
-        <p14:creationId xmlns="" xmlns:p14="http://schemas.microsoft.com/office/powerpoint/2010/main" val="2682078689"/>
+        <p14:creationId xmlns:p14="http://schemas.microsoft.com/office/powerpoint/2010/main" xmlns="" val="2682078689"/>
       </p:ext>
     </p:extLst>
   </p:cSld>
@@ -5534,7 +5534,7 @@
     </p:spTree>
     <p:extLst>
       <p:ext uri="{BB962C8B-B14F-4D97-AF65-F5344CB8AC3E}">
-        <p14:creationId xmlns="" xmlns:p14="http://schemas.microsoft.com/office/powerpoint/2010/main" val="1967580509"/>
+        <p14:creationId xmlns:p14="http://schemas.microsoft.com/office/powerpoint/2010/main" xmlns="" val="1967580509"/>
       </p:ext>
     </p:extLst>
   </p:cSld>
@@ -5999,7 +5999,7 @@
     </p:spTree>
     <p:extLst>
       <p:ext uri="{BB962C8B-B14F-4D97-AF65-F5344CB8AC3E}">
-        <p14:creationId xmlns="" xmlns:p14="http://schemas.microsoft.com/office/powerpoint/2010/main" val="4110782242"/>
+        <p14:creationId xmlns:p14="http://schemas.microsoft.com/office/powerpoint/2010/main" xmlns="" val="4110782242"/>
       </p:ext>
     </p:extLst>
   </p:cSld>
@@ -6157,7 +6157,7 @@
     </p:spTree>
     <p:extLst>
       <p:ext uri="{BB962C8B-B14F-4D97-AF65-F5344CB8AC3E}">
-        <p14:creationId xmlns="" xmlns:p14="http://schemas.microsoft.com/office/powerpoint/2010/main" val="1892974325"/>
+        <p14:creationId xmlns:p14="http://schemas.microsoft.com/office/powerpoint/2010/main" xmlns="" val="1892974325"/>
       </p:ext>
     </p:extLst>
   </p:cSld>
@@ -6287,7 +6287,7 @@
     </p:spTree>
     <p:extLst>
       <p:ext uri="{BB962C8B-B14F-4D97-AF65-F5344CB8AC3E}">
-        <p14:creationId xmlns="" xmlns:p14="http://schemas.microsoft.com/office/powerpoint/2010/main" val="606310080"/>
+        <p14:creationId xmlns:p14="http://schemas.microsoft.com/office/powerpoint/2010/main" xmlns="" val="606310080"/>
       </p:ext>
     </p:extLst>
   </p:cSld>
@@ -6328,7 +6328,7 @@
           <a:blip r:embed="rId3" cstate="print">
             <a:extLst>
               <a:ext uri="{28A0092B-C50C-407E-A947-70E740481C1C}">
-                <a14:useLocalDpi xmlns="" xmlns:a14="http://schemas.microsoft.com/office/drawing/2010/main" val="0"/>
+                <a14:useLocalDpi xmlns:a14="http://schemas.microsoft.com/office/drawing/2010/main" xmlns="" val="0"/>
               </a:ext>
             </a:extLst>
           </a:blip>
@@ -6351,14 +6351,14 @@
           </a:ln>
           <a:extLst>
             <a:ext uri="{909E8E84-426E-40DD-AFC4-6F175D3DCCD1}">
-              <a14:hiddenFill xmlns="" xmlns:a14="http://schemas.microsoft.com/office/drawing/2010/main">
+              <a14:hiddenFill xmlns:a14="http://schemas.microsoft.com/office/drawing/2010/main" xmlns="">
                 <a:solidFill>
                   <a:srgbClr val="FFFFFF"/>
                 </a:solidFill>
               </a14:hiddenFill>
             </a:ext>
             <a:ext uri="{91240B29-F687-4F45-9708-019B960494DF}">
-              <a14:hiddenLine xmlns="" xmlns:a14="http://schemas.microsoft.com/office/drawing/2010/main" w="9525">
+              <a14:hiddenLine xmlns:a14="http://schemas.microsoft.com/office/drawing/2010/main" xmlns="" w="9525">
                 <a:solidFill>
                   <a:srgbClr val="000000"/>
                 </a:solidFill>
@@ -6519,7 +6519,7 @@
     </p:spTree>
     <p:extLst>
       <p:ext uri="{BB962C8B-B14F-4D97-AF65-F5344CB8AC3E}">
-        <p14:creationId xmlns="" xmlns:p14="http://schemas.microsoft.com/office/powerpoint/2010/main" val="1504093363"/>
+        <p14:creationId xmlns:p14="http://schemas.microsoft.com/office/powerpoint/2010/main" xmlns="" val="1504093363"/>
       </p:ext>
     </p:extLst>
   </p:cSld>
@@ -6580,14 +6580,14 @@
           </a:ln>
           <a:extLst>
             <a:ext uri="{909E8E84-426E-40DD-AFC4-6F175D3DCCD1}">
-              <a14:hiddenFill xmlns="" xmlns:a14="http://schemas.microsoft.com/office/drawing/2010/main">
+              <a14:hiddenFill xmlns:a14="http://schemas.microsoft.com/office/drawing/2010/main" xmlns="">
                 <a:solidFill>
                   <a:srgbClr val="FFFFFF"/>
                 </a:solidFill>
               </a14:hiddenFill>
             </a:ext>
             <a:ext uri="{91240B29-F687-4F45-9708-019B960494DF}">
-              <a14:hiddenLine xmlns="" xmlns:a14="http://schemas.microsoft.com/office/drawing/2010/main" w="9525">
+              <a14:hiddenLine xmlns:a14="http://schemas.microsoft.com/office/drawing/2010/main" xmlns="" w="9525">
                 <a:solidFill>
                   <a:srgbClr val="000000"/>
                 </a:solidFill>
@@ -6638,14 +6638,14 @@
           </a:ln>
           <a:extLst>
             <a:ext uri="{909E8E84-426E-40DD-AFC4-6F175D3DCCD1}">
-              <a14:hiddenFill xmlns="" xmlns:a14="http://schemas.microsoft.com/office/drawing/2010/main">
+              <a14:hiddenFill xmlns:a14="http://schemas.microsoft.com/office/drawing/2010/main" xmlns="">
                 <a:solidFill>
                   <a:srgbClr val="FFFFFF"/>
                 </a:solidFill>
               </a14:hiddenFill>
             </a:ext>
             <a:ext uri="{91240B29-F687-4F45-9708-019B960494DF}">
-              <a14:hiddenLine xmlns="" xmlns:a14="http://schemas.microsoft.com/office/drawing/2010/main" w="9525">
+              <a14:hiddenLine xmlns:a14="http://schemas.microsoft.com/office/drawing/2010/main" xmlns="" w="9525">
                 <a:solidFill>
                   <a:srgbClr val="000000"/>
                 </a:solidFill>
@@ -6990,7 +6990,7 @@
           <a:blip r:embed="rId11" cstate="print">
             <a:extLst>
               <a:ext uri="{28A0092B-C50C-407E-A947-70E740481C1C}">
-                <a14:useLocalDpi xmlns="" xmlns:a14="http://schemas.microsoft.com/office/drawing/2010/main" val="0"/>
+                <a14:useLocalDpi xmlns:a14="http://schemas.microsoft.com/office/drawing/2010/main" xmlns="" val="0"/>
               </a:ext>
             </a:extLst>
           </a:blip>
@@ -7013,14 +7013,14 @@
           </a:ln>
           <a:extLst>
             <a:ext uri="{909E8E84-426E-40DD-AFC4-6F175D3DCCD1}">
-              <a14:hiddenFill xmlns="" xmlns:a14="http://schemas.microsoft.com/office/drawing/2010/main">
+              <a14:hiddenFill xmlns:a14="http://schemas.microsoft.com/office/drawing/2010/main" xmlns="">
                 <a:solidFill>
                   <a:srgbClr val="FFFFFF"/>
                 </a:solidFill>
               </a14:hiddenFill>
             </a:ext>
             <a:ext uri="{91240B29-F687-4F45-9708-019B960494DF}">
-              <a14:hiddenLine xmlns="" xmlns:a14="http://schemas.microsoft.com/office/drawing/2010/main" w="9525">
+              <a14:hiddenLine xmlns:a14="http://schemas.microsoft.com/office/drawing/2010/main" xmlns="" w="9525">
                 <a:solidFill>
                   <a:srgbClr val="000000"/>
                 </a:solidFill>
@@ -7761,11 +7761,7 @@
             </a:pPr>
             <a:r>
               <a:rPr lang="en-US" dirty="0" smtClean="0"/>
-              <a:t>Throughout </a:t>
-            </a:r>
-            <a:r>
-              <a:rPr lang="en-US" dirty="0" smtClean="0"/>
-              <a:t>the PowerPoint template, replace placeholders &lt;…&gt; with the appropriate information.</a:t>
+              <a:t>Throughout the PowerPoint template, replace placeholders &lt;…&gt; with the appropriate information.</a:t>
             </a:r>
           </a:p>
           <a:p>
@@ -7979,13 +7975,8 @@
             <a:pPr eaLnBrk="1" hangingPunct="1"/>
             <a:r>
               <a:rPr lang="en-US" dirty="0" smtClean="0"/>
-              <a:t>Bug Fix </a:t>
-            </a:r>
-            <a:r>
-              <a:rPr lang="en-US" dirty="0" smtClean="0"/>
-              <a:t>everything</a:t>
-            </a:r>
-            <a:endParaRPr lang="en-US" dirty="0" smtClean="0"/>
+              <a:t>Bug Fix everything</a:t>
+            </a:r>
           </a:p>
           <a:p>
             <a:pPr eaLnBrk="1" hangingPunct="1"/>
@@ -8020,12 +8011,24 @@
             <a:pPr eaLnBrk="1" hangingPunct="1"/>
             <a:r>
               <a:rPr lang="en-US" dirty="0" smtClean="0"/>
-              <a:t>Project </a:t>
+              <a:t>Project Plan </a:t>
+            </a:r>
+            <a:r>
+              <a:rPr lang="en-US" dirty="0" smtClean="0"/>
+              <a:t>Document</a:t>
+            </a:r>
+          </a:p>
+          <a:p>
+            <a:pPr eaLnBrk="1" hangingPunct="1"/>
+            <a:r>
+              <a:rPr lang="en-US" dirty="0" smtClean="0"/>
+              <a:t>Popup close causes </a:t>
             </a:r>
             <a:r>
               <a:rPr lang="en-US" smtClean="0"/>
-              <a:t>Plan Document</a:t>
-            </a:r>
+              <a:t>Swipe Gesture</a:t>
+            </a:r>
+            <a:endParaRPr lang="en-US" dirty="0" smtClean="0"/>
           </a:p>
           <a:p>
             <a:pPr eaLnBrk="1" hangingPunct="1"/>

--- a/documents/presentations/beta-presentation/team-urban-science-beta-presentation.pptx
+++ b/documents/presentations/beta-presentation/team-urban-science-beta-presentation.pptx
@@ -8022,11 +8022,22 @@
             <a:pPr eaLnBrk="1" hangingPunct="1"/>
             <a:r>
               <a:rPr lang="en-US" dirty="0" smtClean="0"/>
-              <a:t>Popup close causes </a:t>
+              <a:t>Popup close causes Swipe Gesture</a:t>
+            </a:r>
+          </a:p>
+          <a:p>
+            <a:pPr eaLnBrk="1" hangingPunct="1"/>
+            <a:r>
+              <a:rPr lang="en-US" dirty="0" smtClean="0"/>
+              <a:t>Lead </a:t>
+            </a:r>
+            <a:r>
+              <a:rPr lang="en-US" dirty="0" err="1" smtClean="0"/>
+              <a:t>infographic</a:t>
             </a:r>
             <a:r>
               <a:rPr lang="en-US" smtClean="0"/>
-              <a:t>Swipe Gesture</a:t>
+              <a:t> orientation issue</a:t>
             </a:r>
             <a:endParaRPr lang="en-US" dirty="0" smtClean="0"/>
           </a:p>

--- a/documents/presentations/beta-presentation/team-urban-science-beta-presentation.pptx
+++ b/documents/presentations/beta-presentation/team-urban-science-beta-presentation.pptx
@@ -5,22 +5,24 @@
     <p:sldMasterId id="2147483648" r:id="rId1"/>
   </p:sldMasterIdLst>
   <p:notesMasterIdLst>
-    <p:notesMasterId r:id="rId12"/>
+    <p:notesMasterId r:id="rId14"/>
   </p:notesMasterIdLst>
   <p:handoutMasterIdLst>
-    <p:handoutMasterId r:id="rId13"/>
+    <p:handoutMasterId r:id="rId15"/>
   </p:handoutMasterIdLst>
   <p:sldIdLst>
-    <p:sldId id="285" r:id="rId2"/>
-    <p:sldId id="286" r:id="rId3"/>
-    <p:sldId id="258" r:id="rId4"/>
-    <p:sldId id="270" r:id="rId5"/>
-    <p:sldId id="275" r:id="rId6"/>
-    <p:sldId id="283" r:id="rId7"/>
-    <p:sldId id="281" r:id="rId8"/>
+    <p:sldId id="258" r:id="rId2"/>
+    <p:sldId id="270" r:id="rId3"/>
+    <p:sldId id="275" r:id="rId4"/>
+    <p:sldId id="283" r:id="rId5"/>
+    <p:sldId id="288" r:id="rId6"/>
+    <p:sldId id="281" r:id="rId7"/>
+    <p:sldId id="289" r:id="rId8"/>
     <p:sldId id="282" r:id="rId9"/>
-    <p:sldId id="287" r:id="rId10"/>
-    <p:sldId id="280" r:id="rId11"/>
+    <p:sldId id="290" r:id="rId10"/>
+    <p:sldId id="287" r:id="rId11"/>
+    <p:sldId id="291" r:id="rId12"/>
+    <p:sldId id="280" r:id="rId13"/>
   </p:sldIdLst>
   <p:sldSz cx="9144000" cy="6858000" type="screen4x3"/>
   <p:notesSz cx="6858000" cy="9144000"/>
@@ -400,7 +402,7 @@
           <a:blip r:embed="rId2" cstate="print">
             <a:extLst>
               <a:ext uri="{28A0092B-C50C-407E-A947-70E740481C1C}">
-                <a14:useLocalDpi xmlns:a14="http://schemas.microsoft.com/office/drawing/2010/main" xmlns="" val="0"/>
+                <a14:useLocalDpi xmlns="" xmlns:a14="http://schemas.microsoft.com/office/drawing/2010/main" val="0"/>
               </a:ext>
             </a:extLst>
           </a:blip>
@@ -423,14 +425,14 @@
           </a:ln>
           <a:extLst>
             <a:ext uri="{909E8E84-426E-40DD-AFC4-6F175D3DCCD1}">
-              <a14:hiddenFill xmlns:a14="http://schemas.microsoft.com/office/drawing/2010/main" xmlns="">
+              <a14:hiddenFill xmlns="" xmlns:a14="http://schemas.microsoft.com/office/drawing/2010/main">
                 <a:solidFill>
                   <a:srgbClr val="FFFFFF"/>
                 </a:solidFill>
               </a14:hiddenFill>
             </a:ext>
             <a:ext uri="{91240B29-F687-4F45-9708-019B960494DF}">
-              <a14:hiddenLine xmlns:a14="http://schemas.microsoft.com/office/drawing/2010/main" xmlns="" w="9525">
+              <a14:hiddenLine xmlns="" xmlns:a14="http://schemas.microsoft.com/office/drawing/2010/main" w="9525">
                 <a:solidFill>
                   <a:srgbClr val="000000"/>
                 </a:solidFill>
@@ -464,14 +466,14 @@
           </a:ln>
           <a:extLst>
             <a:ext uri="{909E8E84-426E-40DD-AFC4-6F175D3DCCD1}">
-              <a14:hiddenFill xmlns:a14="http://schemas.microsoft.com/office/drawing/2010/main" xmlns="">
+              <a14:hiddenFill xmlns="" xmlns:a14="http://schemas.microsoft.com/office/drawing/2010/main">
                 <a:solidFill>
                   <a:srgbClr val="FFFFFF"/>
                 </a:solidFill>
               </a14:hiddenFill>
             </a:ext>
             <a:ext uri="{91240B29-F687-4F45-9708-019B960494DF}">
-              <a14:hiddenLine xmlns:a14="http://schemas.microsoft.com/office/drawing/2010/main" xmlns="" w="9525">
+              <a14:hiddenLine xmlns="" xmlns:a14="http://schemas.microsoft.com/office/drawing/2010/main" w="9525">
                 <a:solidFill>
                   <a:srgbClr val="000000"/>
                 </a:solidFill>
@@ -605,7 +607,7 @@
     </p:spTree>
     <p:extLst>
       <p:ext uri="{BB962C8B-B14F-4D97-AF65-F5344CB8AC3E}">
-        <p14:creationId xmlns:p14="http://schemas.microsoft.com/office/powerpoint/2010/main" xmlns="" val="232417806"/>
+        <p14:creationId xmlns="" xmlns:p14="http://schemas.microsoft.com/office/powerpoint/2010/main" val="232417806"/>
       </p:ext>
     </p:extLst>
   </p:cSld>
@@ -931,7 +933,7 @@
     </p:spTree>
     <p:extLst>
       <p:ext uri="{BB962C8B-B14F-4D97-AF65-F5344CB8AC3E}">
-        <p14:creationId xmlns:p14="http://schemas.microsoft.com/office/powerpoint/2010/main" xmlns="" val="2158654164"/>
+        <p14:creationId xmlns="" xmlns:p14="http://schemas.microsoft.com/office/powerpoint/2010/main" val="2158654164"/>
       </p:ext>
     </p:extLst>
   </p:cSld>
@@ -1081,9 +1083,637 @@
       </p:grpSpPr>
       <p:sp>
         <p:nvSpPr>
-          <p:cNvPr id="21506" name="Slide Image Placeholder 1"/>
-          <p:cNvSpPr>
-            <a:spLocks noGrp="1" noRot="1" noChangeAspect="1" noTextEdit="1"/>
+          <p:cNvPr id="21506" name="Rectangle 2"/>
+          <p:cNvSpPr>
+            <a:spLocks noGrp="1" noChangeArrowheads="1"/>
+          </p:cNvSpPr>
+          <p:nvPr>
+            <p:ph type="hdr" sz="quarter"/>
+          </p:nvPr>
+        </p:nvSpPr>
+        <p:spPr bwMode="auto">
+          <a:extLst>
+            <a:ext uri="{909E8E84-426E-40DD-AFC4-6F175D3DCCD1}">
+              <a14:hiddenFill xmlns="" xmlns:a14="http://schemas.microsoft.com/office/drawing/2010/main">
+                <a:solidFill>
+                  <a:srgbClr val="FFFFFF"/>
+                </a:solidFill>
+              </a14:hiddenFill>
+            </a:ext>
+            <a:ext uri="{91240B29-F687-4F45-9708-019B960494DF}">
+              <a14:hiddenLine xmlns="" xmlns:a14="http://schemas.microsoft.com/office/drawing/2010/main" w="9525">
+                <a:solidFill>
+                  <a:srgbClr val="000000"/>
+                </a:solidFill>
+                <a:miter lim="800000"/>
+                <a:headEnd/>
+                <a:tailEnd/>
+              </a14:hiddenLine>
+            </a:ext>
+          </a:extLst>
+        </p:spPr>
+        <p:txBody>
+          <a:bodyPr wrap="square" numCol="1" anchor="t" anchorCtr="0" compatLnSpc="1">
+            <a:prstTxWarp prst="textNoShape">
+              <a:avLst/>
+            </a:prstTxWarp>
+          </a:bodyPr>
+          <a:lstStyle>
+            <a:lvl1pPr defTabSz="912813">
+              <a:defRPr>
+                <a:solidFill>
+                  <a:schemeClr val="tx1"/>
+                </a:solidFill>
+                <a:latin typeface="Calibri" pitchFamily="34" charset="0"/>
+              </a:defRPr>
+            </a:lvl1pPr>
+            <a:lvl2pPr marL="742950" indent="-285750" defTabSz="912813">
+              <a:defRPr>
+                <a:solidFill>
+                  <a:schemeClr val="tx1"/>
+                </a:solidFill>
+                <a:latin typeface="Calibri" pitchFamily="34" charset="0"/>
+              </a:defRPr>
+            </a:lvl2pPr>
+            <a:lvl3pPr marL="1143000" indent="-228600" defTabSz="912813">
+              <a:defRPr>
+                <a:solidFill>
+                  <a:schemeClr val="tx1"/>
+                </a:solidFill>
+                <a:latin typeface="Calibri" pitchFamily="34" charset="0"/>
+              </a:defRPr>
+            </a:lvl3pPr>
+            <a:lvl4pPr marL="1600200" indent="-228600" defTabSz="912813">
+              <a:defRPr>
+                <a:solidFill>
+                  <a:schemeClr val="tx1"/>
+                </a:solidFill>
+                <a:latin typeface="Calibri" pitchFamily="34" charset="0"/>
+              </a:defRPr>
+            </a:lvl4pPr>
+            <a:lvl5pPr marL="2057400" indent="-228600" defTabSz="912813">
+              <a:defRPr>
+                <a:solidFill>
+                  <a:schemeClr val="tx1"/>
+                </a:solidFill>
+                <a:latin typeface="Calibri" pitchFamily="34" charset="0"/>
+              </a:defRPr>
+            </a:lvl5pPr>
+            <a:lvl6pPr marL="2514600" indent="-228600" defTabSz="912813" fontAlgn="base">
+              <a:spcBef>
+                <a:spcPct val="0"/>
+              </a:spcBef>
+              <a:spcAft>
+                <a:spcPct val="0"/>
+              </a:spcAft>
+              <a:defRPr>
+                <a:solidFill>
+                  <a:schemeClr val="tx1"/>
+                </a:solidFill>
+                <a:latin typeface="Calibri" pitchFamily="34" charset="0"/>
+              </a:defRPr>
+            </a:lvl6pPr>
+            <a:lvl7pPr marL="2971800" indent="-228600" defTabSz="912813" fontAlgn="base">
+              <a:spcBef>
+                <a:spcPct val="0"/>
+              </a:spcBef>
+              <a:spcAft>
+                <a:spcPct val="0"/>
+              </a:spcAft>
+              <a:defRPr>
+                <a:solidFill>
+                  <a:schemeClr val="tx1"/>
+                </a:solidFill>
+                <a:latin typeface="Calibri" pitchFamily="34" charset="0"/>
+              </a:defRPr>
+            </a:lvl7pPr>
+            <a:lvl8pPr marL="3429000" indent="-228600" defTabSz="912813" fontAlgn="base">
+              <a:spcBef>
+                <a:spcPct val="0"/>
+              </a:spcBef>
+              <a:spcAft>
+                <a:spcPct val="0"/>
+              </a:spcAft>
+              <a:defRPr>
+                <a:solidFill>
+                  <a:schemeClr val="tx1"/>
+                </a:solidFill>
+                <a:latin typeface="Calibri" pitchFamily="34" charset="0"/>
+              </a:defRPr>
+            </a:lvl8pPr>
+            <a:lvl9pPr marL="3886200" indent="-228600" defTabSz="912813" fontAlgn="base">
+              <a:spcBef>
+                <a:spcPct val="0"/>
+              </a:spcBef>
+              <a:spcAft>
+                <a:spcPct val="0"/>
+              </a:spcAft>
+              <a:defRPr>
+                <a:solidFill>
+                  <a:schemeClr val="tx1"/>
+                </a:solidFill>
+                <a:latin typeface="Calibri" pitchFamily="34" charset="0"/>
+              </a:defRPr>
+            </a:lvl9pPr>
+          </a:lstStyle>
+          <a:p>
+            <a:pPr fontAlgn="base">
+              <a:spcBef>
+                <a:spcPct val="0"/>
+              </a:spcBef>
+              <a:spcAft>
+                <a:spcPct val="0"/>
+              </a:spcAft>
+              <a:defRPr/>
+            </a:pPr>
+            <a:r>
+              <a:rPr lang="en-US" sz="1300" smtClean="0">
+                <a:latin typeface="Arial" charset="0"/>
+              </a:rPr>
+              <a:t>Team &lt;Company Name&gt;</a:t>
+            </a:r>
+          </a:p>
+        </p:txBody>
+      </p:sp>
+      <p:sp>
+        <p:nvSpPr>
+          <p:cNvPr id="21507" name="Rectangle 3"/>
+          <p:cNvSpPr>
+            <a:spLocks noGrp="1" noChangeArrowheads="1"/>
+          </p:cNvSpPr>
+          <p:nvPr>
+            <p:ph type="dt" sz="quarter" idx="1"/>
+          </p:nvPr>
+        </p:nvSpPr>
+        <p:spPr bwMode="auto">
+          <a:extLst>
+            <a:ext uri="{909E8E84-426E-40DD-AFC4-6F175D3DCCD1}">
+              <a14:hiddenFill xmlns="" xmlns:a14="http://schemas.microsoft.com/office/drawing/2010/main">
+                <a:solidFill>
+                  <a:srgbClr val="FFFFFF"/>
+                </a:solidFill>
+              </a14:hiddenFill>
+            </a:ext>
+            <a:ext uri="{91240B29-F687-4F45-9708-019B960494DF}">
+              <a14:hiddenLine xmlns="" xmlns:a14="http://schemas.microsoft.com/office/drawing/2010/main" w="9525">
+                <a:solidFill>
+                  <a:srgbClr val="000000"/>
+                </a:solidFill>
+                <a:miter lim="800000"/>
+                <a:headEnd/>
+                <a:tailEnd/>
+              </a14:hiddenLine>
+            </a:ext>
+          </a:extLst>
+        </p:spPr>
+        <p:txBody>
+          <a:bodyPr wrap="square" numCol="1" anchor="t" anchorCtr="0" compatLnSpc="1">
+            <a:prstTxWarp prst="textNoShape">
+              <a:avLst/>
+            </a:prstTxWarp>
+          </a:bodyPr>
+          <a:lstStyle>
+            <a:lvl1pPr defTabSz="912813">
+              <a:defRPr>
+                <a:solidFill>
+                  <a:schemeClr val="tx1"/>
+                </a:solidFill>
+                <a:latin typeface="Calibri" pitchFamily="34" charset="0"/>
+              </a:defRPr>
+            </a:lvl1pPr>
+            <a:lvl2pPr marL="742950" indent="-285750" defTabSz="912813">
+              <a:defRPr>
+                <a:solidFill>
+                  <a:schemeClr val="tx1"/>
+                </a:solidFill>
+                <a:latin typeface="Calibri" pitchFamily="34" charset="0"/>
+              </a:defRPr>
+            </a:lvl2pPr>
+            <a:lvl3pPr marL="1143000" indent="-228600" defTabSz="912813">
+              <a:defRPr>
+                <a:solidFill>
+                  <a:schemeClr val="tx1"/>
+                </a:solidFill>
+                <a:latin typeface="Calibri" pitchFamily="34" charset="0"/>
+              </a:defRPr>
+            </a:lvl3pPr>
+            <a:lvl4pPr marL="1600200" indent="-228600" defTabSz="912813">
+              <a:defRPr>
+                <a:solidFill>
+                  <a:schemeClr val="tx1"/>
+                </a:solidFill>
+                <a:latin typeface="Calibri" pitchFamily="34" charset="0"/>
+              </a:defRPr>
+            </a:lvl4pPr>
+            <a:lvl5pPr marL="2057400" indent="-228600" defTabSz="912813">
+              <a:defRPr>
+                <a:solidFill>
+                  <a:schemeClr val="tx1"/>
+                </a:solidFill>
+                <a:latin typeface="Calibri" pitchFamily="34" charset="0"/>
+              </a:defRPr>
+            </a:lvl5pPr>
+            <a:lvl6pPr marL="2514600" indent="-228600" defTabSz="912813" fontAlgn="base">
+              <a:spcBef>
+                <a:spcPct val="0"/>
+              </a:spcBef>
+              <a:spcAft>
+                <a:spcPct val="0"/>
+              </a:spcAft>
+              <a:defRPr>
+                <a:solidFill>
+                  <a:schemeClr val="tx1"/>
+                </a:solidFill>
+                <a:latin typeface="Calibri" pitchFamily="34" charset="0"/>
+              </a:defRPr>
+            </a:lvl6pPr>
+            <a:lvl7pPr marL="2971800" indent="-228600" defTabSz="912813" fontAlgn="base">
+              <a:spcBef>
+                <a:spcPct val="0"/>
+              </a:spcBef>
+              <a:spcAft>
+                <a:spcPct val="0"/>
+              </a:spcAft>
+              <a:defRPr>
+                <a:solidFill>
+                  <a:schemeClr val="tx1"/>
+                </a:solidFill>
+                <a:latin typeface="Calibri" pitchFamily="34" charset="0"/>
+              </a:defRPr>
+            </a:lvl7pPr>
+            <a:lvl8pPr marL="3429000" indent="-228600" defTabSz="912813" fontAlgn="base">
+              <a:spcBef>
+                <a:spcPct val="0"/>
+              </a:spcBef>
+              <a:spcAft>
+                <a:spcPct val="0"/>
+              </a:spcAft>
+              <a:defRPr>
+                <a:solidFill>
+                  <a:schemeClr val="tx1"/>
+                </a:solidFill>
+                <a:latin typeface="Calibri" pitchFamily="34" charset="0"/>
+              </a:defRPr>
+            </a:lvl8pPr>
+            <a:lvl9pPr marL="3886200" indent="-228600" defTabSz="912813" fontAlgn="base">
+              <a:spcBef>
+                <a:spcPct val="0"/>
+              </a:spcBef>
+              <a:spcAft>
+                <a:spcPct val="0"/>
+              </a:spcAft>
+              <a:defRPr>
+                <a:solidFill>
+                  <a:schemeClr val="tx1"/>
+                </a:solidFill>
+                <a:latin typeface="Calibri" pitchFamily="34" charset="0"/>
+              </a:defRPr>
+            </a:lvl9pPr>
+          </a:lstStyle>
+          <a:p>
+            <a:pPr fontAlgn="base">
+              <a:spcBef>
+                <a:spcPct val="0"/>
+              </a:spcBef>
+              <a:spcAft>
+                <a:spcPct val="0"/>
+              </a:spcAft>
+              <a:defRPr/>
+            </a:pPr>
+            <a:r>
+              <a:rPr lang="en-US" sz="1300" smtClean="0">
+                <a:latin typeface="Arial" charset="0"/>
+              </a:rPr>
+              <a:t>Beta Presentation &lt;Project Title&gt;</a:t>
+            </a:r>
+          </a:p>
+        </p:txBody>
+      </p:sp>
+      <p:sp>
+        <p:nvSpPr>
+          <p:cNvPr id="21508" name="Rectangle 6"/>
+          <p:cNvSpPr>
+            <a:spLocks noGrp="1" noChangeArrowheads="1"/>
+          </p:cNvSpPr>
+          <p:nvPr>
+            <p:ph type="ftr" sz="quarter" idx="4"/>
+          </p:nvPr>
+        </p:nvSpPr>
+        <p:spPr bwMode="auto">
+          <a:extLst>
+            <a:ext uri="{909E8E84-426E-40DD-AFC4-6F175D3DCCD1}">
+              <a14:hiddenFill xmlns="" xmlns:a14="http://schemas.microsoft.com/office/drawing/2010/main">
+                <a:solidFill>
+                  <a:srgbClr val="FFFFFF"/>
+                </a:solidFill>
+              </a14:hiddenFill>
+            </a:ext>
+            <a:ext uri="{91240B29-F687-4F45-9708-019B960494DF}">
+              <a14:hiddenLine xmlns="" xmlns:a14="http://schemas.microsoft.com/office/drawing/2010/main" w="9525">
+                <a:solidFill>
+                  <a:srgbClr val="000000"/>
+                </a:solidFill>
+                <a:miter lim="800000"/>
+                <a:headEnd/>
+                <a:tailEnd/>
+              </a14:hiddenLine>
+            </a:ext>
+          </a:extLst>
+        </p:spPr>
+        <p:txBody>
+          <a:bodyPr wrap="square" numCol="1" anchorCtr="0" compatLnSpc="1">
+            <a:prstTxWarp prst="textNoShape">
+              <a:avLst/>
+            </a:prstTxWarp>
+          </a:bodyPr>
+          <a:lstStyle>
+            <a:lvl1pPr defTabSz="912813">
+              <a:defRPr>
+                <a:solidFill>
+                  <a:schemeClr val="tx1"/>
+                </a:solidFill>
+                <a:latin typeface="Calibri" pitchFamily="34" charset="0"/>
+              </a:defRPr>
+            </a:lvl1pPr>
+            <a:lvl2pPr marL="742950" indent="-285750" defTabSz="912813">
+              <a:defRPr>
+                <a:solidFill>
+                  <a:schemeClr val="tx1"/>
+                </a:solidFill>
+                <a:latin typeface="Calibri" pitchFamily="34" charset="0"/>
+              </a:defRPr>
+            </a:lvl2pPr>
+            <a:lvl3pPr marL="1143000" indent="-228600" defTabSz="912813">
+              <a:defRPr>
+                <a:solidFill>
+                  <a:schemeClr val="tx1"/>
+                </a:solidFill>
+                <a:latin typeface="Calibri" pitchFamily="34" charset="0"/>
+              </a:defRPr>
+            </a:lvl3pPr>
+            <a:lvl4pPr marL="1600200" indent="-228600" defTabSz="912813">
+              <a:defRPr>
+                <a:solidFill>
+                  <a:schemeClr val="tx1"/>
+                </a:solidFill>
+                <a:latin typeface="Calibri" pitchFamily="34" charset="0"/>
+              </a:defRPr>
+            </a:lvl4pPr>
+            <a:lvl5pPr marL="2057400" indent="-228600" defTabSz="912813">
+              <a:defRPr>
+                <a:solidFill>
+                  <a:schemeClr val="tx1"/>
+                </a:solidFill>
+                <a:latin typeface="Calibri" pitchFamily="34" charset="0"/>
+              </a:defRPr>
+            </a:lvl5pPr>
+            <a:lvl6pPr marL="2514600" indent="-228600" defTabSz="912813" fontAlgn="base">
+              <a:spcBef>
+                <a:spcPct val="0"/>
+              </a:spcBef>
+              <a:spcAft>
+                <a:spcPct val="0"/>
+              </a:spcAft>
+              <a:defRPr>
+                <a:solidFill>
+                  <a:schemeClr val="tx1"/>
+                </a:solidFill>
+                <a:latin typeface="Calibri" pitchFamily="34" charset="0"/>
+              </a:defRPr>
+            </a:lvl6pPr>
+            <a:lvl7pPr marL="2971800" indent="-228600" defTabSz="912813" fontAlgn="base">
+              <a:spcBef>
+                <a:spcPct val="0"/>
+              </a:spcBef>
+              <a:spcAft>
+                <a:spcPct val="0"/>
+              </a:spcAft>
+              <a:defRPr>
+                <a:solidFill>
+                  <a:schemeClr val="tx1"/>
+                </a:solidFill>
+                <a:latin typeface="Calibri" pitchFamily="34" charset="0"/>
+              </a:defRPr>
+            </a:lvl7pPr>
+            <a:lvl8pPr marL="3429000" indent="-228600" defTabSz="912813" fontAlgn="base">
+              <a:spcBef>
+                <a:spcPct val="0"/>
+              </a:spcBef>
+              <a:spcAft>
+                <a:spcPct val="0"/>
+              </a:spcAft>
+              <a:defRPr>
+                <a:solidFill>
+                  <a:schemeClr val="tx1"/>
+                </a:solidFill>
+                <a:latin typeface="Calibri" pitchFamily="34" charset="0"/>
+              </a:defRPr>
+            </a:lvl8pPr>
+            <a:lvl9pPr marL="3886200" indent="-228600" defTabSz="912813" fontAlgn="base">
+              <a:spcBef>
+                <a:spcPct val="0"/>
+              </a:spcBef>
+              <a:spcAft>
+                <a:spcPct val="0"/>
+              </a:spcAft>
+              <a:defRPr>
+                <a:solidFill>
+                  <a:schemeClr val="tx1"/>
+                </a:solidFill>
+                <a:latin typeface="Calibri" pitchFamily="34" charset="0"/>
+              </a:defRPr>
+            </a:lvl9pPr>
+          </a:lstStyle>
+          <a:p>
+            <a:pPr fontAlgn="base">
+              <a:spcBef>
+                <a:spcPct val="0"/>
+              </a:spcBef>
+              <a:spcAft>
+                <a:spcPct val="0"/>
+              </a:spcAft>
+              <a:defRPr/>
+            </a:pPr>
+            <a:r>
+              <a:rPr lang="en-US" sz="1300" smtClean="0">
+                <a:latin typeface="Arial" charset="0"/>
+              </a:rPr>
+              <a:t>The Capstone ExperienceComputer Science and Engineering</a:t>
+            </a:r>
+          </a:p>
+        </p:txBody>
+      </p:sp>
+      <p:sp>
+        <p:nvSpPr>
+          <p:cNvPr id="21509" name="Rectangle 7"/>
+          <p:cNvSpPr>
+            <a:spLocks noGrp="1" noChangeArrowheads="1"/>
+          </p:cNvSpPr>
+          <p:nvPr>
+            <p:ph type="sldNum" sz="quarter" idx="5"/>
+          </p:nvPr>
+        </p:nvSpPr>
+        <p:spPr bwMode="auto">
+          <a:extLst>
+            <a:ext uri="{909E8E84-426E-40DD-AFC4-6F175D3DCCD1}">
+              <a14:hiddenFill xmlns="" xmlns:a14="http://schemas.microsoft.com/office/drawing/2010/main">
+                <a:solidFill>
+                  <a:srgbClr val="FFFFFF"/>
+                </a:solidFill>
+              </a14:hiddenFill>
+            </a:ext>
+            <a:ext uri="{91240B29-F687-4F45-9708-019B960494DF}">
+              <a14:hiddenLine xmlns="" xmlns:a14="http://schemas.microsoft.com/office/drawing/2010/main" w="9525">
+                <a:solidFill>
+                  <a:srgbClr val="000000"/>
+                </a:solidFill>
+                <a:miter lim="800000"/>
+                <a:headEnd/>
+                <a:tailEnd/>
+              </a14:hiddenLine>
+            </a:ext>
+          </a:extLst>
+        </p:spPr>
+        <p:txBody>
+          <a:bodyPr wrap="square" numCol="1" anchorCtr="0" compatLnSpc="1">
+            <a:prstTxWarp prst="textNoShape">
+              <a:avLst/>
+            </a:prstTxWarp>
+          </a:bodyPr>
+          <a:lstStyle>
+            <a:lvl1pPr defTabSz="912813">
+              <a:defRPr>
+                <a:solidFill>
+                  <a:schemeClr val="tx1"/>
+                </a:solidFill>
+                <a:latin typeface="Calibri" pitchFamily="34" charset="0"/>
+              </a:defRPr>
+            </a:lvl1pPr>
+            <a:lvl2pPr marL="742950" indent="-285750" defTabSz="912813">
+              <a:defRPr>
+                <a:solidFill>
+                  <a:schemeClr val="tx1"/>
+                </a:solidFill>
+                <a:latin typeface="Calibri" pitchFamily="34" charset="0"/>
+              </a:defRPr>
+            </a:lvl2pPr>
+            <a:lvl3pPr marL="1143000" indent="-228600" defTabSz="912813">
+              <a:defRPr>
+                <a:solidFill>
+                  <a:schemeClr val="tx1"/>
+                </a:solidFill>
+                <a:latin typeface="Calibri" pitchFamily="34" charset="0"/>
+              </a:defRPr>
+            </a:lvl3pPr>
+            <a:lvl4pPr marL="1600200" indent="-228600" defTabSz="912813">
+              <a:defRPr>
+                <a:solidFill>
+                  <a:schemeClr val="tx1"/>
+                </a:solidFill>
+                <a:latin typeface="Calibri" pitchFamily="34" charset="0"/>
+              </a:defRPr>
+            </a:lvl4pPr>
+            <a:lvl5pPr marL="2057400" indent="-228600" defTabSz="912813">
+              <a:defRPr>
+                <a:solidFill>
+                  <a:schemeClr val="tx1"/>
+                </a:solidFill>
+                <a:latin typeface="Calibri" pitchFamily="34" charset="0"/>
+              </a:defRPr>
+            </a:lvl5pPr>
+            <a:lvl6pPr marL="2514600" indent="-228600" defTabSz="912813" fontAlgn="base">
+              <a:spcBef>
+                <a:spcPct val="0"/>
+              </a:spcBef>
+              <a:spcAft>
+                <a:spcPct val="0"/>
+              </a:spcAft>
+              <a:defRPr>
+                <a:solidFill>
+                  <a:schemeClr val="tx1"/>
+                </a:solidFill>
+                <a:latin typeface="Calibri" pitchFamily="34" charset="0"/>
+              </a:defRPr>
+            </a:lvl6pPr>
+            <a:lvl7pPr marL="2971800" indent="-228600" defTabSz="912813" fontAlgn="base">
+              <a:spcBef>
+                <a:spcPct val="0"/>
+              </a:spcBef>
+              <a:spcAft>
+                <a:spcPct val="0"/>
+              </a:spcAft>
+              <a:defRPr>
+                <a:solidFill>
+                  <a:schemeClr val="tx1"/>
+                </a:solidFill>
+                <a:latin typeface="Calibri" pitchFamily="34" charset="0"/>
+              </a:defRPr>
+            </a:lvl7pPr>
+            <a:lvl8pPr marL="3429000" indent="-228600" defTabSz="912813" fontAlgn="base">
+              <a:spcBef>
+                <a:spcPct val="0"/>
+              </a:spcBef>
+              <a:spcAft>
+                <a:spcPct val="0"/>
+              </a:spcAft>
+              <a:defRPr>
+                <a:solidFill>
+                  <a:schemeClr val="tx1"/>
+                </a:solidFill>
+                <a:latin typeface="Calibri" pitchFamily="34" charset="0"/>
+              </a:defRPr>
+            </a:lvl8pPr>
+            <a:lvl9pPr marL="3886200" indent="-228600" defTabSz="912813" fontAlgn="base">
+              <a:spcBef>
+                <a:spcPct val="0"/>
+              </a:spcBef>
+              <a:spcAft>
+                <a:spcPct val="0"/>
+              </a:spcAft>
+              <a:defRPr>
+                <a:solidFill>
+                  <a:schemeClr val="tx1"/>
+                </a:solidFill>
+                <a:latin typeface="Calibri" pitchFamily="34" charset="0"/>
+              </a:defRPr>
+            </a:lvl9pPr>
+          </a:lstStyle>
+          <a:p>
+            <a:pPr fontAlgn="base">
+              <a:spcBef>
+                <a:spcPct val="0"/>
+              </a:spcBef>
+              <a:spcAft>
+                <a:spcPct val="0"/>
+              </a:spcAft>
+              <a:defRPr/>
+            </a:pPr>
+            <a:fld id="{4B90409B-7D04-4E8D-AE7C-096361A8FE17}" type="slidenum">
+              <a:rPr lang="en-US" sz="1300" smtClean="0">
+                <a:latin typeface="Arial" charset="0"/>
+              </a:rPr>
+              <a:pPr fontAlgn="base">
+                <a:spcBef>
+                  <a:spcPct val="0"/>
+                </a:spcBef>
+                <a:spcAft>
+                  <a:spcPct val="0"/>
+                </a:spcAft>
+                <a:defRPr/>
+              </a:pPr>
+              <a:t>1</a:t>
+            </a:fld>
+            <a:endParaRPr lang="en-US" sz="1300" smtClean="0">
+              <a:latin typeface="Arial" charset="0"/>
+            </a:endParaRPr>
+          </a:p>
+        </p:txBody>
+      </p:sp>
+      <p:sp>
+        <p:nvSpPr>
+          <p:cNvPr id="22534" name="Rectangle 2"/>
+          <p:cNvSpPr>
+            <a:spLocks noGrp="1" noRot="1" noChangeAspect="1" noChangeArrowheads="1" noTextEdit="1"/>
           </p:cNvSpPr>
           <p:nvPr>
             <p:ph type="sldImg"/>
@@ -1101,7 +1731,7 @@
           </a:ln>
           <a:extLst>
             <a:ext uri="{909E8E84-426E-40DD-AFC4-6F175D3DCCD1}">
-              <a14:hiddenFill xmlns:a14="http://schemas.microsoft.com/office/drawing/2010/main" xmlns="">
+              <a14:hiddenFill xmlns="" xmlns:a14="http://schemas.microsoft.com/office/drawing/2010/main">
                 <a:solidFill>
                   <a:srgbClr val="FFFFFF"/>
                 </a:solidFill>
@@ -1112,26 +1742,30 @@
       </p:sp>
       <p:sp>
         <p:nvSpPr>
-          <p:cNvPr id="21507" name="Notes Placeholder 2"/>
-          <p:cNvSpPr>
-            <a:spLocks noGrp="1"/>
+          <p:cNvPr id="22535" name="Rectangle 3"/>
+          <p:cNvSpPr>
+            <a:spLocks noGrp="1" noChangeArrowheads="1"/>
           </p:cNvSpPr>
           <p:nvPr>
             <p:ph type="body" idx="1"/>
           </p:nvPr>
         </p:nvSpPr>
         <p:spPr bwMode="auto">
+          <a:xfrm>
+            <a:off x="914400" y="4343400"/>
+            <a:ext cx="5029200" cy="4116388"/>
+          </a:xfrm>
           <a:noFill/>
           <a:extLst>
             <a:ext uri="{909E8E84-426E-40DD-AFC4-6F175D3DCCD1}">
-              <a14:hiddenFill xmlns:a14="http://schemas.microsoft.com/office/drawing/2010/main" xmlns="">
+              <a14:hiddenFill xmlns="" xmlns:a14="http://schemas.microsoft.com/office/drawing/2010/main">
                 <a:solidFill>
                   <a:srgbClr val="FFFFFF"/>
                 </a:solidFill>
               </a14:hiddenFill>
             </a:ext>
             <a:ext uri="{91240B29-F687-4F45-9708-019B960494DF}">
-              <a14:hiddenLine xmlns:a14="http://schemas.microsoft.com/office/drawing/2010/main" xmlns="" w="9525">
+              <a14:hiddenLine xmlns="" xmlns:a14="http://schemas.microsoft.com/office/drawing/2010/main" w="9525">
                 <a:solidFill>
                   <a:srgbClr val="000000"/>
                 </a:solidFill>
@@ -1155,624 +1789,6 @@
                 <a:spcPct val="0"/>
               </a:spcBef>
             </a:pPr>
-            <a:endParaRPr lang="en-US" smtClean="0"/>
-          </a:p>
-        </p:txBody>
-      </p:sp>
-      <p:sp>
-        <p:nvSpPr>
-          <p:cNvPr id="20484" name="Header Placeholder 3"/>
-          <p:cNvSpPr>
-            <a:spLocks noGrp="1"/>
-          </p:cNvSpPr>
-          <p:nvPr>
-            <p:ph type="hdr" sz="quarter"/>
-          </p:nvPr>
-        </p:nvSpPr>
-        <p:spPr bwMode="auto">
-          <a:extLst>
-            <a:ext uri="{909E8E84-426E-40DD-AFC4-6F175D3DCCD1}">
-              <a14:hiddenFill xmlns:a14="http://schemas.microsoft.com/office/drawing/2010/main" xmlns="">
-                <a:solidFill>
-                  <a:srgbClr val="FFFFFF"/>
-                </a:solidFill>
-              </a14:hiddenFill>
-            </a:ext>
-            <a:ext uri="{91240B29-F687-4F45-9708-019B960494DF}">
-              <a14:hiddenLine xmlns:a14="http://schemas.microsoft.com/office/drawing/2010/main" xmlns="" w="9525">
-                <a:solidFill>
-                  <a:srgbClr val="000000"/>
-                </a:solidFill>
-                <a:miter lim="800000"/>
-                <a:headEnd/>
-                <a:tailEnd/>
-              </a14:hiddenLine>
-            </a:ext>
-          </a:extLst>
-        </p:spPr>
-        <p:txBody>
-          <a:bodyPr wrap="square" numCol="1" anchor="t" anchorCtr="0" compatLnSpc="1">
-            <a:prstTxWarp prst="textNoShape">
-              <a:avLst/>
-            </a:prstTxWarp>
-          </a:bodyPr>
-          <a:lstStyle>
-            <a:lvl1pPr>
-              <a:defRPr>
-                <a:solidFill>
-                  <a:schemeClr val="tx1"/>
-                </a:solidFill>
-                <a:latin typeface="Calibri" pitchFamily="34" charset="0"/>
-              </a:defRPr>
-            </a:lvl1pPr>
-            <a:lvl2pPr marL="742950" indent="-285750">
-              <a:defRPr>
-                <a:solidFill>
-                  <a:schemeClr val="tx1"/>
-                </a:solidFill>
-                <a:latin typeface="Calibri" pitchFamily="34" charset="0"/>
-              </a:defRPr>
-            </a:lvl2pPr>
-            <a:lvl3pPr marL="1143000" indent="-228600">
-              <a:defRPr>
-                <a:solidFill>
-                  <a:schemeClr val="tx1"/>
-                </a:solidFill>
-                <a:latin typeface="Calibri" pitchFamily="34" charset="0"/>
-              </a:defRPr>
-            </a:lvl3pPr>
-            <a:lvl4pPr marL="1600200" indent="-228600">
-              <a:defRPr>
-                <a:solidFill>
-                  <a:schemeClr val="tx1"/>
-                </a:solidFill>
-                <a:latin typeface="Calibri" pitchFamily="34" charset="0"/>
-              </a:defRPr>
-            </a:lvl4pPr>
-            <a:lvl5pPr marL="2057400" indent="-228600">
-              <a:defRPr>
-                <a:solidFill>
-                  <a:schemeClr val="tx1"/>
-                </a:solidFill>
-                <a:latin typeface="Calibri" pitchFamily="34" charset="0"/>
-              </a:defRPr>
-            </a:lvl5pPr>
-            <a:lvl6pPr marL="2514600" indent="-228600" fontAlgn="base">
-              <a:spcBef>
-                <a:spcPct val="0"/>
-              </a:spcBef>
-              <a:spcAft>
-                <a:spcPct val="0"/>
-              </a:spcAft>
-              <a:defRPr>
-                <a:solidFill>
-                  <a:schemeClr val="tx1"/>
-                </a:solidFill>
-                <a:latin typeface="Calibri" pitchFamily="34" charset="0"/>
-              </a:defRPr>
-            </a:lvl6pPr>
-            <a:lvl7pPr marL="2971800" indent="-228600" fontAlgn="base">
-              <a:spcBef>
-                <a:spcPct val="0"/>
-              </a:spcBef>
-              <a:spcAft>
-                <a:spcPct val="0"/>
-              </a:spcAft>
-              <a:defRPr>
-                <a:solidFill>
-                  <a:schemeClr val="tx1"/>
-                </a:solidFill>
-                <a:latin typeface="Calibri" pitchFamily="34" charset="0"/>
-              </a:defRPr>
-            </a:lvl7pPr>
-            <a:lvl8pPr marL="3429000" indent="-228600" fontAlgn="base">
-              <a:spcBef>
-                <a:spcPct val="0"/>
-              </a:spcBef>
-              <a:spcAft>
-                <a:spcPct val="0"/>
-              </a:spcAft>
-              <a:defRPr>
-                <a:solidFill>
-                  <a:schemeClr val="tx1"/>
-                </a:solidFill>
-                <a:latin typeface="Calibri" pitchFamily="34" charset="0"/>
-              </a:defRPr>
-            </a:lvl8pPr>
-            <a:lvl9pPr marL="3886200" indent="-228600" fontAlgn="base">
-              <a:spcBef>
-                <a:spcPct val="0"/>
-              </a:spcBef>
-              <a:spcAft>
-                <a:spcPct val="0"/>
-              </a:spcAft>
-              <a:defRPr>
-                <a:solidFill>
-                  <a:schemeClr val="tx1"/>
-                </a:solidFill>
-                <a:latin typeface="Calibri" pitchFamily="34" charset="0"/>
-              </a:defRPr>
-            </a:lvl9pPr>
-          </a:lstStyle>
-          <a:p>
-            <a:pPr fontAlgn="base">
-              <a:spcBef>
-                <a:spcPct val="0"/>
-              </a:spcBef>
-              <a:spcAft>
-                <a:spcPct val="0"/>
-              </a:spcAft>
-              <a:defRPr/>
-            </a:pPr>
-            <a:r>
-              <a:rPr lang="en-US" smtClean="0"/>
-              <a:t>Team &lt;Company Name&gt;</a:t>
-            </a:r>
-          </a:p>
-        </p:txBody>
-      </p:sp>
-      <p:sp>
-        <p:nvSpPr>
-          <p:cNvPr id="20485" name="Date Placeholder 4"/>
-          <p:cNvSpPr>
-            <a:spLocks noGrp="1"/>
-          </p:cNvSpPr>
-          <p:nvPr>
-            <p:ph type="dt" sz="quarter" idx="1"/>
-          </p:nvPr>
-        </p:nvSpPr>
-        <p:spPr bwMode="auto">
-          <a:extLst>
-            <a:ext uri="{909E8E84-426E-40DD-AFC4-6F175D3DCCD1}">
-              <a14:hiddenFill xmlns:a14="http://schemas.microsoft.com/office/drawing/2010/main" xmlns="">
-                <a:solidFill>
-                  <a:srgbClr val="FFFFFF"/>
-                </a:solidFill>
-              </a14:hiddenFill>
-            </a:ext>
-            <a:ext uri="{91240B29-F687-4F45-9708-019B960494DF}">
-              <a14:hiddenLine xmlns:a14="http://schemas.microsoft.com/office/drawing/2010/main" xmlns="" w="9525">
-                <a:solidFill>
-                  <a:srgbClr val="000000"/>
-                </a:solidFill>
-                <a:miter lim="800000"/>
-                <a:headEnd/>
-                <a:tailEnd/>
-              </a14:hiddenLine>
-            </a:ext>
-          </a:extLst>
-        </p:spPr>
-        <p:txBody>
-          <a:bodyPr wrap="square" numCol="1" anchor="t" anchorCtr="0" compatLnSpc="1">
-            <a:prstTxWarp prst="textNoShape">
-              <a:avLst/>
-            </a:prstTxWarp>
-          </a:bodyPr>
-          <a:lstStyle>
-            <a:lvl1pPr>
-              <a:defRPr>
-                <a:solidFill>
-                  <a:schemeClr val="tx1"/>
-                </a:solidFill>
-                <a:latin typeface="Calibri" pitchFamily="34" charset="0"/>
-              </a:defRPr>
-            </a:lvl1pPr>
-            <a:lvl2pPr marL="742950" indent="-285750">
-              <a:defRPr>
-                <a:solidFill>
-                  <a:schemeClr val="tx1"/>
-                </a:solidFill>
-                <a:latin typeface="Calibri" pitchFamily="34" charset="0"/>
-              </a:defRPr>
-            </a:lvl2pPr>
-            <a:lvl3pPr marL="1143000" indent="-228600">
-              <a:defRPr>
-                <a:solidFill>
-                  <a:schemeClr val="tx1"/>
-                </a:solidFill>
-                <a:latin typeface="Calibri" pitchFamily="34" charset="0"/>
-              </a:defRPr>
-            </a:lvl3pPr>
-            <a:lvl4pPr marL="1600200" indent="-228600">
-              <a:defRPr>
-                <a:solidFill>
-                  <a:schemeClr val="tx1"/>
-                </a:solidFill>
-                <a:latin typeface="Calibri" pitchFamily="34" charset="0"/>
-              </a:defRPr>
-            </a:lvl4pPr>
-            <a:lvl5pPr marL="2057400" indent="-228600">
-              <a:defRPr>
-                <a:solidFill>
-                  <a:schemeClr val="tx1"/>
-                </a:solidFill>
-                <a:latin typeface="Calibri" pitchFamily="34" charset="0"/>
-              </a:defRPr>
-            </a:lvl5pPr>
-            <a:lvl6pPr marL="2514600" indent="-228600" fontAlgn="base">
-              <a:spcBef>
-                <a:spcPct val="0"/>
-              </a:spcBef>
-              <a:spcAft>
-                <a:spcPct val="0"/>
-              </a:spcAft>
-              <a:defRPr>
-                <a:solidFill>
-                  <a:schemeClr val="tx1"/>
-                </a:solidFill>
-                <a:latin typeface="Calibri" pitchFamily="34" charset="0"/>
-              </a:defRPr>
-            </a:lvl6pPr>
-            <a:lvl7pPr marL="2971800" indent="-228600" fontAlgn="base">
-              <a:spcBef>
-                <a:spcPct val="0"/>
-              </a:spcBef>
-              <a:spcAft>
-                <a:spcPct val="0"/>
-              </a:spcAft>
-              <a:defRPr>
-                <a:solidFill>
-                  <a:schemeClr val="tx1"/>
-                </a:solidFill>
-                <a:latin typeface="Calibri" pitchFamily="34" charset="0"/>
-              </a:defRPr>
-            </a:lvl7pPr>
-            <a:lvl8pPr marL="3429000" indent="-228600" fontAlgn="base">
-              <a:spcBef>
-                <a:spcPct val="0"/>
-              </a:spcBef>
-              <a:spcAft>
-                <a:spcPct val="0"/>
-              </a:spcAft>
-              <a:defRPr>
-                <a:solidFill>
-                  <a:schemeClr val="tx1"/>
-                </a:solidFill>
-                <a:latin typeface="Calibri" pitchFamily="34" charset="0"/>
-              </a:defRPr>
-            </a:lvl8pPr>
-            <a:lvl9pPr marL="3886200" indent="-228600" fontAlgn="base">
-              <a:spcBef>
-                <a:spcPct val="0"/>
-              </a:spcBef>
-              <a:spcAft>
-                <a:spcPct val="0"/>
-              </a:spcAft>
-              <a:defRPr>
-                <a:solidFill>
-                  <a:schemeClr val="tx1"/>
-                </a:solidFill>
-                <a:latin typeface="Calibri" pitchFamily="34" charset="0"/>
-              </a:defRPr>
-            </a:lvl9pPr>
-          </a:lstStyle>
-          <a:p>
-            <a:pPr fontAlgn="base">
-              <a:spcBef>
-                <a:spcPct val="0"/>
-              </a:spcBef>
-              <a:spcAft>
-                <a:spcPct val="0"/>
-              </a:spcAft>
-              <a:defRPr/>
-            </a:pPr>
-            <a:r>
-              <a:rPr lang="en-US" smtClean="0"/>
-              <a:t>Beta Presentation &lt;Project Title&gt;</a:t>
-            </a:r>
-          </a:p>
-        </p:txBody>
-      </p:sp>
-      <p:sp>
-        <p:nvSpPr>
-          <p:cNvPr id="20486" name="Footer Placeholder 5"/>
-          <p:cNvSpPr>
-            <a:spLocks noGrp="1"/>
-          </p:cNvSpPr>
-          <p:nvPr>
-            <p:ph type="ftr" sz="quarter" idx="4"/>
-          </p:nvPr>
-        </p:nvSpPr>
-        <p:spPr bwMode="auto">
-          <a:extLst>
-            <a:ext uri="{909E8E84-426E-40DD-AFC4-6F175D3DCCD1}">
-              <a14:hiddenFill xmlns:a14="http://schemas.microsoft.com/office/drawing/2010/main" xmlns="">
-                <a:solidFill>
-                  <a:srgbClr val="FFFFFF"/>
-                </a:solidFill>
-              </a14:hiddenFill>
-            </a:ext>
-            <a:ext uri="{91240B29-F687-4F45-9708-019B960494DF}">
-              <a14:hiddenLine xmlns:a14="http://schemas.microsoft.com/office/drawing/2010/main" xmlns="" w="9525">
-                <a:solidFill>
-                  <a:srgbClr val="000000"/>
-                </a:solidFill>
-                <a:miter lim="800000"/>
-                <a:headEnd/>
-                <a:tailEnd/>
-              </a14:hiddenLine>
-            </a:ext>
-          </a:extLst>
-        </p:spPr>
-        <p:txBody>
-          <a:bodyPr wrap="square" numCol="1" anchorCtr="0" compatLnSpc="1">
-            <a:prstTxWarp prst="textNoShape">
-              <a:avLst/>
-            </a:prstTxWarp>
-          </a:bodyPr>
-          <a:lstStyle>
-            <a:lvl1pPr>
-              <a:defRPr>
-                <a:solidFill>
-                  <a:schemeClr val="tx1"/>
-                </a:solidFill>
-                <a:latin typeface="Calibri" pitchFamily="34" charset="0"/>
-              </a:defRPr>
-            </a:lvl1pPr>
-            <a:lvl2pPr marL="742950" indent="-285750">
-              <a:defRPr>
-                <a:solidFill>
-                  <a:schemeClr val="tx1"/>
-                </a:solidFill>
-                <a:latin typeface="Calibri" pitchFamily="34" charset="0"/>
-              </a:defRPr>
-            </a:lvl2pPr>
-            <a:lvl3pPr marL="1143000" indent="-228600">
-              <a:defRPr>
-                <a:solidFill>
-                  <a:schemeClr val="tx1"/>
-                </a:solidFill>
-                <a:latin typeface="Calibri" pitchFamily="34" charset="0"/>
-              </a:defRPr>
-            </a:lvl3pPr>
-            <a:lvl4pPr marL="1600200" indent="-228600">
-              <a:defRPr>
-                <a:solidFill>
-                  <a:schemeClr val="tx1"/>
-                </a:solidFill>
-                <a:latin typeface="Calibri" pitchFamily="34" charset="0"/>
-              </a:defRPr>
-            </a:lvl4pPr>
-            <a:lvl5pPr marL="2057400" indent="-228600">
-              <a:defRPr>
-                <a:solidFill>
-                  <a:schemeClr val="tx1"/>
-                </a:solidFill>
-                <a:latin typeface="Calibri" pitchFamily="34" charset="0"/>
-              </a:defRPr>
-            </a:lvl5pPr>
-            <a:lvl6pPr marL="2514600" indent="-228600" fontAlgn="base">
-              <a:spcBef>
-                <a:spcPct val="0"/>
-              </a:spcBef>
-              <a:spcAft>
-                <a:spcPct val="0"/>
-              </a:spcAft>
-              <a:defRPr>
-                <a:solidFill>
-                  <a:schemeClr val="tx1"/>
-                </a:solidFill>
-                <a:latin typeface="Calibri" pitchFamily="34" charset="0"/>
-              </a:defRPr>
-            </a:lvl6pPr>
-            <a:lvl7pPr marL="2971800" indent="-228600" fontAlgn="base">
-              <a:spcBef>
-                <a:spcPct val="0"/>
-              </a:spcBef>
-              <a:spcAft>
-                <a:spcPct val="0"/>
-              </a:spcAft>
-              <a:defRPr>
-                <a:solidFill>
-                  <a:schemeClr val="tx1"/>
-                </a:solidFill>
-                <a:latin typeface="Calibri" pitchFamily="34" charset="0"/>
-              </a:defRPr>
-            </a:lvl7pPr>
-            <a:lvl8pPr marL="3429000" indent="-228600" fontAlgn="base">
-              <a:spcBef>
-                <a:spcPct val="0"/>
-              </a:spcBef>
-              <a:spcAft>
-                <a:spcPct val="0"/>
-              </a:spcAft>
-              <a:defRPr>
-                <a:solidFill>
-                  <a:schemeClr val="tx1"/>
-                </a:solidFill>
-                <a:latin typeface="Calibri" pitchFamily="34" charset="0"/>
-              </a:defRPr>
-            </a:lvl8pPr>
-            <a:lvl9pPr marL="3886200" indent="-228600" fontAlgn="base">
-              <a:spcBef>
-                <a:spcPct val="0"/>
-              </a:spcBef>
-              <a:spcAft>
-                <a:spcPct val="0"/>
-              </a:spcAft>
-              <a:defRPr>
-                <a:solidFill>
-                  <a:schemeClr val="tx1"/>
-                </a:solidFill>
-                <a:latin typeface="Calibri" pitchFamily="34" charset="0"/>
-              </a:defRPr>
-            </a:lvl9pPr>
-          </a:lstStyle>
-          <a:p>
-            <a:pPr fontAlgn="base">
-              <a:spcBef>
-                <a:spcPct val="0"/>
-              </a:spcBef>
-              <a:spcAft>
-                <a:spcPct val="0"/>
-              </a:spcAft>
-              <a:defRPr/>
-            </a:pPr>
-            <a:r>
-              <a:rPr lang="en-US" smtClean="0"/>
-              <a:t>The Capstone ExperienceComputer Science and Engineering</a:t>
-            </a:r>
-          </a:p>
-        </p:txBody>
-      </p:sp>
-      <p:sp>
-        <p:nvSpPr>
-          <p:cNvPr id="20487" name="Slide Number Placeholder 6"/>
-          <p:cNvSpPr>
-            <a:spLocks noGrp="1"/>
-          </p:cNvSpPr>
-          <p:nvPr>
-            <p:ph type="sldNum" sz="quarter" idx="5"/>
-          </p:nvPr>
-        </p:nvSpPr>
-        <p:spPr bwMode="auto">
-          <a:extLst>
-            <a:ext uri="{909E8E84-426E-40DD-AFC4-6F175D3DCCD1}">
-              <a14:hiddenFill xmlns:a14="http://schemas.microsoft.com/office/drawing/2010/main" xmlns="">
-                <a:solidFill>
-                  <a:srgbClr val="FFFFFF"/>
-                </a:solidFill>
-              </a14:hiddenFill>
-            </a:ext>
-            <a:ext uri="{91240B29-F687-4F45-9708-019B960494DF}">
-              <a14:hiddenLine xmlns:a14="http://schemas.microsoft.com/office/drawing/2010/main" xmlns="" w="9525">
-                <a:solidFill>
-                  <a:srgbClr val="000000"/>
-                </a:solidFill>
-                <a:miter lim="800000"/>
-                <a:headEnd/>
-                <a:tailEnd/>
-              </a14:hiddenLine>
-            </a:ext>
-          </a:extLst>
-        </p:spPr>
-        <p:txBody>
-          <a:bodyPr wrap="square" numCol="1" anchorCtr="0" compatLnSpc="1">
-            <a:prstTxWarp prst="textNoShape">
-              <a:avLst/>
-            </a:prstTxWarp>
-          </a:bodyPr>
-          <a:lstStyle>
-            <a:lvl1pPr>
-              <a:defRPr>
-                <a:solidFill>
-                  <a:schemeClr val="tx1"/>
-                </a:solidFill>
-                <a:latin typeface="Calibri" pitchFamily="34" charset="0"/>
-              </a:defRPr>
-            </a:lvl1pPr>
-            <a:lvl2pPr marL="742950" indent="-285750">
-              <a:defRPr>
-                <a:solidFill>
-                  <a:schemeClr val="tx1"/>
-                </a:solidFill>
-                <a:latin typeface="Calibri" pitchFamily="34" charset="0"/>
-              </a:defRPr>
-            </a:lvl2pPr>
-            <a:lvl3pPr marL="1143000" indent="-228600">
-              <a:defRPr>
-                <a:solidFill>
-                  <a:schemeClr val="tx1"/>
-                </a:solidFill>
-                <a:latin typeface="Calibri" pitchFamily="34" charset="0"/>
-              </a:defRPr>
-            </a:lvl3pPr>
-            <a:lvl4pPr marL="1600200" indent="-228600">
-              <a:defRPr>
-                <a:solidFill>
-                  <a:schemeClr val="tx1"/>
-                </a:solidFill>
-                <a:latin typeface="Calibri" pitchFamily="34" charset="0"/>
-              </a:defRPr>
-            </a:lvl4pPr>
-            <a:lvl5pPr marL="2057400" indent="-228600">
-              <a:defRPr>
-                <a:solidFill>
-                  <a:schemeClr val="tx1"/>
-                </a:solidFill>
-                <a:latin typeface="Calibri" pitchFamily="34" charset="0"/>
-              </a:defRPr>
-            </a:lvl5pPr>
-            <a:lvl6pPr marL="2514600" indent="-228600" fontAlgn="base">
-              <a:spcBef>
-                <a:spcPct val="0"/>
-              </a:spcBef>
-              <a:spcAft>
-                <a:spcPct val="0"/>
-              </a:spcAft>
-              <a:defRPr>
-                <a:solidFill>
-                  <a:schemeClr val="tx1"/>
-                </a:solidFill>
-                <a:latin typeface="Calibri" pitchFamily="34" charset="0"/>
-              </a:defRPr>
-            </a:lvl6pPr>
-            <a:lvl7pPr marL="2971800" indent="-228600" fontAlgn="base">
-              <a:spcBef>
-                <a:spcPct val="0"/>
-              </a:spcBef>
-              <a:spcAft>
-                <a:spcPct val="0"/>
-              </a:spcAft>
-              <a:defRPr>
-                <a:solidFill>
-                  <a:schemeClr val="tx1"/>
-                </a:solidFill>
-                <a:latin typeface="Calibri" pitchFamily="34" charset="0"/>
-              </a:defRPr>
-            </a:lvl7pPr>
-            <a:lvl8pPr marL="3429000" indent="-228600" fontAlgn="base">
-              <a:spcBef>
-                <a:spcPct val="0"/>
-              </a:spcBef>
-              <a:spcAft>
-                <a:spcPct val="0"/>
-              </a:spcAft>
-              <a:defRPr>
-                <a:solidFill>
-                  <a:schemeClr val="tx1"/>
-                </a:solidFill>
-                <a:latin typeface="Calibri" pitchFamily="34" charset="0"/>
-              </a:defRPr>
-            </a:lvl8pPr>
-            <a:lvl9pPr marL="3886200" indent="-228600" fontAlgn="base">
-              <a:spcBef>
-                <a:spcPct val="0"/>
-              </a:spcBef>
-              <a:spcAft>
-                <a:spcPct val="0"/>
-              </a:spcAft>
-              <a:defRPr>
-                <a:solidFill>
-                  <a:schemeClr val="tx1"/>
-                </a:solidFill>
-                <a:latin typeface="Calibri" pitchFamily="34" charset="0"/>
-              </a:defRPr>
-            </a:lvl9pPr>
-          </a:lstStyle>
-          <a:p>
-            <a:pPr fontAlgn="base">
-              <a:spcBef>
-                <a:spcPct val="0"/>
-              </a:spcBef>
-              <a:spcAft>
-                <a:spcPct val="0"/>
-              </a:spcAft>
-              <a:defRPr/>
-            </a:pPr>
-            <a:fld id="{2FE4291C-C80D-40F5-9C40-6A7042A9E008}" type="slidenum">
-              <a:rPr lang="en-US" smtClean="0"/>
-              <a:pPr fontAlgn="base">
-                <a:spcBef>
-                  <a:spcPct val="0"/>
-                </a:spcBef>
-                <a:spcAft>
-                  <a:spcPct val="0"/>
-                </a:spcAft>
-                <a:defRPr/>
-              </a:pPr>
-              <a:t>1</a:t>
-            </a:fld>
             <a:endParaRPr lang="en-US" smtClean="0"/>
           </a:p>
         </p:txBody>
@@ -1804,7 +1820,7 @@
       </p:grpSpPr>
       <p:sp>
         <p:nvSpPr>
-          <p:cNvPr id="21506" name="Rectangle 2"/>
+          <p:cNvPr id="22530" name="Rectangle 2"/>
           <p:cNvSpPr>
             <a:spLocks noGrp="1" noChangeArrowheads="1"/>
           </p:cNvSpPr>
@@ -1815,14 +1831,14 @@
         <p:spPr bwMode="auto">
           <a:extLst>
             <a:ext uri="{909E8E84-426E-40DD-AFC4-6F175D3DCCD1}">
-              <a14:hiddenFill xmlns:a14="http://schemas.microsoft.com/office/drawing/2010/main" xmlns="">
+              <a14:hiddenFill xmlns="" xmlns:a14="http://schemas.microsoft.com/office/drawing/2010/main">
                 <a:solidFill>
                   <a:srgbClr val="FFFFFF"/>
                 </a:solidFill>
               </a14:hiddenFill>
             </a:ext>
             <a:ext uri="{91240B29-F687-4F45-9708-019B960494DF}">
-              <a14:hiddenLine xmlns:a14="http://schemas.microsoft.com/office/drawing/2010/main" xmlns="" w="9525">
+              <a14:hiddenLine xmlns="" xmlns:a14="http://schemas.microsoft.com/office/drawing/2010/main" w="9525">
                 <a:solidFill>
                   <a:srgbClr val="000000"/>
                 </a:solidFill>
@@ -1840,7 +1856,7 @@
             </a:prstTxWarp>
           </a:bodyPr>
           <a:lstStyle>
-            <a:lvl1pPr defTabSz="912813">
+            <a:lvl1pPr defTabSz="911225">
               <a:defRPr>
                 <a:solidFill>
                   <a:schemeClr val="tx1"/>
@@ -1848,7 +1864,7 @@
                 <a:latin typeface="Calibri" pitchFamily="34" charset="0"/>
               </a:defRPr>
             </a:lvl1pPr>
-            <a:lvl2pPr marL="742950" indent="-285750" defTabSz="912813">
+            <a:lvl2pPr marL="742950" indent="-285750" defTabSz="911225">
               <a:defRPr>
                 <a:solidFill>
                   <a:schemeClr val="tx1"/>
@@ -1856,7 +1872,7 @@
                 <a:latin typeface="Calibri" pitchFamily="34" charset="0"/>
               </a:defRPr>
             </a:lvl2pPr>
-            <a:lvl3pPr marL="1143000" indent="-228600" defTabSz="912813">
+            <a:lvl3pPr marL="1143000" indent="-228600" defTabSz="911225">
               <a:defRPr>
                 <a:solidFill>
                   <a:schemeClr val="tx1"/>
@@ -1864,7 +1880,7 @@
                 <a:latin typeface="Calibri" pitchFamily="34" charset="0"/>
               </a:defRPr>
             </a:lvl3pPr>
-            <a:lvl4pPr marL="1600200" indent="-228600" defTabSz="912813">
+            <a:lvl4pPr marL="1600200" indent="-228600" defTabSz="911225">
               <a:defRPr>
                 <a:solidFill>
                   <a:schemeClr val="tx1"/>
@@ -1872,7 +1888,7 @@
                 <a:latin typeface="Calibri" pitchFamily="34" charset="0"/>
               </a:defRPr>
             </a:lvl4pPr>
-            <a:lvl5pPr marL="2057400" indent="-228600" defTabSz="912813">
+            <a:lvl5pPr marL="2057400" indent="-228600" defTabSz="911225">
               <a:defRPr>
                 <a:solidFill>
                   <a:schemeClr val="tx1"/>
@@ -1880,7 +1896,7 @@
                 <a:latin typeface="Calibri" pitchFamily="34" charset="0"/>
               </a:defRPr>
             </a:lvl5pPr>
-            <a:lvl6pPr marL="2514600" indent="-228600" defTabSz="912813" fontAlgn="base">
+            <a:lvl6pPr marL="2514600" indent="-228600" defTabSz="911225" fontAlgn="base">
               <a:spcBef>
                 <a:spcPct val="0"/>
               </a:spcBef>
@@ -1894,7 +1910,7 @@
                 <a:latin typeface="Calibri" pitchFamily="34" charset="0"/>
               </a:defRPr>
             </a:lvl6pPr>
-            <a:lvl7pPr marL="2971800" indent="-228600" defTabSz="912813" fontAlgn="base">
+            <a:lvl7pPr marL="2971800" indent="-228600" defTabSz="911225" fontAlgn="base">
               <a:spcBef>
                 <a:spcPct val="0"/>
               </a:spcBef>
@@ -1908,7 +1924,7 @@
                 <a:latin typeface="Calibri" pitchFamily="34" charset="0"/>
               </a:defRPr>
             </a:lvl7pPr>
-            <a:lvl8pPr marL="3429000" indent="-228600" defTabSz="912813" fontAlgn="base">
+            <a:lvl8pPr marL="3429000" indent="-228600" defTabSz="911225" fontAlgn="base">
               <a:spcBef>
                 <a:spcPct val="0"/>
               </a:spcBef>
@@ -1922,7 +1938,7 @@
                 <a:latin typeface="Calibri" pitchFamily="34" charset="0"/>
               </a:defRPr>
             </a:lvl8pPr>
-            <a:lvl9pPr marL="3886200" indent="-228600" defTabSz="912813" fontAlgn="base">
+            <a:lvl9pPr marL="3886200" indent="-228600" defTabSz="911225" fontAlgn="base">
               <a:spcBef>
                 <a:spcPct val="0"/>
               </a:spcBef>
@@ -1958,7 +1974,7 @@
       </p:sp>
       <p:sp>
         <p:nvSpPr>
-          <p:cNvPr id="21507" name="Rectangle 3"/>
+          <p:cNvPr id="22531" name="Rectangle 3"/>
           <p:cNvSpPr>
             <a:spLocks noGrp="1" noChangeArrowheads="1"/>
           </p:cNvSpPr>
@@ -1969,14 +1985,14 @@
         <p:spPr bwMode="auto">
           <a:extLst>
             <a:ext uri="{909E8E84-426E-40DD-AFC4-6F175D3DCCD1}">
-              <a14:hiddenFill xmlns:a14="http://schemas.microsoft.com/office/drawing/2010/main" xmlns="">
+              <a14:hiddenFill xmlns="" xmlns:a14="http://schemas.microsoft.com/office/drawing/2010/main">
                 <a:solidFill>
                   <a:srgbClr val="FFFFFF"/>
                 </a:solidFill>
               </a14:hiddenFill>
             </a:ext>
             <a:ext uri="{91240B29-F687-4F45-9708-019B960494DF}">
-              <a14:hiddenLine xmlns:a14="http://schemas.microsoft.com/office/drawing/2010/main" xmlns="" w="9525">
+              <a14:hiddenLine xmlns="" xmlns:a14="http://schemas.microsoft.com/office/drawing/2010/main" w="9525">
                 <a:solidFill>
                   <a:srgbClr val="000000"/>
                 </a:solidFill>
@@ -1994,7 +2010,7 @@
             </a:prstTxWarp>
           </a:bodyPr>
           <a:lstStyle>
-            <a:lvl1pPr defTabSz="912813">
+            <a:lvl1pPr defTabSz="911225">
               <a:defRPr>
                 <a:solidFill>
                   <a:schemeClr val="tx1"/>
@@ -2002,7 +2018,7 @@
                 <a:latin typeface="Calibri" pitchFamily="34" charset="0"/>
               </a:defRPr>
             </a:lvl1pPr>
-            <a:lvl2pPr marL="742950" indent="-285750" defTabSz="912813">
+            <a:lvl2pPr marL="742950" indent="-285750" defTabSz="911225">
               <a:defRPr>
                 <a:solidFill>
                   <a:schemeClr val="tx1"/>
@@ -2010,7 +2026,7 @@
                 <a:latin typeface="Calibri" pitchFamily="34" charset="0"/>
               </a:defRPr>
             </a:lvl2pPr>
-            <a:lvl3pPr marL="1143000" indent="-228600" defTabSz="912813">
+            <a:lvl3pPr marL="1143000" indent="-228600" defTabSz="911225">
               <a:defRPr>
                 <a:solidFill>
                   <a:schemeClr val="tx1"/>
@@ -2018,7 +2034,7 @@
                 <a:latin typeface="Calibri" pitchFamily="34" charset="0"/>
               </a:defRPr>
             </a:lvl3pPr>
-            <a:lvl4pPr marL="1600200" indent="-228600" defTabSz="912813">
+            <a:lvl4pPr marL="1600200" indent="-228600" defTabSz="911225">
               <a:defRPr>
                 <a:solidFill>
                   <a:schemeClr val="tx1"/>
@@ -2026,7 +2042,7 @@
                 <a:latin typeface="Calibri" pitchFamily="34" charset="0"/>
               </a:defRPr>
             </a:lvl4pPr>
-            <a:lvl5pPr marL="2057400" indent="-228600" defTabSz="912813">
+            <a:lvl5pPr marL="2057400" indent="-228600" defTabSz="911225">
               <a:defRPr>
                 <a:solidFill>
                   <a:schemeClr val="tx1"/>
@@ -2034,7 +2050,7 @@
                 <a:latin typeface="Calibri" pitchFamily="34" charset="0"/>
               </a:defRPr>
             </a:lvl5pPr>
-            <a:lvl6pPr marL="2514600" indent="-228600" defTabSz="912813" fontAlgn="base">
+            <a:lvl6pPr marL="2514600" indent="-228600" defTabSz="911225" fontAlgn="base">
               <a:spcBef>
                 <a:spcPct val="0"/>
               </a:spcBef>
@@ -2048,7 +2064,7 @@
                 <a:latin typeface="Calibri" pitchFamily="34" charset="0"/>
               </a:defRPr>
             </a:lvl6pPr>
-            <a:lvl7pPr marL="2971800" indent="-228600" defTabSz="912813" fontAlgn="base">
+            <a:lvl7pPr marL="2971800" indent="-228600" defTabSz="911225" fontAlgn="base">
               <a:spcBef>
                 <a:spcPct val="0"/>
               </a:spcBef>
@@ -2062,7 +2078,7 @@
                 <a:latin typeface="Calibri" pitchFamily="34" charset="0"/>
               </a:defRPr>
             </a:lvl7pPr>
-            <a:lvl8pPr marL="3429000" indent="-228600" defTabSz="912813" fontAlgn="base">
+            <a:lvl8pPr marL="3429000" indent="-228600" defTabSz="911225" fontAlgn="base">
               <a:spcBef>
                 <a:spcPct val="0"/>
               </a:spcBef>
@@ -2076,7 +2092,7 @@
                 <a:latin typeface="Calibri" pitchFamily="34" charset="0"/>
               </a:defRPr>
             </a:lvl8pPr>
-            <a:lvl9pPr marL="3886200" indent="-228600" defTabSz="912813" fontAlgn="base">
+            <a:lvl9pPr marL="3886200" indent="-228600" defTabSz="911225" fontAlgn="base">
               <a:spcBef>
                 <a:spcPct val="0"/>
               </a:spcBef>
@@ -2112,7 +2128,7 @@
       </p:sp>
       <p:sp>
         <p:nvSpPr>
-          <p:cNvPr id="21508" name="Rectangle 6"/>
+          <p:cNvPr id="22532" name="Rectangle 6"/>
           <p:cNvSpPr>
             <a:spLocks noGrp="1" noChangeArrowheads="1"/>
           </p:cNvSpPr>
@@ -2123,14 +2139,14 @@
         <p:spPr bwMode="auto">
           <a:extLst>
             <a:ext uri="{909E8E84-426E-40DD-AFC4-6F175D3DCCD1}">
-              <a14:hiddenFill xmlns:a14="http://schemas.microsoft.com/office/drawing/2010/main" xmlns="">
+              <a14:hiddenFill xmlns="" xmlns:a14="http://schemas.microsoft.com/office/drawing/2010/main">
                 <a:solidFill>
                   <a:srgbClr val="FFFFFF"/>
                 </a:solidFill>
               </a14:hiddenFill>
             </a:ext>
             <a:ext uri="{91240B29-F687-4F45-9708-019B960494DF}">
-              <a14:hiddenLine xmlns:a14="http://schemas.microsoft.com/office/drawing/2010/main" xmlns="" w="9525">
+              <a14:hiddenLine xmlns="" xmlns:a14="http://schemas.microsoft.com/office/drawing/2010/main" w="9525">
                 <a:solidFill>
                   <a:srgbClr val="000000"/>
                 </a:solidFill>
@@ -2148,7 +2164,7 @@
             </a:prstTxWarp>
           </a:bodyPr>
           <a:lstStyle>
-            <a:lvl1pPr defTabSz="912813">
+            <a:lvl1pPr defTabSz="911225">
               <a:defRPr>
                 <a:solidFill>
                   <a:schemeClr val="tx1"/>
@@ -2156,7 +2172,7 @@
                 <a:latin typeface="Calibri" pitchFamily="34" charset="0"/>
               </a:defRPr>
             </a:lvl1pPr>
-            <a:lvl2pPr marL="742950" indent="-285750" defTabSz="912813">
+            <a:lvl2pPr marL="742950" indent="-285750" defTabSz="911225">
               <a:defRPr>
                 <a:solidFill>
                   <a:schemeClr val="tx1"/>
@@ -2164,7 +2180,7 @@
                 <a:latin typeface="Calibri" pitchFamily="34" charset="0"/>
               </a:defRPr>
             </a:lvl2pPr>
-            <a:lvl3pPr marL="1143000" indent="-228600" defTabSz="912813">
+            <a:lvl3pPr marL="1143000" indent="-228600" defTabSz="911225">
               <a:defRPr>
                 <a:solidFill>
                   <a:schemeClr val="tx1"/>
@@ -2172,7 +2188,7 @@
                 <a:latin typeface="Calibri" pitchFamily="34" charset="0"/>
               </a:defRPr>
             </a:lvl3pPr>
-            <a:lvl4pPr marL="1600200" indent="-228600" defTabSz="912813">
+            <a:lvl4pPr marL="1600200" indent="-228600" defTabSz="911225">
               <a:defRPr>
                 <a:solidFill>
                   <a:schemeClr val="tx1"/>
@@ -2180,7 +2196,7 @@
                 <a:latin typeface="Calibri" pitchFamily="34" charset="0"/>
               </a:defRPr>
             </a:lvl4pPr>
-            <a:lvl5pPr marL="2057400" indent="-228600" defTabSz="912813">
+            <a:lvl5pPr marL="2057400" indent="-228600" defTabSz="911225">
               <a:defRPr>
                 <a:solidFill>
                   <a:schemeClr val="tx1"/>
@@ -2188,7 +2204,7 @@
                 <a:latin typeface="Calibri" pitchFamily="34" charset="0"/>
               </a:defRPr>
             </a:lvl5pPr>
-            <a:lvl6pPr marL="2514600" indent="-228600" defTabSz="912813" fontAlgn="base">
+            <a:lvl6pPr marL="2514600" indent="-228600" defTabSz="911225" fontAlgn="base">
               <a:spcBef>
                 <a:spcPct val="0"/>
               </a:spcBef>
@@ -2202,7 +2218,7 @@
                 <a:latin typeface="Calibri" pitchFamily="34" charset="0"/>
               </a:defRPr>
             </a:lvl6pPr>
-            <a:lvl7pPr marL="2971800" indent="-228600" defTabSz="912813" fontAlgn="base">
+            <a:lvl7pPr marL="2971800" indent="-228600" defTabSz="911225" fontAlgn="base">
               <a:spcBef>
                 <a:spcPct val="0"/>
               </a:spcBef>
@@ -2216,7 +2232,7 @@
                 <a:latin typeface="Calibri" pitchFamily="34" charset="0"/>
               </a:defRPr>
             </a:lvl7pPr>
-            <a:lvl8pPr marL="3429000" indent="-228600" defTabSz="912813" fontAlgn="base">
+            <a:lvl8pPr marL="3429000" indent="-228600" defTabSz="911225" fontAlgn="base">
               <a:spcBef>
                 <a:spcPct val="0"/>
               </a:spcBef>
@@ -2230,7 +2246,7 @@
                 <a:latin typeface="Calibri" pitchFamily="34" charset="0"/>
               </a:defRPr>
             </a:lvl8pPr>
-            <a:lvl9pPr marL="3886200" indent="-228600" defTabSz="912813" fontAlgn="base">
+            <a:lvl9pPr marL="3886200" indent="-228600" defTabSz="911225" fontAlgn="base">
               <a:spcBef>
                 <a:spcPct val="0"/>
               </a:spcBef>
@@ -2266,7 +2282,7 @@
       </p:sp>
       <p:sp>
         <p:nvSpPr>
-          <p:cNvPr id="21509" name="Rectangle 7"/>
+          <p:cNvPr id="22533" name="Rectangle 7"/>
           <p:cNvSpPr>
             <a:spLocks noGrp="1" noChangeArrowheads="1"/>
           </p:cNvSpPr>
@@ -2277,14 +2293,14 @@
         <p:spPr bwMode="auto">
           <a:extLst>
             <a:ext uri="{909E8E84-426E-40DD-AFC4-6F175D3DCCD1}">
-              <a14:hiddenFill xmlns:a14="http://schemas.microsoft.com/office/drawing/2010/main" xmlns="">
+              <a14:hiddenFill xmlns="" xmlns:a14="http://schemas.microsoft.com/office/drawing/2010/main">
                 <a:solidFill>
                   <a:srgbClr val="FFFFFF"/>
                 </a:solidFill>
               </a14:hiddenFill>
             </a:ext>
             <a:ext uri="{91240B29-F687-4F45-9708-019B960494DF}">
-              <a14:hiddenLine xmlns:a14="http://schemas.microsoft.com/office/drawing/2010/main" xmlns="" w="9525">
+              <a14:hiddenLine xmlns="" xmlns:a14="http://schemas.microsoft.com/office/drawing/2010/main" w="9525">
                 <a:solidFill>
                   <a:srgbClr val="000000"/>
                 </a:solidFill>
@@ -2302,7 +2318,7 @@
             </a:prstTxWarp>
           </a:bodyPr>
           <a:lstStyle>
-            <a:lvl1pPr defTabSz="912813">
+            <a:lvl1pPr defTabSz="911225">
               <a:defRPr>
                 <a:solidFill>
                   <a:schemeClr val="tx1"/>
@@ -2310,7 +2326,7 @@
                 <a:latin typeface="Calibri" pitchFamily="34" charset="0"/>
               </a:defRPr>
             </a:lvl1pPr>
-            <a:lvl2pPr marL="742950" indent="-285750" defTabSz="912813">
+            <a:lvl2pPr marL="742950" indent="-285750" defTabSz="911225">
               <a:defRPr>
                 <a:solidFill>
                   <a:schemeClr val="tx1"/>
@@ -2318,7 +2334,7 @@
                 <a:latin typeface="Calibri" pitchFamily="34" charset="0"/>
               </a:defRPr>
             </a:lvl2pPr>
-            <a:lvl3pPr marL="1143000" indent="-228600" defTabSz="912813">
+            <a:lvl3pPr marL="1143000" indent="-228600" defTabSz="911225">
               <a:defRPr>
                 <a:solidFill>
                   <a:schemeClr val="tx1"/>
@@ -2326,7 +2342,7 @@
                 <a:latin typeface="Calibri" pitchFamily="34" charset="0"/>
               </a:defRPr>
             </a:lvl3pPr>
-            <a:lvl4pPr marL="1600200" indent="-228600" defTabSz="912813">
+            <a:lvl4pPr marL="1600200" indent="-228600" defTabSz="911225">
               <a:defRPr>
                 <a:solidFill>
                   <a:schemeClr val="tx1"/>
@@ -2334,7 +2350,7 @@
                 <a:latin typeface="Calibri" pitchFamily="34" charset="0"/>
               </a:defRPr>
             </a:lvl4pPr>
-            <a:lvl5pPr marL="2057400" indent="-228600" defTabSz="912813">
+            <a:lvl5pPr marL="2057400" indent="-228600" defTabSz="911225">
               <a:defRPr>
                 <a:solidFill>
                   <a:schemeClr val="tx1"/>
@@ -2342,7 +2358,7 @@
                 <a:latin typeface="Calibri" pitchFamily="34" charset="0"/>
               </a:defRPr>
             </a:lvl5pPr>
-            <a:lvl6pPr marL="2514600" indent="-228600" defTabSz="912813" fontAlgn="base">
+            <a:lvl6pPr marL="2514600" indent="-228600" defTabSz="911225" fontAlgn="base">
               <a:spcBef>
                 <a:spcPct val="0"/>
               </a:spcBef>
@@ -2356,7 +2372,7 @@
                 <a:latin typeface="Calibri" pitchFamily="34" charset="0"/>
               </a:defRPr>
             </a:lvl6pPr>
-            <a:lvl7pPr marL="2971800" indent="-228600" defTabSz="912813" fontAlgn="base">
+            <a:lvl7pPr marL="2971800" indent="-228600" defTabSz="911225" fontAlgn="base">
               <a:spcBef>
                 <a:spcPct val="0"/>
               </a:spcBef>
@@ -2370,7 +2386,7 @@
                 <a:latin typeface="Calibri" pitchFamily="34" charset="0"/>
               </a:defRPr>
             </a:lvl7pPr>
-            <a:lvl8pPr marL="3429000" indent="-228600" defTabSz="912813" fontAlgn="base">
+            <a:lvl8pPr marL="3429000" indent="-228600" defTabSz="911225" fontAlgn="base">
               <a:spcBef>
                 <a:spcPct val="0"/>
               </a:spcBef>
@@ -2384,7 +2400,7 @@
                 <a:latin typeface="Calibri" pitchFamily="34" charset="0"/>
               </a:defRPr>
             </a:lvl8pPr>
-            <a:lvl9pPr marL="3886200" indent="-228600" defTabSz="912813" fontAlgn="base">
+            <a:lvl9pPr marL="3886200" indent="-228600" defTabSz="911225" fontAlgn="base">
               <a:spcBef>
                 <a:spcPct val="0"/>
               </a:spcBef>
@@ -2409,7 +2425,7 @@
               </a:spcAft>
               <a:defRPr/>
             </a:pPr>
-            <a:fld id="{4B90409B-7D04-4E8D-AE7C-096361A8FE17}" type="slidenum">
+            <a:fld id="{D86E3AE1-804A-4E06-8FC3-28431CF47172}" type="slidenum">
               <a:rPr lang="en-US" sz="1300" smtClean="0">
                 <a:latin typeface="Arial" charset="0"/>
               </a:rPr>
@@ -2432,7 +2448,7 @@
       </p:sp>
       <p:sp>
         <p:nvSpPr>
-          <p:cNvPr id="22534" name="Rectangle 2"/>
+          <p:cNvPr id="23558" name="Rectangle 2"/>
           <p:cNvSpPr>
             <a:spLocks noGrp="1" noRot="1" noChangeAspect="1" noChangeArrowheads="1" noTextEdit="1"/>
           </p:cNvSpPr>
@@ -2452,7 +2468,7 @@
           </a:ln>
           <a:extLst>
             <a:ext uri="{909E8E84-426E-40DD-AFC4-6F175D3DCCD1}">
-              <a14:hiddenFill xmlns:a14="http://schemas.microsoft.com/office/drawing/2010/main" xmlns="">
+              <a14:hiddenFill xmlns="" xmlns:a14="http://schemas.microsoft.com/office/drawing/2010/main">
                 <a:solidFill>
                   <a:srgbClr val="FFFFFF"/>
                 </a:solidFill>
@@ -2463,7 +2479,7 @@
       </p:sp>
       <p:sp>
         <p:nvSpPr>
-          <p:cNvPr id="22535" name="Rectangle 3"/>
+          <p:cNvPr id="23559" name="Rectangle 3"/>
           <p:cNvSpPr>
             <a:spLocks noGrp="1" noChangeArrowheads="1"/>
           </p:cNvSpPr>
@@ -2472,21 +2488,17 @@
           </p:nvPr>
         </p:nvSpPr>
         <p:spPr bwMode="auto">
-          <a:xfrm>
-            <a:off x="914400" y="4343400"/>
-            <a:ext cx="5029200" cy="4116388"/>
-          </a:xfrm>
           <a:noFill/>
           <a:extLst>
             <a:ext uri="{909E8E84-426E-40DD-AFC4-6F175D3DCCD1}">
-              <a14:hiddenFill xmlns:a14="http://schemas.microsoft.com/office/drawing/2010/main" xmlns="">
+              <a14:hiddenFill xmlns="" xmlns:a14="http://schemas.microsoft.com/office/drawing/2010/main">
                 <a:solidFill>
                   <a:srgbClr val="FFFFFF"/>
                 </a:solidFill>
               </a14:hiddenFill>
             </a:ext>
             <a:ext uri="{91240B29-F687-4F45-9708-019B960494DF}">
-              <a14:hiddenLine xmlns:a14="http://schemas.microsoft.com/office/drawing/2010/main" xmlns="" w="9525">
+              <a14:hiddenLine xmlns="" xmlns:a14="http://schemas.microsoft.com/office/drawing/2010/main" w="9525">
                 <a:solidFill>
                   <a:srgbClr val="000000"/>
                 </a:solidFill>
@@ -2541,7 +2553,7 @@
       </p:grpSpPr>
       <p:sp>
         <p:nvSpPr>
-          <p:cNvPr id="22530" name="Rectangle 2"/>
+          <p:cNvPr id="23554" name="Rectangle 2"/>
           <p:cNvSpPr>
             <a:spLocks noGrp="1" noChangeArrowheads="1"/>
           </p:cNvSpPr>
@@ -2552,14 +2564,14 @@
         <p:spPr bwMode="auto">
           <a:extLst>
             <a:ext uri="{909E8E84-426E-40DD-AFC4-6F175D3DCCD1}">
-              <a14:hiddenFill xmlns:a14="http://schemas.microsoft.com/office/drawing/2010/main" xmlns="">
+              <a14:hiddenFill xmlns="" xmlns:a14="http://schemas.microsoft.com/office/drawing/2010/main">
                 <a:solidFill>
                   <a:srgbClr val="FFFFFF"/>
                 </a:solidFill>
               </a14:hiddenFill>
             </a:ext>
             <a:ext uri="{91240B29-F687-4F45-9708-019B960494DF}">
-              <a14:hiddenLine xmlns:a14="http://schemas.microsoft.com/office/drawing/2010/main" xmlns="" w="9525">
+              <a14:hiddenLine xmlns="" xmlns:a14="http://schemas.microsoft.com/office/drawing/2010/main" w="9525">
                 <a:solidFill>
                   <a:srgbClr val="000000"/>
                 </a:solidFill>
@@ -2695,7 +2707,7 @@
       </p:sp>
       <p:sp>
         <p:nvSpPr>
-          <p:cNvPr id="22531" name="Rectangle 3"/>
+          <p:cNvPr id="23555" name="Rectangle 3"/>
           <p:cNvSpPr>
             <a:spLocks noGrp="1" noChangeArrowheads="1"/>
           </p:cNvSpPr>
@@ -2706,14 +2718,14 @@
         <p:spPr bwMode="auto">
           <a:extLst>
             <a:ext uri="{909E8E84-426E-40DD-AFC4-6F175D3DCCD1}">
-              <a14:hiddenFill xmlns:a14="http://schemas.microsoft.com/office/drawing/2010/main" xmlns="">
+              <a14:hiddenFill xmlns="" xmlns:a14="http://schemas.microsoft.com/office/drawing/2010/main">
                 <a:solidFill>
                   <a:srgbClr val="FFFFFF"/>
                 </a:solidFill>
               </a14:hiddenFill>
             </a:ext>
             <a:ext uri="{91240B29-F687-4F45-9708-019B960494DF}">
-              <a14:hiddenLine xmlns:a14="http://schemas.microsoft.com/office/drawing/2010/main" xmlns="" w="9525">
+              <a14:hiddenLine xmlns="" xmlns:a14="http://schemas.microsoft.com/office/drawing/2010/main" w="9525">
                 <a:solidFill>
                   <a:srgbClr val="000000"/>
                 </a:solidFill>
@@ -2849,7 +2861,7 @@
       </p:sp>
       <p:sp>
         <p:nvSpPr>
-          <p:cNvPr id="22532" name="Rectangle 6"/>
+          <p:cNvPr id="23556" name="Rectangle 6"/>
           <p:cNvSpPr>
             <a:spLocks noGrp="1" noChangeArrowheads="1"/>
           </p:cNvSpPr>
@@ -2860,14 +2872,14 @@
         <p:spPr bwMode="auto">
           <a:extLst>
             <a:ext uri="{909E8E84-426E-40DD-AFC4-6F175D3DCCD1}">
-              <a14:hiddenFill xmlns:a14="http://schemas.microsoft.com/office/drawing/2010/main" xmlns="">
+              <a14:hiddenFill xmlns="" xmlns:a14="http://schemas.microsoft.com/office/drawing/2010/main">
                 <a:solidFill>
                   <a:srgbClr val="FFFFFF"/>
                 </a:solidFill>
               </a14:hiddenFill>
             </a:ext>
             <a:ext uri="{91240B29-F687-4F45-9708-019B960494DF}">
-              <a14:hiddenLine xmlns:a14="http://schemas.microsoft.com/office/drawing/2010/main" xmlns="" w="9525">
+              <a14:hiddenLine xmlns="" xmlns:a14="http://schemas.microsoft.com/office/drawing/2010/main" w="9525">
                 <a:solidFill>
                   <a:srgbClr val="000000"/>
                 </a:solidFill>
@@ -3003,7 +3015,7 @@
       </p:sp>
       <p:sp>
         <p:nvSpPr>
-          <p:cNvPr id="22533" name="Rectangle 7"/>
+          <p:cNvPr id="23557" name="Rectangle 7"/>
           <p:cNvSpPr>
             <a:spLocks noGrp="1" noChangeArrowheads="1"/>
           </p:cNvSpPr>
@@ -3014,747 +3026,14 @@
         <p:spPr bwMode="auto">
           <a:extLst>
             <a:ext uri="{909E8E84-426E-40DD-AFC4-6F175D3DCCD1}">
-              <a14:hiddenFill xmlns:a14="http://schemas.microsoft.com/office/drawing/2010/main" xmlns="">
+              <a14:hiddenFill xmlns="" xmlns:a14="http://schemas.microsoft.com/office/drawing/2010/main">
                 <a:solidFill>
                   <a:srgbClr val="FFFFFF"/>
                 </a:solidFill>
               </a14:hiddenFill>
             </a:ext>
             <a:ext uri="{91240B29-F687-4F45-9708-019B960494DF}">
-              <a14:hiddenLine xmlns:a14="http://schemas.microsoft.com/office/drawing/2010/main" xmlns="" w="9525">
-                <a:solidFill>
-                  <a:srgbClr val="000000"/>
-                </a:solidFill>
-                <a:miter lim="800000"/>
-                <a:headEnd/>
-                <a:tailEnd/>
-              </a14:hiddenLine>
-            </a:ext>
-          </a:extLst>
-        </p:spPr>
-        <p:txBody>
-          <a:bodyPr wrap="square" numCol="1" anchorCtr="0" compatLnSpc="1">
-            <a:prstTxWarp prst="textNoShape">
-              <a:avLst/>
-            </a:prstTxWarp>
-          </a:bodyPr>
-          <a:lstStyle>
-            <a:lvl1pPr defTabSz="911225">
-              <a:defRPr>
-                <a:solidFill>
-                  <a:schemeClr val="tx1"/>
-                </a:solidFill>
-                <a:latin typeface="Calibri" pitchFamily="34" charset="0"/>
-              </a:defRPr>
-            </a:lvl1pPr>
-            <a:lvl2pPr marL="742950" indent="-285750" defTabSz="911225">
-              <a:defRPr>
-                <a:solidFill>
-                  <a:schemeClr val="tx1"/>
-                </a:solidFill>
-                <a:latin typeface="Calibri" pitchFamily="34" charset="0"/>
-              </a:defRPr>
-            </a:lvl2pPr>
-            <a:lvl3pPr marL="1143000" indent="-228600" defTabSz="911225">
-              <a:defRPr>
-                <a:solidFill>
-                  <a:schemeClr val="tx1"/>
-                </a:solidFill>
-                <a:latin typeface="Calibri" pitchFamily="34" charset="0"/>
-              </a:defRPr>
-            </a:lvl3pPr>
-            <a:lvl4pPr marL="1600200" indent="-228600" defTabSz="911225">
-              <a:defRPr>
-                <a:solidFill>
-                  <a:schemeClr val="tx1"/>
-                </a:solidFill>
-                <a:latin typeface="Calibri" pitchFamily="34" charset="0"/>
-              </a:defRPr>
-            </a:lvl4pPr>
-            <a:lvl5pPr marL="2057400" indent="-228600" defTabSz="911225">
-              <a:defRPr>
-                <a:solidFill>
-                  <a:schemeClr val="tx1"/>
-                </a:solidFill>
-                <a:latin typeface="Calibri" pitchFamily="34" charset="0"/>
-              </a:defRPr>
-            </a:lvl5pPr>
-            <a:lvl6pPr marL="2514600" indent="-228600" defTabSz="911225" fontAlgn="base">
-              <a:spcBef>
-                <a:spcPct val="0"/>
-              </a:spcBef>
-              <a:spcAft>
-                <a:spcPct val="0"/>
-              </a:spcAft>
-              <a:defRPr>
-                <a:solidFill>
-                  <a:schemeClr val="tx1"/>
-                </a:solidFill>
-                <a:latin typeface="Calibri" pitchFamily="34" charset="0"/>
-              </a:defRPr>
-            </a:lvl6pPr>
-            <a:lvl7pPr marL="2971800" indent="-228600" defTabSz="911225" fontAlgn="base">
-              <a:spcBef>
-                <a:spcPct val="0"/>
-              </a:spcBef>
-              <a:spcAft>
-                <a:spcPct val="0"/>
-              </a:spcAft>
-              <a:defRPr>
-                <a:solidFill>
-                  <a:schemeClr val="tx1"/>
-                </a:solidFill>
-                <a:latin typeface="Calibri" pitchFamily="34" charset="0"/>
-              </a:defRPr>
-            </a:lvl7pPr>
-            <a:lvl8pPr marL="3429000" indent="-228600" defTabSz="911225" fontAlgn="base">
-              <a:spcBef>
-                <a:spcPct val="0"/>
-              </a:spcBef>
-              <a:spcAft>
-                <a:spcPct val="0"/>
-              </a:spcAft>
-              <a:defRPr>
-                <a:solidFill>
-                  <a:schemeClr val="tx1"/>
-                </a:solidFill>
-                <a:latin typeface="Calibri" pitchFamily="34" charset="0"/>
-              </a:defRPr>
-            </a:lvl8pPr>
-            <a:lvl9pPr marL="3886200" indent="-228600" defTabSz="911225" fontAlgn="base">
-              <a:spcBef>
-                <a:spcPct val="0"/>
-              </a:spcBef>
-              <a:spcAft>
-                <a:spcPct val="0"/>
-              </a:spcAft>
-              <a:defRPr>
-                <a:solidFill>
-                  <a:schemeClr val="tx1"/>
-                </a:solidFill>
-                <a:latin typeface="Calibri" pitchFamily="34" charset="0"/>
-              </a:defRPr>
-            </a:lvl9pPr>
-          </a:lstStyle>
-          <a:p>
-            <a:pPr fontAlgn="base">
-              <a:spcBef>
-                <a:spcPct val="0"/>
-              </a:spcBef>
-              <a:spcAft>
-                <a:spcPct val="0"/>
-              </a:spcAft>
-              <a:defRPr/>
-            </a:pPr>
-            <a:fld id="{D86E3AE1-804A-4E06-8FC3-28431CF47172}" type="slidenum">
-              <a:rPr lang="en-US" sz="1300" smtClean="0">
-                <a:latin typeface="Arial" charset="0"/>
-              </a:rPr>
-              <a:pPr fontAlgn="base">
-                <a:spcBef>
-                  <a:spcPct val="0"/>
-                </a:spcBef>
-                <a:spcAft>
-                  <a:spcPct val="0"/>
-                </a:spcAft>
-                <a:defRPr/>
-              </a:pPr>
-              <a:t>5</a:t>
-            </a:fld>
-            <a:endParaRPr lang="en-US" sz="1300" smtClean="0">
-              <a:latin typeface="Arial" charset="0"/>
-            </a:endParaRPr>
-          </a:p>
-        </p:txBody>
-      </p:sp>
-      <p:sp>
-        <p:nvSpPr>
-          <p:cNvPr id="23558" name="Rectangle 2"/>
-          <p:cNvSpPr>
-            <a:spLocks noGrp="1" noRot="1" noChangeAspect="1" noChangeArrowheads="1" noTextEdit="1"/>
-          </p:cNvSpPr>
-          <p:nvPr>
-            <p:ph type="sldImg"/>
-          </p:nvPr>
-        </p:nvSpPr>
-        <p:spPr bwMode="auto">
-          <a:noFill/>
-          <a:ln>
-            <a:solidFill>
-              <a:srgbClr val="000000"/>
-            </a:solidFill>
-            <a:miter lim="800000"/>
-            <a:headEnd/>
-            <a:tailEnd/>
-          </a:ln>
-          <a:extLst>
-            <a:ext uri="{909E8E84-426E-40DD-AFC4-6F175D3DCCD1}">
-              <a14:hiddenFill xmlns:a14="http://schemas.microsoft.com/office/drawing/2010/main" xmlns="">
-                <a:solidFill>
-                  <a:srgbClr val="FFFFFF"/>
-                </a:solidFill>
-              </a14:hiddenFill>
-            </a:ext>
-          </a:extLst>
-        </p:spPr>
-      </p:sp>
-      <p:sp>
-        <p:nvSpPr>
-          <p:cNvPr id="23559" name="Rectangle 3"/>
-          <p:cNvSpPr>
-            <a:spLocks noGrp="1" noChangeArrowheads="1"/>
-          </p:cNvSpPr>
-          <p:nvPr>
-            <p:ph type="body" idx="1"/>
-          </p:nvPr>
-        </p:nvSpPr>
-        <p:spPr bwMode="auto">
-          <a:noFill/>
-          <a:extLst>
-            <a:ext uri="{909E8E84-426E-40DD-AFC4-6F175D3DCCD1}">
-              <a14:hiddenFill xmlns:a14="http://schemas.microsoft.com/office/drawing/2010/main" xmlns="">
-                <a:solidFill>
-                  <a:srgbClr val="FFFFFF"/>
-                </a:solidFill>
-              </a14:hiddenFill>
-            </a:ext>
-            <a:ext uri="{91240B29-F687-4F45-9708-019B960494DF}">
-              <a14:hiddenLine xmlns:a14="http://schemas.microsoft.com/office/drawing/2010/main" xmlns="" w="9525">
-                <a:solidFill>
-                  <a:srgbClr val="000000"/>
-                </a:solidFill>
-                <a:miter lim="800000"/>
-                <a:headEnd/>
-                <a:tailEnd/>
-              </a14:hiddenLine>
-            </a:ext>
-          </a:extLst>
-        </p:spPr>
-        <p:txBody>
-          <a:bodyPr wrap="square" numCol="1" anchor="t" anchorCtr="0" compatLnSpc="1">
-            <a:prstTxWarp prst="textNoShape">
-              <a:avLst/>
-            </a:prstTxWarp>
-          </a:bodyPr>
-          <a:lstStyle/>
-          <a:p>
-            <a:pPr eaLnBrk="1" hangingPunct="1">
-              <a:spcBef>
-                <a:spcPct val="0"/>
-              </a:spcBef>
-            </a:pPr>
-            <a:endParaRPr lang="en-US" smtClean="0"/>
-          </a:p>
-        </p:txBody>
-      </p:sp>
-    </p:spTree>
-  </p:cSld>
-  <p:clrMapOvr>
-    <a:masterClrMapping/>
-  </p:clrMapOvr>
-</p:notes>
-</file>
-
-<file path=ppt/notesSlides/notesSlide4.xml><?xml version="1.0" encoding="utf-8"?>
-<p:notes xmlns:a="http://schemas.openxmlformats.org/drawingml/2006/main" xmlns:r="http://schemas.openxmlformats.org/officeDocument/2006/relationships" xmlns:p="http://schemas.openxmlformats.org/presentationml/2006/main">
-  <p:cSld>
-    <p:spTree>
-      <p:nvGrpSpPr>
-        <p:cNvPr id="1" name=""/>
-        <p:cNvGrpSpPr/>
-        <p:nvPr/>
-      </p:nvGrpSpPr>
-      <p:grpSpPr>
-        <a:xfrm>
-          <a:off x="0" y="0"/>
-          <a:ext cx="0" cy="0"/>
-          <a:chOff x="0" y="0"/>
-          <a:chExt cx="0" cy="0"/>
-        </a:xfrm>
-      </p:grpSpPr>
-      <p:sp>
-        <p:nvSpPr>
-          <p:cNvPr id="23554" name="Rectangle 2"/>
-          <p:cNvSpPr>
-            <a:spLocks noGrp="1" noChangeArrowheads="1"/>
-          </p:cNvSpPr>
-          <p:nvPr>
-            <p:ph type="hdr" sz="quarter"/>
-          </p:nvPr>
-        </p:nvSpPr>
-        <p:spPr bwMode="auto">
-          <a:extLst>
-            <a:ext uri="{909E8E84-426E-40DD-AFC4-6F175D3DCCD1}">
-              <a14:hiddenFill xmlns:a14="http://schemas.microsoft.com/office/drawing/2010/main" xmlns="">
-                <a:solidFill>
-                  <a:srgbClr val="FFFFFF"/>
-                </a:solidFill>
-              </a14:hiddenFill>
-            </a:ext>
-            <a:ext uri="{91240B29-F687-4F45-9708-019B960494DF}">
-              <a14:hiddenLine xmlns:a14="http://schemas.microsoft.com/office/drawing/2010/main" xmlns="" w="9525">
-                <a:solidFill>
-                  <a:srgbClr val="000000"/>
-                </a:solidFill>
-                <a:miter lim="800000"/>
-                <a:headEnd/>
-                <a:tailEnd/>
-              </a14:hiddenLine>
-            </a:ext>
-          </a:extLst>
-        </p:spPr>
-        <p:txBody>
-          <a:bodyPr wrap="square" numCol="1" anchor="t" anchorCtr="0" compatLnSpc="1">
-            <a:prstTxWarp prst="textNoShape">
-              <a:avLst/>
-            </a:prstTxWarp>
-          </a:bodyPr>
-          <a:lstStyle>
-            <a:lvl1pPr defTabSz="911225">
-              <a:defRPr>
-                <a:solidFill>
-                  <a:schemeClr val="tx1"/>
-                </a:solidFill>
-                <a:latin typeface="Calibri" pitchFamily="34" charset="0"/>
-              </a:defRPr>
-            </a:lvl1pPr>
-            <a:lvl2pPr marL="742950" indent="-285750" defTabSz="911225">
-              <a:defRPr>
-                <a:solidFill>
-                  <a:schemeClr val="tx1"/>
-                </a:solidFill>
-                <a:latin typeface="Calibri" pitchFamily="34" charset="0"/>
-              </a:defRPr>
-            </a:lvl2pPr>
-            <a:lvl3pPr marL="1143000" indent="-228600" defTabSz="911225">
-              <a:defRPr>
-                <a:solidFill>
-                  <a:schemeClr val="tx1"/>
-                </a:solidFill>
-                <a:latin typeface="Calibri" pitchFamily="34" charset="0"/>
-              </a:defRPr>
-            </a:lvl3pPr>
-            <a:lvl4pPr marL="1600200" indent="-228600" defTabSz="911225">
-              <a:defRPr>
-                <a:solidFill>
-                  <a:schemeClr val="tx1"/>
-                </a:solidFill>
-                <a:latin typeface="Calibri" pitchFamily="34" charset="0"/>
-              </a:defRPr>
-            </a:lvl4pPr>
-            <a:lvl5pPr marL="2057400" indent="-228600" defTabSz="911225">
-              <a:defRPr>
-                <a:solidFill>
-                  <a:schemeClr val="tx1"/>
-                </a:solidFill>
-                <a:latin typeface="Calibri" pitchFamily="34" charset="0"/>
-              </a:defRPr>
-            </a:lvl5pPr>
-            <a:lvl6pPr marL="2514600" indent="-228600" defTabSz="911225" fontAlgn="base">
-              <a:spcBef>
-                <a:spcPct val="0"/>
-              </a:spcBef>
-              <a:spcAft>
-                <a:spcPct val="0"/>
-              </a:spcAft>
-              <a:defRPr>
-                <a:solidFill>
-                  <a:schemeClr val="tx1"/>
-                </a:solidFill>
-                <a:latin typeface="Calibri" pitchFamily="34" charset="0"/>
-              </a:defRPr>
-            </a:lvl6pPr>
-            <a:lvl7pPr marL="2971800" indent="-228600" defTabSz="911225" fontAlgn="base">
-              <a:spcBef>
-                <a:spcPct val="0"/>
-              </a:spcBef>
-              <a:spcAft>
-                <a:spcPct val="0"/>
-              </a:spcAft>
-              <a:defRPr>
-                <a:solidFill>
-                  <a:schemeClr val="tx1"/>
-                </a:solidFill>
-                <a:latin typeface="Calibri" pitchFamily="34" charset="0"/>
-              </a:defRPr>
-            </a:lvl7pPr>
-            <a:lvl8pPr marL="3429000" indent="-228600" defTabSz="911225" fontAlgn="base">
-              <a:spcBef>
-                <a:spcPct val="0"/>
-              </a:spcBef>
-              <a:spcAft>
-                <a:spcPct val="0"/>
-              </a:spcAft>
-              <a:defRPr>
-                <a:solidFill>
-                  <a:schemeClr val="tx1"/>
-                </a:solidFill>
-                <a:latin typeface="Calibri" pitchFamily="34" charset="0"/>
-              </a:defRPr>
-            </a:lvl8pPr>
-            <a:lvl9pPr marL="3886200" indent="-228600" defTabSz="911225" fontAlgn="base">
-              <a:spcBef>
-                <a:spcPct val="0"/>
-              </a:spcBef>
-              <a:spcAft>
-                <a:spcPct val="0"/>
-              </a:spcAft>
-              <a:defRPr>
-                <a:solidFill>
-                  <a:schemeClr val="tx1"/>
-                </a:solidFill>
-                <a:latin typeface="Calibri" pitchFamily="34" charset="0"/>
-              </a:defRPr>
-            </a:lvl9pPr>
-          </a:lstStyle>
-          <a:p>
-            <a:pPr fontAlgn="base">
-              <a:spcBef>
-                <a:spcPct val="0"/>
-              </a:spcBef>
-              <a:spcAft>
-                <a:spcPct val="0"/>
-              </a:spcAft>
-              <a:defRPr/>
-            </a:pPr>
-            <a:r>
-              <a:rPr lang="en-US" sz="1300" smtClean="0">
-                <a:latin typeface="Arial" charset="0"/>
-              </a:rPr>
-              <a:t>Team &lt;Company Name&gt;</a:t>
-            </a:r>
-          </a:p>
-        </p:txBody>
-      </p:sp>
-      <p:sp>
-        <p:nvSpPr>
-          <p:cNvPr id="23555" name="Rectangle 3"/>
-          <p:cNvSpPr>
-            <a:spLocks noGrp="1" noChangeArrowheads="1"/>
-          </p:cNvSpPr>
-          <p:nvPr>
-            <p:ph type="dt" sz="quarter" idx="1"/>
-          </p:nvPr>
-        </p:nvSpPr>
-        <p:spPr bwMode="auto">
-          <a:extLst>
-            <a:ext uri="{909E8E84-426E-40DD-AFC4-6F175D3DCCD1}">
-              <a14:hiddenFill xmlns:a14="http://schemas.microsoft.com/office/drawing/2010/main" xmlns="">
-                <a:solidFill>
-                  <a:srgbClr val="FFFFFF"/>
-                </a:solidFill>
-              </a14:hiddenFill>
-            </a:ext>
-            <a:ext uri="{91240B29-F687-4F45-9708-019B960494DF}">
-              <a14:hiddenLine xmlns:a14="http://schemas.microsoft.com/office/drawing/2010/main" xmlns="" w="9525">
-                <a:solidFill>
-                  <a:srgbClr val="000000"/>
-                </a:solidFill>
-                <a:miter lim="800000"/>
-                <a:headEnd/>
-                <a:tailEnd/>
-              </a14:hiddenLine>
-            </a:ext>
-          </a:extLst>
-        </p:spPr>
-        <p:txBody>
-          <a:bodyPr wrap="square" numCol="1" anchor="t" anchorCtr="0" compatLnSpc="1">
-            <a:prstTxWarp prst="textNoShape">
-              <a:avLst/>
-            </a:prstTxWarp>
-          </a:bodyPr>
-          <a:lstStyle>
-            <a:lvl1pPr defTabSz="911225">
-              <a:defRPr>
-                <a:solidFill>
-                  <a:schemeClr val="tx1"/>
-                </a:solidFill>
-                <a:latin typeface="Calibri" pitchFamily="34" charset="0"/>
-              </a:defRPr>
-            </a:lvl1pPr>
-            <a:lvl2pPr marL="742950" indent="-285750" defTabSz="911225">
-              <a:defRPr>
-                <a:solidFill>
-                  <a:schemeClr val="tx1"/>
-                </a:solidFill>
-                <a:latin typeface="Calibri" pitchFamily="34" charset="0"/>
-              </a:defRPr>
-            </a:lvl2pPr>
-            <a:lvl3pPr marL="1143000" indent="-228600" defTabSz="911225">
-              <a:defRPr>
-                <a:solidFill>
-                  <a:schemeClr val="tx1"/>
-                </a:solidFill>
-                <a:latin typeface="Calibri" pitchFamily="34" charset="0"/>
-              </a:defRPr>
-            </a:lvl3pPr>
-            <a:lvl4pPr marL="1600200" indent="-228600" defTabSz="911225">
-              <a:defRPr>
-                <a:solidFill>
-                  <a:schemeClr val="tx1"/>
-                </a:solidFill>
-                <a:latin typeface="Calibri" pitchFamily="34" charset="0"/>
-              </a:defRPr>
-            </a:lvl4pPr>
-            <a:lvl5pPr marL="2057400" indent="-228600" defTabSz="911225">
-              <a:defRPr>
-                <a:solidFill>
-                  <a:schemeClr val="tx1"/>
-                </a:solidFill>
-                <a:latin typeface="Calibri" pitchFamily="34" charset="0"/>
-              </a:defRPr>
-            </a:lvl5pPr>
-            <a:lvl6pPr marL="2514600" indent="-228600" defTabSz="911225" fontAlgn="base">
-              <a:spcBef>
-                <a:spcPct val="0"/>
-              </a:spcBef>
-              <a:spcAft>
-                <a:spcPct val="0"/>
-              </a:spcAft>
-              <a:defRPr>
-                <a:solidFill>
-                  <a:schemeClr val="tx1"/>
-                </a:solidFill>
-                <a:latin typeface="Calibri" pitchFamily="34" charset="0"/>
-              </a:defRPr>
-            </a:lvl6pPr>
-            <a:lvl7pPr marL="2971800" indent="-228600" defTabSz="911225" fontAlgn="base">
-              <a:spcBef>
-                <a:spcPct val="0"/>
-              </a:spcBef>
-              <a:spcAft>
-                <a:spcPct val="0"/>
-              </a:spcAft>
-              <a:defRPr>
-                <a:solidFill>
-                  <a:schemeClr val="tx1"/>
-                </a:solidFill>
-                <a:latin typeface="Calibri" pitchFamily="34" charset="0"/>
-              </a:defRPr>
-            </a:lvl7pPr>
-            <a:lvl8pPr marL="3429000" indent="-228600" defTabSz="911225" fontAlgn="base">
-              <a:spcBef>
-                <a:spcPct val="0"/>
-              </a:spcBef>
-              <a:spcAft>
-                <a:spcPct val="0"/>
-              </a:spcAft>
-              <a:defRPr>
-                <a:solidFill>
-                  <a:schemeClr val="tx1"/>
-                </a:solidFill>
-                <a:latin typeface="Calibri" pitchFamily="34" charset="0"/>
-              </a:defRPr>
-            </a:lvl8pPr>
-            <a:lvl9pPr marL="3886200" indent="-228600" defTabSz="911225" fontAlgn="base">
-              <a:spcBef>
-                <a:spcPct val="0"/>
-              </a:spcBef>
-              <a:spcAft>
-                <a:spcPct val="0"/>
-              </a:spcAft>
-              <a:defRPr>
-                <a:solidFill>
-                  <a:schemeClr val="tx1"/>
-                </a:solidFill>
-                <a:latin typeface="Calibri" pitchFamily="34" charset="0"/>
-              </a:defRPr>
-            </a:lvl9pPr>
-          </a:lstStyle>
-          <a:p>
-            <a:pPr fontAlgn="base">
-              <a:spcBef>
-                <a:spcPct val="0"/>
-              </a:spcBef>
-              <a:spcAft>
-                <a:spcPct val="0"/>
-              </a:spcAft>
-              <a:defRPr/>
-            </a:pPr>
-            <a:r>
-              <a:rPr lang="en-US" sz="1300" smtClean="0">
-                <a:latin typeface="Arial" charset="0"/>
-              </a:rPr>
-              <a:t>Beta Presentation &lt;Project Title&gt;</a:t>
-            </a:r>
-          </a:p>
-        </p:txBody>
-      </p:sp>
-      <p:sp>
-        <p:nvSpPr>
-          <p:cNvPr id="23556" name="Rectangle 6"/>
-          <p:cNvSpPr>
-            <a:spLocks noGrp="1" noChangeArrowheads="1"/>
-          </p:cNvSpPr>
-          <p:nvPr>
-            <p:ph type="ftr" sz="quarter" idx="4"/>
-          </p:nvPr>
-        </p:nvSpPr>
-        <p:spPr bwMode="auto">
-          <a:extLst>
-            <a:ext uri="{909E8E84-426E-40DD-AFC4-6F175D3DCCD1}">
-              <a14:hiddenFill xmlns:a14="http://schemas.microsoft.com/office/drawing/2010/main" xmlns="">
-                <a:solidFill>
-                  <a:srgbClr val="FFFFFF"/>
-                </a:solidFill>
-              </a14:hiddenFill>
-            </a:ext>
-            <a:ext uri="{91240B29-F687-4F45-9708-019B960494DF}">
-              <a14:hiddenLine xmlns:a14="http://schemas.microsoft.com/office/drawing/2010/main" xmlns="" w="9525">
-                <a:solidFill>
-                  <a:srgbClr val="000000"/>
-                </a:solidFill>
-                <a:miter lim="800000"/>
-                <a:headEnd/>
-                <a:tailEnd/>
-              </a14:hiddenLine>
-            </a:ext>
-          </a:extLst>
-        </p:spPr>
-        <p:txBody>
-          <a:bodyPr wrap="square" numCol="1" anchorCtr="0" compatLnSpc="1">
-            <a:prstTxWarp prst="textNoShape">
-              <a:avLst/>
-            </a:prstTxWarp>
-          </a:bodyPr>
-          <a:lstStyle>
-            <a:lvl1pPr defTabSz="911225">
-              <a:defRPr>
-                <a:solidFill>
-                  <a:schemeClr val="tx1"/>
-                </a:solidFill>
-                <a:latin typeface="Calibri" pitchFamily="34" charset="0"/>
-              </a:defRPr>
-            </a:lvl1pPr>
-            <a:lvl2pPr marL="742950" indent="-285750" defTabSz="911225">
-              <a:defRPr>
-                <a:solidFill>
-                  <a:schemeClr val="tx1"/>
-                </a:solidFill>
-                <a:latin typeface="Calibri" pitchFamily="34" charset="0"/>
-              </a:defRPr>
-            </a:lvl2pPr>
-            <a:lvl3pPr marL="1143000" indent="-228600" defTabSz="911225">
-              <a:defRPr>
-                <a:solidFill>
-                  <a:schemeClr val="tx1"/>
-                </a:solidFill>
-                <a:latin typeface="Calibri" pitchFamily="34" charset="0"/>
-              </a:defRPr>
-            </a:lvl3pPr>
-            <a:lvl4pPr marL="1600200" indent="-228600" defTabSz="911225">
-              <a:defRPr>
-                <a:solidFill>
-                  <a:schemeClr val="tx1"/>
-                </a:solidFill>
-                <a:latin typeface="Calibri" pitchFamily="34" charset="0"/>
-              </a:defRPr>
-            </a:lvl4pPr>
-            <a:lvl5pPr marL="2057400" indent="-228600" defTabSz="911225">
-              <a:defRPr>
-                <a:solidFill>
-                  <a:schemeClr val="tx1"/>
-                </a:solidFill>
-                <a:latin typeface="Calibri" pitchFamily="34" charset="0"/>
-              </a:defRPr>
-            </a:lvl5pPr>
-            <a:lvl6pPr marL="2514600" indent="-228600" defTabSz="911225" fontAlgn="base">
-              <a:spcBef>
-                <a:spcPct val="0"/>
-              </a:spcBef>
-              <a:spcAft>
-                <a:spcPct val="0"/>
-              </a:spcAft>
-              <a:defRPr>
-                <a:solidFill>
-                  <a:schemeClr val="tx1"/>
-                </a:solidFill>
-                <a:latin typeface="Calibri" pitchFamily="34" charset="0"/>
-              </a:defRPr>
-            </a:lvl6pPr>
-            <a:lvl7pPr marL="2971800" indent="-228600" defTabSz="911225" fontAlgn="base">
-              <a:spcBef>
-                <a:spcPct val="0"/>
-              </a:spcBef>
-              <a:spcAft>
-                <a:spcPct val="0"/>
-              </a:spcAft>
-              <a:defRPr>
-                <a:solidFill>
-                  <a:schemeClr val="tx1"/>
-                </a:solidFill>
-                <a:latin typeface="Calibri" pitchFamily="34" charset="0"/>
-              </a:defRPr>
-            </a:lvl7pPr>
-            <a:lvl8pPr marL="3429000" indent="-228600" defTabSz="911225" fontAlgn="base">
-              <a:spcBef>
-                <a:spcPct val="0"/>
-              </a:spcBef>
-              <a:spcAft>
-                <a:spcPct val="0"/>
-              </a:spcAft>
-              <a:defRPr>
-                <a:solidFill>
-                  <a:schemeClr val="tx1"/>
-                </a:solidFill>
-                <a:latin typeface="Calibri" pitchFamily="34" charset="0"/>
-              </a:defRPr>
-            </a:lvl8pPr>
-            <a:lvl9pPr marL="3886200" indent="-228600" defTabSz="911225" fontAlgn="base">
-              <a:spcBef>
-                <a:spcPct val="0"/>
-              </a:spcBef>
-              <a:spcAft>
-                <a:spcPct val="0"/>
-              </a:spcAft>
-              <a:defRPr>
-                <a:solidFill>
-                  <a:schemeClr val="tx1"/>
-                </a:solidFill>
-                <a:latin typeface="Calibri" pitchFamily="34" charset="0"/>
-              </a:defRPr>
-            </a:lvl9pPr>
-          </a:lstStyle>
-          <a:p>
-            <a:pPr fontAlgn="base">
-              <a:spcBef>
-                <a:spcPct val="0"/>
-              </a:spcBef>
-              <a:spcAft>
-                <a:spcPct val="0"/>
-              </a:spcAft>
-              <a:defRPr/>
-            </a:pPr>
-            <a:r>
-              <a:rPr lang="en-US" sz="1300" smtClean="0">
-                <a:latin typeface="Arial" charset="0"/>
-              </a:rPr>
-              <a:t>The Capstone ExperienceComputer Science and Engineering</a:t>
-            </a:r>
-          </a:p>
-        </p:txBody>
-      </p:sp>
-      <p:sp>
-        <p:nvSpPr>
-          <p:cNvPr id="23557" name="Rectangle 7"/>
-          <p:cNvSpPr>
-            <a:spLocks noGrp="1" noChangeArrowheads="1"/>
-          </p:cNvSpPr>
-          <p:nvPr>
-            <p:ph type="sldNum" sz="quarter" idx="5"/>
-          </p:nvPr>
-        </p:nvSpPr>
-        <p:spPr bwMode="auto">
-          <a:extLst>
-            <a:ext uri="{909E8E84-426E-40DD-AFC4-6F175D3DCCD1}">
-              <a14:hiddenFill xmlns:a14="http://schemas.microsoft.com/office/drawing/2010/main" xmlns="">
-                <a:solidFill>
-                  <a:srgbClr val="FFFFFF"/>
-                </a:solidFill>
-              </a14:hiddenFill>
-            </a:ext>
-            <a:ext uri="{91240B29-F687-4F45-9708-019B960494DF}">
-              <a14:hiddenLine xmlns:a14="http://schemas.microsoft.com/office/drawing/2010/main" xmlns="" w="9525">
+              <a14:hiddenLine xmlns="" xmlns:a14="http://schemas.microsoft.com/office/drawing/2010/main" w="9525">
                 <a:solidFill>
                   <a:srgbClr val="000000"/>
                 </a:solidFill>
@@ -3892,7 +3171,7 @@
                 </a:spcAft>
                 <a:defRPr/>
               </a:pPr>
-              <a:t>10</a:t>
+              <a:t>12</a:t>
             </a:fld>
             <a:endParaRPr lang="en-US" sz="1300" smtClean="0">
               <a:latin typeface="Arial" charset="0"/>
@@ -3922,7 +3201,7 @@
           </a:ln>
           <a:extLst>
             <a:ext uri="{909E8E84-426E-40DD-AFC4-6F175D3DCCD1}">
-              <a14:hiddenFill xmlns:a14="http://schemas.microsoft.com/office/drawing/2010/main" xmlns="">
+              <a14:hiddenFill xmlns="" xmlns:a14="http://schemas.microsoft.com/office/drawing/2010/main">
                 <a:solidFill>
                   <a:srgbClr val="FFFFFF"/>
                 </a:solidFill>
@@ -3945,14 +3224,14 @@
           <a:noFill/>
           <a:extLst>
             <a:ext uri="{909E8E84-426E-40DD-AFC4-6F175D3DCCD1}">
-              <a14:hiddenFill xmlns:a14="http://schemas.microsoft.com/office/drawing/2010/main" xmlns="">
+              <a14:hiddenFill xmlns="" xmlns:a14="http://schemas.microsoft.com/office/drawing/2010/main">
                 <a:solidFill>
                   <a:srgbClr val="FFFFFF"/>
                 </a:solidFill>
               </a14:hiddenFill>
             </a:ext>
             <a:ext uri="{91240B29-F687-4F45-9708-019B960494DF}">
-              <a14:hiddenLine xmlns:a14="http://schemas.microsoft.com/office/drawing/2010/main" xmlns="" w="9525">
+              <a14:hiddenLine xmlns="" xmlns:a14="http://schemas.microsoft.com/office/drawing/2010/main" w="9525">
                 <a:solidFill>
                   <a:srgbClr val="000000"/>
                 </a:solidFill>
@@ -4017,7 +3296,7 @@
           <a:blip r:embed="rId2" cstate="print">
             <a:extLst>
               <a:ext uri="{28A0092B-C50C-407E-A947-70E740481C1C}">
-                <a14:useLocalDpi xmlns:a14="http://schemas.microsoft.com/office/drawing/2010/main" xmlns="" val="0"/>
+                <a14:useLocalDpi xmlns="" xmlns:a14="http://schemas.microsoft.com/office/drawing/2010/main" val="0"/>
               </a:ext>
             </a:extLst>
           </a:blip>
@@ -4041,14 +3320,14 @@
           <a:effectLst/>
           <a:extLst>
             <a:ext uri="{909E8E84-426E-40DD-AFC4-6F175D3DCCD1}">
-              <a14:hiddenFill xmlns:a14="http://schemas.microsoft.com/office/drawing/2010/main" xmlns="">
+              <a14:hiddenFill xmlns="" xmlns:a14="http://schemas.microsoft.com/office/drawing/2010/main">
                 <a:solidFill>
                   <a:schemeClr val="accent1"/>
                 </a:solidFill>
               </a14:hiddenFill>
             </a:ext>
             <a:ext uri="{91240B29-F687-4F45-9708-019B960494DF}">
-              <a14:hiddenLine xmlns:a14="http://schemas.microsoft.com/office/drawing/2010/main" xmlns="" w="12700" algn="ctr">
+              <a14:hiddenLine xmlns="" xmlns:a14="http://schemas.microsoft.com/office/drawing/2010/main" w="12700" algn="ctr">
                 <a:solidFill>
                   <a:schemeClr val="tx1"/>
                 </a:solidFill>
@@ -4058,7 +3337,7 @@
               </a14:hiddenLine>
             </a:ext>
             <a:ext uri="{AF507438-7753-43E0-B8FC-AC1667EBCBE1}">
-              <a14:hiddenEffects xmlns:a14="http://schemas.microsoft.com/office/drawing/2010/main" xmlns="">
+              <a14:hiddenEffects xmlns="" xmlns:a14="http://schemas.microsoft.com/office/drawing/2010/main">
                 <a:effectLst>
                   <a:outerShdw dist="35921" dir="2700000" algn="ctr" rotWithShape="0">
                     <a:schemeClr val="bg2"/>
@@ -4099,7 +3378,7 @@
             <a:blip r:embed="rId4" cstate="print">
               <a:extLst>
                 <a:ext uri="{28A0092B-C50C-407E-A947-70E740481C1C}">
-                  <a14:useLocalDpi xmlns:a14="http://schemas.microsoft.com/office/drawing/2010/main" xmlns="" val="0"/>
+                  <a14:useLocalDpi xmlns="" xmlns:a14="http://schemas.microsoft.com/office/drawing/2010/main" val="0"/>
                 </a:ext>
               </a:extLst>
             </a:blip>
@@ -4122,14 +3401,14 @@
             </a:ln>
             <a:extLst>
               <a:ext uri="{909E8E84-426E-40DD-AFC4-6F175D3DCCD1}">
-                <a14:hiddenFill xmlns:a14="http://schemas.microsoft.com/office/drawing/2010/main" xmlns="">
+                <a14:hiddenFill xmlns="" xmlns:a14="http://schemas.microsoft.com/office/drawing/2010/main">
                   <a:solidFill>
                     <a:srgbClr val="FFFFFF"/>
                   </a:solidFill>
                 </a14:hiddenFill>
               </a:ext>
               <a:ext uri="{91240B29-F687-4F45-9708-019B960494DF}">
-                <a14:hiddenLine xmlns:a14="http://schemas.microsoft.com/office/drawing/2010/main" xmlns="" w="9525">
+                <a14:hiddenLine xmlns="" xmlns:a14="http://schemas.microsoft.com/office/drawing/2010/main" w="9525">
                   <a:solidFill>
                     <a:srgbClr val="000000"/>
                   </a:solidFill>
@@ -4163,14 +3442,14 @@
             </a:ln>
             <a:extLst>
               <a:ext uri="{909E8E84-426E-40DD-AFC4-6F175D3DCCD1}">
-                <a14:hiddenFill xmlns:a14="http://schemas.microsoft.com/office/drawing/2010/main" xmlns="">
+                <a14:hiddenFill xmlns="" xmlns:a14="http://schemas.microsoft.com/office/drawing/2010/main">
                   <a:solidFill>
                     <a:srgbClr val="FFFFFF"/>
                   </a:solidFill>
                 </a14:hiddenFill>
               </a:ext>
               <a:ext uri="{91240B29-F687-4F45-9708-019B960494DF}">
-                <a14:hiddenLine xmlns:a14="http://schemas.microsoft.com/office/drawing/2010/main" xmlns="" w="9525">
+                <a14:hiddenLine xmlns="" xmlns:a14="http://schemas.microsoft.com/office/drawing/2010/main" w="9525">
                   <a:solidFill>
                     <a:srgbClr val="000000"/>
                   </a:solidFill>
@@ -4342,14 +3621,14 @@
           </a:ln>
           <a:extLst>
             <a:ext uri="{909E8E84-426E-40DD-AFC4-6F175D3DCCD1}">
-              <a14:hiddenFill xmlns:a14="http://schemas.microsoft.com/office/drawing/2010/main" xmlns="">
+              <a14:hiddenFill xmlns="" xmlns:a14="http://schemas.microsoft.com/office/drawing/2010/main">
                 <a:solidFill>
                   <a:srgbClr val="FFFFFF"/>
                 </a:solidFill>
               </a14:hiddenFill>
             </a:ext>
             <a:ext uri="{91240B29-F687-4F45-9708-019B960494DF}">
-              <a14:hiddenLine xmlns:a14="http://schemas.microsoft.com/office/drawing/2010/main" xmlns="" w="9525">
+              <a14:hiddenLine xmlns="" xmlns:a14="http://schemas.microsoft.com/office/drawing/2010/main" w="9525">
                 <a:solidFill>
                   <a:srgbClr val="000000"/>
                 </a:solidFill>
@@ -4726,7 +4005,7 @@
     </p:spTree>
     <p:extLst>
       <p:ext uri="{BB962C8B-B14F-4D97-AF65-F5344CB8AC3E}">
-        <p14:creationId xmlns:p14="http://schemas.microsoft.com/office/powerpoint/2010/main" xmlns="" val="2588080409"/>
+        <p14:creationId xmlns="" xmlns:p14="http://schemas.microsoft.com/office/powerpoint/2010/main" val="2588080409"/>
       </p:ext>
     </p:extLst>
   </p:cSld>
@@ -4957,7 +4236,7 @@
     </p:spTree>
     <p:extLst>
       <p:ext uri="{BB962C8B-B14F-4D97-AF65-F5344CB8AC3E}">
-        <p14:creationId xmlns:p14="http://schemas.microsoft.com/office/powerpoint/2010/main" xmlns="" val="2741523762"/>
+        <p14:creationId xmlns="" xmlns:p14="http://schemas.microsoft.com/office/powerpoint/2010/main" val="2741523762"/>
       </p:ext>
     </p:extLst>
   </p:cSld>
@@ -5189,7 +4468,7 @@
     </p:spTree>
     <p:extLst>
       <p:ext uri="{BB962C8B-B14F-4D97-AF65-F5344CB8AC3E}">
-        <p14:creationId xmlns:p14="http://schemas.microsoft.com/office/powerpoint/2010/main" xmlns="" val="2682078689"/>
+        <p14:creationId xmlns="" xmlns:p14="http://schemas.microsoft.com/office/powerpoint/2010/main" val="2682078689"/>
       </p:ext>
     </p:extLst>
   </p:cSld>
@@ -5534,7 +4813,7 @@
     </p:spTree>
     <p:extLst>
       <p:ext uri="{BB962C8B-B14F-4D97-AF65-F5344CB8AC3E}">
-        <p14:creationId xmlns:p14="http://schemas.microsoft.com/office/powerpoint/2010/main" xmlns="" val="1967580509"/>
+        <p14:creationId xmlns="" xmlns:p14="http://schemas.microsoft.com/office/powerpoint/2010/main" val="1967580509"/>
       </p:ext>
     </p:extLst>
   </p:cSld>
@@ -5999,7 +5278,7 @@
     </p:spTree>
     <p:extLst>
       <p:ext uri="{BB962C8B-B14F-4D97-AF65-F5344CB8AC3E}">
-        <p14:creationId xmlns:p14="http://schemas.microsoft.com/office/powerpoint/2010/main" xmlns="" val="4110782242"/>
+        <p14:creationId xmlns="" xmlns:p14="http://schemas.microsoft.com/office/powerpoint/2010/main" val="4110782242"/>
       </p:ext>
     </p:extLst>
   </p:cSld>
@@ -6157,7 +5436,7 @@
     </p:spTree>
     <p:extLst>
       <p:ext uri="{BB962C8B-B14F-4D97-AF65-F5344CB8AC3E}">
-        <p14:creationId xmlns:p14="http://schemas.microsoft.com/office/powerpoint/2010/main" xmlns="" val="1892974325"/>
+        <p14:creationId xmlns="" xmlns:p14="http://schemas.microsoft.com/office/powerpoint/2010/main" val="1892974325"/>
       </p:ext>
     </p:extLst>
   </p:cSld>
@@ -6287,7 +5566,7 @@
     </p:spTree>
     <p:extLst>
       <p:ext uri="{BB962C8B-B14F-4D97-AF65-F5344CB8AC3E}">
-        <p14:creationId xmlns:p14="http://schemas.microsoft.com/office/powerpoint/2010/main" xmlns="" val="606310080"/>
+        <p14:creationId xmlns="" xmlns:p14="http://schemas.microsoft.com/office/powerpoint/2010/main" val="606310080"/>
       </p:ext>
     </p:extLst>
   </p:cSld>
@@ -6328,7 +5607,7 @@
           <a:blip r:embed="rId3" cstate="print">
             <a:extLst>
               <a:ext uri="{28A0092B-C50C-407E-A947-70E740481C1C}">
-                <a14:useLocalDpi xmlns:a14="http://schemas.microsoft.com/office/drawing/2010/main" xmlns="" val="0"/>
+                <a14:useLocalDpi xmlns="" xmlns:a14="http://schemas.microsoft.com/office/drawing/2010/main" val="0"/>
               </a:ext>
             </a:extLst>
           </a:blip>
@@ -6351,14 +5630,14 @@
           </a:ln>
           <a:extLst>
             <a:ext uri="{909E8E84-426E-40DD-AFC4-6F175D3DCCD1}">
-              <a14:hiddenFill xmlns:a14="http://schemas.microsoft.com/office/drawing/2010/main" xmlns="">
+              <a14:hiddenFill xmlns="" xmlns:a14="http://schemas.microsoft.com/office/drawing/2010/main">
                 <a:solidFill>
                   <a:srgbClr val="FFFFFF"/>
                 </a:solidFill>
               </a14:hiddenFill>
             </a:ext>
             <a:ext uri="{91240B29-F687-4F45-9708-019B960494DF}">
-              <a14:hiddenLine xmlns:a14="http://schemas.microsoft.com/office/drawing/2010/main" xmlns="" w="9525">
+              <a14:hiddenLine xmlns="" xmlns:a14="http://schemas.microsoft.com/office/drawing/2010/main" w="9525">
                 <a:solidFill>
                   <a:srgbClr val="000000"/>
                 </a:solidFill>
@@ -6519,7 +5798,7 @@
     </p:spTree>
     <p:extLst>
       <p:ext uri="{BB962C8B-B14F-4D97-AF65-F5344CB8AC3E}">
-        <p14:creationId xmlns:p14="http://schemas.microsoft.com/office/powerpoint/2010/main" xmlns="" val="1504093363"/>
+        <p14:creationId xmlns="" xmlns:p14="http://schemas.microsoft.com/office/powerpoint/2010/main" val="1504093363"/>
       </p:ext>
     </p:extLst>
   </p:cSld>
@@ -6580,14 +5859,14 @@
           </a:ln>
           <a:extLst>
             <a:ext uri="{909E8E84-426E-40DD-AFC4-6F175D3DCCD1}">
-              <a14:hiddenFill xmlns:a14="http://schemas.microsoft.com/office/drawing/2010/main" xmlns="">
+              <a14:hiddenFill xmlns="" xmlns:a14="http://schemas.microsoft.com/office/drawing/2010/main">
                 <a:solidFill>
                   <a:srgbClr val="FFFFFF"/>
                 </a:solidFill>
               </a14:hiddenFill>
             </a:ext>
             <a:ext uri="{91240B29-F687-4F45-9708-019B960494DF}">
-              <a14:hiddenLine xmlns:a14="http://schemas.microsoft.com/office/drawing/2010/main" xmlns="" w="9525">
+              <a14:hiddenLine xmlns="" xmlns:a14="http://schemas.microsoft.com/office/drawing/2010/main" w="9525">
                 <a:solidFill>
                   <a:srgbClr val="000000"/>
                 </a:solidFill>
@@ -6638,14 +5917,14 @@
           </a:ln>
           <a:extLst>
             <a:ext uri="{909E8E84-426E-40DD-AFC4-6F175D3DCCD1}">
-              <a14:hiddenFill xmlns:a14="http://schemas.microsoft.com/office/drawing/2010/main" xmlns="">
+              <a14:hiddenFill xmlns="" xmlns:a14="http://schemas.microsoft.com/office/drawing/2010/main">
                 <a:solidFill>
                   <a:srgbClr val="FFFFFF"/>
                 </a:solidFill>
               </a14:hiddenFill>
             </a:ext>
             <a:ext uri="{91240B29-F687-4F45-9708-019B960494DF}">
-              <a14:hiddenLine xmlns:a14="http://schemas.microsoft.com/office/drawing/2010/main" xmlns="" w="9525">
+              <a14:hiddenLine xmlns="" xmlns:a14="http://schemas.microsoft.com/office/drawing/2010/main" w="9525">
                 <a:solidFill>
                   <a:srgbClr val="000000"/>
                 </a:solidFill>
@@ -6990,7 +6269,7 @@
           <a:blip r:embed="rId11" cstate="print">
             <a:extLst>
               <a:ext uri="{28A0092B-C50C-407E-A947-70E740481C1C}">
-                <a14:useLocalDpi xmlns:a14="http://schemas.microsoft.com/office/drawing/2010/main" xmlns="" val="0"/>
+                <a14:useLocalDpi xmlns="" xmlns:a14="http://schemas.microsoft.com/office/drawing/2010/main" val="0"/>
               </a:ext>
             </a:extLst>
           </a:blip>
@@ -7013,14 +6292,14 @@
           </a:ln>
           <a:extLst>
             <a:ext uri="{909E8E84-426E-40DD-AFC4-6F175D3DCCD1}">
-              <a14:hiddenFill xmlns:a14="http://schemas.microsoft.com/office/drawing/2010/main" xmlns="">
+              <a14:hiddenFill xmlns="" xmlns:a14="http://schemas.microsoft.com/office/drawing/2010/main">
                 <a:solidFill>
                   <a:srgbClr val="FFFFFF"/>
                 </a:solidFill>
               </a14:hiddenFill>
             </a:ext>
             <a:ext uri="{91240B29-F687-4F45-9708-019B960494DF}">
-              <a14:hiddenLine xmlns:a14="http://schemas.microsoft.com/office/drawing/2010/main" xmlns="" w="9525">
+              <a14:hiddenLine xmlns="" xmlns:a14="http://schemas.microsoft.com/office/drawing/2010/main" w="9525">
                 <a:solidFill>
                   <a:srgbClr val="000000"/>
                 </a:solidFill>
@@ -7481,424 +6760,169 @@
       </p:grpSpPr>
       <p:sp>
         <p:nvSpPr>
-          <p:cNvPr id="10242" name="Title 1"/>
-          <p:cNvSpPr>
-            <a:spLocks noGrp="1"/>
-          </p:cNvSpPr>
-          <p:nvPr>
-            <p:ph type="title"/>
-          </p:nvPr>
-        </p:nvSpPr>
-        <p:spPr/>
+          <p:cNvPr id="12290" name="Rectangle 2"/>
+          <p:cNvSpPr>
+            <a:spLocks noGrp="1" noChangeArrowheads="1"/>
+          </p:cNvSpPr>
+          <p:nvPr>
+            <p:ph type="ctrTitle"/>
+          </p:nvPr>
+        </p:nvSpPr>
+        <p:spPr>
+          <a:xfrm>
+            <a:off x="700088" y="1676400"/>
+            <a:ext cx="7772400" cy="1470025"/>
+          </a:xfrm>
+        </p:spPr>
         <p:txBody>
           <a:bodyPr/>
           <a:lstStyle/>
           <a:p>
             <a:pPr eaLnBrk="1" hangingPunct="1"/>
             <a:r>
-              <a:rPr lang="en-US" smtClean="0"/>
-              <a:t>Read Me (Delete this slide.)	</a:t>
-            </a:r>
-            <a:r>
-              <a:rPr lang="en-US" sz="2000" smtClean="0"/>
-              <a:t>(1 of 2)</a:t>
-            </a:r>
-          </a:p>
-        </p:txBody>
-      </p:sp>
-      <p:sp>
-        <p:nvSpPr>
-          <p:cNvPr id="3075" name="Content Placeholder 2"/>
+              <a:rPr lang="en-US" dirty="0" smtClean="0"/>
+              <a:t>Beta Presentation</a:t>
+            </a:r>
+            <a:br>
+              <a:rPr lang="en-US" dirty="0" smtClean="0"/>
+            </a:br>
+            <a:r>
+              <a:rPr lang="en-US" sz="3600" dirty="0" err="1" smtClean="0"/>
+              <a:t>Infographics</a:t>
+            </a:r>
+            <a:r>
+              <a:rPr lang="en-US" sz="3600" dirty="0" smtClean="0"/>
+              <a:t> Generator</a:t>
+            </a:r>
+          </a:p>
+        </p:txBody>
+      </p:sp>
+      <p:sp>
+        <p:nvSpPr>
+          <p:cNvPr id="12291" name="Subtitle 2"/>
           <p:cNvSpPr>
             <a:spLocks noGrp="1"/>
           </p:cNvSpPr>
           <p:nvPr>
-            <p:ph idx="1"/>
+            <p:ph type="subTitle" idx="1"/>
           </p:nvPr>
         </p:nvSpPr>
         <p:spPr>
           <a:xfrm>
-            <a:off x="457200" y="1600200"/>
-            <a:ext cx="8229600" cy="5257800"/>
+            <a:off x="2071688" y="3962400"/>
+            <a:ext cx="6400800" cy="2362200"/>
           </a:xfrm>
         </p:spPr>
         <p:txBody>
-          <a:bodyPr rtlCol="0">
-            <a:normAutofit fontScale="47500" lnSpcReduction="20000"/>
-          </a:bodyPr>
-          <a:lstStyle/>
-          <a:p>
-            <a:pPr eaLnBrk="1" fontAlgn="auto" hangingPunct="1">
-              <a:spcAft>
-                <a:spcPts val="0"/>
-              </a:spcAft>
-              <a:buFont typeface="Arial" pitchFamily="34" charset="0"/>
-              <a:buChar char="•"/>
-              <a:defRPr/>
-            </a:pPr>
-            <a:r>
-              <a:rPr lang="en-US" dirty="0" smtClean="0"/>
-              <a:t>Presenting</a:t>
-            </a:r>
-          </a:p>
-          <a:p>
-            <a:pPr lvl="1" eaLnBrk="1" fontAlgn="auto" hangingPunct="1">
-              <a:spcAft>
-                <a:spcPts val="0"/>
-              </a:spcAft>
-              <a:defRPr/>
-            </a:pPr>
-            <a:r>
-              <a:rPr lang="en-US" dirty="0" smtClean="0"/>
-              <a:t>The </a:t>
-            </a:r>
-            <a:r>
-              <a:rPr lang="en-US" dirty="0"/>
-              <a:t>purpose of the beta presentation is to demonstrate that the software portion of the project is complete. While the system may not be totally bug free, the software is expected to be feature complete</a:t>
-            </a:r>
-            <a:r>
-              <a:rPr lang="en-US" dirty="0" smtClean="0"/>
-              <a:t>. </a:t>
-            </a:r>
-          </a:p>
-          <a:p>
-            <a:pPr lvl="1" eaLnBrk="1" fontAlgn="auto" hangingPunct="1">
-              <a:spcAft>
-                <a:spcPts val="0"/>
-              </a:spcAft>
-              <a:defRPr/>
-            </a:pPr>
-            <a:r>
-              <a:rPr lang="en-US" dirty="0" smtClean="0"/>
-              <a:t>The time limit for your presentation is 15 minutes, which will be strictly enforced. Practice your presentation to ensure that you will finish within the allotted time.</a:t>
-            </a:r>
-          </a:p>
-          <a:p>
-            <a:pPr lvl="1" eaLnBrk="1" fontAlgn="auto" hangingPunct="1">
-              <a:spcAft>
-                <a:spcPts val="0"/>
-              </a:spcAft>
-              <a:defRPr/>
-            </a:pPr>
-            <a:r>
-              <a:rPr lang="en-US" dirty="0" smtClean="0"/>
-              <a:t>Plan on spending most of your presentation time demonstrating your software. A suggested approach is as follows.</a:t>
-            </a:r>
-          </a:p>
-          <a:p>
-            <a:pPr lvl="2" eaLnBrk="1" fontAlgn="auto" hangingPunct="1">
-              <a:spcAft>
-                <a:spcPts val="0"/>
-              </a:spcAft>
-              <a:defRPr/>
-            </a:pPr>
-            <a:r>
-              <a:rPr lang="en-US" dirty="0" smtClean="0"/>
-              <a:t>Very Brief Review of Project Overview</a:t>
-            </a:r>
-          </a:p>
-          <a:p>
-            <a:pPr lvl="2" eaLnBrk="1" fontAlgn="auto" hangingPunct="1">
-              <a:spcAft>
-                <a:spcPts val="0"/>
-              </a:spcAft>
-              <a:defRPr/>
-            </a:pPr>
-            <a:r>
-              <a:rPr lang="en-US" dirty="0" smtClean="0"/>
-              <a:t>Very Brief Review of System Architecture</a:t>
-            </a:r>
-          </a:p>
-          <a:p>
-            <a:pPr lvl="2" eaLnBrk="1" fontAlgn="auto" hangingPunct="1">
-              <a:spcAft>
-                <a:spcPts val="0"/>
-              </a:spcAft>
-              <a:defRPr/>
-            </a:pPr>
-            <a:r>
-              <a:rPr lang="en-US" dirty="0" smtClean="0"/>
-              <a:t>Software Demonstration (Skipping  All of the Screen Shot Slides)</a:t>
-            </a:r>
-          </a:p>
-          <a:p>
-            <a:pPr lvl="2" eaLnBrk="1" fontAlgn="auto" hangingPunct="1">
-              <a:spcAft>
-                <a:spcPts val="0"/>
-              </a:spcAft>
-              <a:defRPr/>
-            </a:pPr>
-            <a:r>
-              <a:rPr lang="en-US" dirty="0" smtClean="0"/>
-              <a:t>Brief Summary of What’s left to do?</a:t>
-            </a:r>
-          </a:p>
-          <a:p>
-            <a:pPr lvl="1" eaLnBrk="1" fontAlgn="auto" hangingPunct="1">
-              <a:spcAft>
-                <a:spcPts val="0"/>
-              </a:spcAft>
-              <a:defRPr/>
-            </a:pPr>
-            <a:r>
-              <a:rPr lang="en-US" dirty="0" smtClean="0"/>
-              <a:t>Your software demonstration should</a:t>
-            </a:r>
-          </a:p>
-          <a:p>
-            <a:pPr lvl="2" eaLnBrk="1" fontAlgn="auto" hangingPunct="1">
-              <a:spcAft>
-                <a:spcPts val="0"/>
-              </a:spcAft>
-              <a:defRPr/>
-            </a:pPr>
-            <a:r>
-              <a:rPr lang="en-US" dirty="0" smtClean="0"/>
-              <a:t>demonstrate that your system is feature complete,</a:t>
-            </a:r>
-          </a:p>
-          <a:p>
-            <a:pPr lvl="2" eaLnBrk="1" fontAlgn="auto" hangingPunct="1">
-              <a:spcAft>
-                <a:spcPts val="0"/>
-              </a:spcAft>
-              <a:defRPr/>
-            </a:pPr>
-            <a:r>
-              <a:rPr lang="en-US" dirty="0"/>
-              <a:t>demonstrate the main features of your software, possibly demonstrating some use </a:t>
-            </a:r>
-            <a:r>
-              <a:rPr lang="en-US" dirty="0" smtClean="0"/>
-              <a:t>cases,</a:t>
-            </a:r>
-          </a:p>
-          <a:p>
-            <a:pPr lvl="2" eaLnBrk="1" fontAlgn="auto" hangingPunct="1">
-              <a:spcAft>
-                <a:spcPts val="0"/>
-              </a:spcAft>
-              <a:defRPr/>
-            </a:pPr>
-            <a:r>
-              <a:rPr lang="en-US" dirty="0" smtClean="0"/>
-              <a:t>be rehearsed, and</a:t>
-            </a:r>
-          </a:p>
-          <a:p>
-            <a:pPr lvl="2" eaLnBrk="1" fontAlgn="auto" hangingPunct="1">
-              <a:spcAft>
-                <a:spcPts val="0"/>
-              </a:spcAft>
-              <a:defRPr/>
-            </a:pPr>
-            <a:r>
-              <a:rPr lang="en-US" dirty="0" smtClean="0"/>
-              <a:t>flow</a:t>
-            </a:r>
-            <a:r>
-              <a:rPr lang="en-US" dirty="0"/>
-              <a:t>.</a:t>
-            </a:r>
-            <a:endParaRPr lang="en-US" dirty="0" smtClean="0"/>
-          </a:p>
-          <a:p>
-            <a:pPr lvl="1" eaLnBrk="1" fontAlgn="auto" hangingPunct="1">
-              <a:spcAft>
-                <a:spcPts val="0"/>
-              </a:spcAft>
-              <a:defRPr/>
-            </a:pPr>
-            <a:r>
-              <a:rPr lang="en-US" dirty="0" smtClean="0"/>
-              <a:t>All team members are required to dress business casual on the day of your presentation.</a:t>
-            </a:r>
-          </a:p>
-          <a:p>
-            <a:pPr eaLnBrk="1" fontAlgn="auto" hangingPunct="1">
-              <a:spcAft>
-                <a:spcPts val="0"/>
-              </a:spcAft>
-              <a:buFont typeface="Arial" pitchFamily="34" charset="0"/>
-              <a:buChar char="•"/>
-              <a:defRPr/>
-            </a:pPr>
-            <a:r>
-              <a:rPr lang="en-US" dirty="0" smtClean="0"/>
-              <a:t>Content</a:t>
-            </a:r>
-          </a:p>
-          <a:p>
-            <a:pPr lvl="1" eaLnBrk="1" fontAlgn="auto" hangingPunct="1">
-              <a:spcAft>
-                <a:spcPts val="0"/>
-              </a:spcAft>
-              <a:defRPr/>
-            </a:pPr>
-            <a:r>
-              <a:rPr lang="en-US" dirty="0" smtClean="0"/>
-              <a:t>Do not include any company confidential information in your presentation since all presentations will be posted on the web site.</a:t>
-            </a:r>
-          </a:p>
-          <a:p>
-            <a:pPr lvl="1" eaLnBrk="1" fontAlgn="auto" hangingPunct="1">
-              <a:spcAft>
-                <a:spcPts val="0"/>
-              </a:spcAft>
-              <a:defRPr/>
-            </a:pPr>
-            <a:r>
-              <a:rPr lang="en-US" dirty="0" smtClean="0"/>
-              <a:t>Submit your presentation to your client for approval at least two working days in advance. </a:t>
-            </a:r>
-          </a:p>
-          <a:p>
-            <a:pPr lvl="1" eaLnBrk="1" fontAlgn="auto" hangingPunct="1">
-              <a:spcAft>
-                <a:spcPts val="0"/>
-              </a:spcAft>
-              <a:defRPr/>
-            </a:pPr>
-            <a:r>
-              <a:rPr lang="en-US" dirty="0" smtClean="0"/>
-              <a:t>Throughout the PowerPoint template, replace placeholders &lt;…&gt; with the appropriate information.</a:t>
-            </a:r>
-          </a:p>
-          <a:p>
-            <a:pPr lvl="1" eaLnBrk="1" fontAlgn="auto" hangingPunct="1">
-              <a:spcAft>
-                <a:spcPts val="0"/>
-              </a:spcAft>
-              <a:defRPr/>
-            </a:pPr>
-            <a:r>
-              <a:rPr lang="en-US" dirty="0" smtClean="0"/>
-              <a:t>Screen Shots</a:t>
-            </a:r>
-          </a:p>
-          <a:p>
-            <a:pPr lvl="2" eaLnBrk="1" fontAlgn="auto" hangingPunct="1">
-              <a:spcAft>
-                <a:spcPts val="0"/>
-              </a:spcAft>
-              <a:defRPr/>
-            </a:pPr>
-            <a:r>
-              <a:rPr lang="en-US" dirty="0" smtClean="0"/>
-              <a:t>The screen shots are intended for viewing by your client on the web so include as many  screen shots as necessary (</a:t>
-            </a:r>
-            <a:r>
-              <a:rPr lang="en-US" dirty="0"/>
-              <a:t>but at least three) </a:t>
-            </a:r>
-            <a:r>
-              <a:rPr lang="en-US" dirty="0" smtClean="0"/>
-              <a:t>to demonstrate the features of your completed software system.</a:t>
-            </a:r>
-          </a:p>
-          <a:p>
-            <a:pPr lvl="2" eaLnBrk="1" fontAlgn="auto" hangingPunct="1">
-              <a:spcAft>
-                <a:spcPts val="0"/>
-              </a:spcAft>
-              <a:defRPr/>
-            </a:pPr>
-            <a:r>
-              <a:rPr lang="en-US" dirty="0"/>
-              <a:t>You may duplicate the Screen Shot template slide as </a:t>
-            </a:r>
-            <a:r>
-              <a:rPr lang="en-US" dirty="0" smtClean="0"/>
-              <a:t>needed, replacing &lt;Title of Screen Shot&gt;  with an appropriate title. </a:t>
-            </a:r>
-          </a:p>
-        </p:txBody>
-      </p:sp>
-      <p:sp>
-        <p:nvSpPr>
-          <p:cNvPr id="4" name="Date Placeholder 3"/>
-          <p:cNvSpPr>
-            <a:spLocks noGrp="1"/>
-          </p:cNvSpPr>
-          <p:nvPr>
-            <p:ph type="dt" sz="quarter" idx="10"/>
-          </p:nvPr>
-        </p:nvSpPr>
-        <p:spPr/>
-        <p:txBody>
           <a:bodyPr/>
           <a:lstStyle/>
           <a:p>
-            <a:pPr>
-              <a:defRPr/>
+            <a:pPr eaLnBrk="1" hangingPunct="1">
+              <a:spcBef>
+                <a:spcPct val="0"/>
+              </a:spcBef>
             </a:pPr>
             <a:r>
-              <a:rPr lang="en-US" smtClean="0"/>
-              <a:t>The Capstone Experience</a:t>
-            </a:r>
-            <a:endParaRPr lang="en-US"/>
-          </a:p>
-        </p:txBody>
-      </p:sp>
-      <p:sp>
-        <p:nvSpPr>
-          <p:cNvPr id="5" name="Footer Placeholder 4"/>
-          <p:cNvSpPr>
-            <a:spLocks noGrp="1"/>
-          </p:cNvSpPr>
-          <p:nvPr>
-            <p:ph type="ftr" sz="quarter" idx="11"/>
-          </p:nvPr>
-        </p:nvSpPr>
-        <p:spPr/>
-        <p:txBody>
-          <a:bodyPr/>
-          <a:lstStyle/>
-          <a:p>
-            <a:pPr>
-              <a:defRPr/>
+              <a:rPr lang="en-US" sz="2400" dirty="0" smtClean="0">
+                <a:solidFill>
+                  <a:srgbClr val="18453B"/>
+                </a:solidFill>
+              </a:rPr>
+              <a:t>Team Urban Science</a:t>
+            </a:r>
+          </a:p>
+          <a:p>
+            <a:pPr eaLnBrk="1" hangingPunct="1">
+              <a:spcBef>
+                <a:spcPct val="0"/>
+              </a:spcBef>
             </a:pPr>
             <a:r>
-              <a:rPr lang="en-US" dirty="0"/>
-              <a:t>Team </a:t>
-            </a:r>
+              <a:rPr lang="en-US" dirty="0" smtClean="0">
+                <a:solidFill>
+                  <a:srgbClr val="18453B"/>
+                </a:solidFill>
+              </a:rPr>
+              <a:t>Peter Chen</a:t>
+            </a:r>
+          </a:p>
+          <a:p>
+            <a:pPr eaLnBrk="1" hangingPunct="1">
+              <a:spcBef>
+                <a:spcPct val="0"/>
+              </a:spcBef>
+            </a:pPr>
+            <a:r>
+              <a:rPr lang="en-US" dirty="0" smtClean="0">
+                <a:solidFill>
+                  <a:srgbClr val="18453B"/>
+                </a:solidFill>
+              </a:rPr>
+              <a:t>Lok Cheung</a:t>
+            </a:r>
+          </a:p>
+          <a:p>
+            <a:pPr eaLnBrk="1" hangingPunct="1">
+              <a:spcBef>
+                <a:spcPct val="0"/>
+              </a:spcBef>
+            </a:pPr>
+            <a:r>
+              <a:rPr lang="en-US" dirty="0" smtClean="0">
+                <a:solidFill>
+                  <a:srgbClr val="18453B"/>
+                </a:solidFill>
+              </a:rPr>
+              <a:t>Louis Bodnar</a:t>
+            </a:r>
+          </a:p>
+          <a:p>
+            <a:pPr eaLnBrk="1" hangingPunct="1">
+              <a:spcBef>
+                <a:spcPct val="0"/>
+              </a:spcBef>
+            </a:pPr>
+            <a:r>
+              <a:rPr lang="en-US" dirty="0" smtClean="0">
+                <a:solidFill>
+                  <a:srgbClr val="18453B"/>
+                </a:solidFill>
+              </a:rPr>
+              <a:t>Kevin Shreve</a:t>
+            </a:r>
+          </a:p>
+          <a:p>
+            <a:pPr eaLnBrk="1" hangingPunct="1">
+              <a:spcBef>
+                <a:spcPts val="600"/>
+              </a:spcBef>
+            </a:pPr>
             <a:r>
               <a:rPr lang="en-US" dirty="0" smtClean="0"/>
-              <a:t>Urban Science </a:t>
-            </a:r>
-            <a:r>
-              <a:rPr lang="en-US" dirty="0"/>
-              <a:t>Beta Presentation</a:t>
-            </a:r>
-          </a:p>
-        </p:txBody>
-      </p:sp>
-      <p:sp>
-        <p:nvSpPr>
-          <p:cNvPr id="6" name="Slide Number Placeholder 5"/>
-          <p:cNvSpPr>
-            <a:spLocks noGrp="1"/>
-          </p:cNvSpPr>
-          <p:nvPr>
-            <p:ph type="sldNum" sz="quarter" idx="12"/>
-          </p:nvPr>
-        </p:nvSpPr>
-        <p:spPr/>
-        <p:txBody>
-          <a:bodyPr/>
-          <a:lstStyle/>
-          <a:p>
-            <a:pPr>
-              <a:defRPr/>
+              <a:t>Department of Computer Science and Engineering</a:t>
+            </a:r>
+          </a:p>
+          <a:p>
+            <a:pPr eaLnBrk="1" hangingPunct="1">
+              <a:spcBef>
+                <a:spcPct val="0"/>
+              </a:spcBef>
             </a:pPr>
-            <a:fld id="{BC344834-ECE1-4BAC-8D68-00FBC0C03F2E}" type="slidenum">
-              <a:rPr lang="en-US"/>
-              <a:pPr>
-                <a:defRPr/>
-              </a:pPr>
-              <a:t>1</a:t>
-            </a:fld>
-            <a:endParaRPr lang="en-US"/>
+            <a:r>
+              <a:rPr lang="en-US" dirty="0" smtClean="0"/>
+              <a:t>Michigan State University</a:t>
+            </a:r>
+          </a:p>
+          <a:p>
+            <a:pPr eaLnBrk="1" hangingPunct="1">
+              <a:spcBef>
+                <a:spcPts val="600"/>
+              </a:spcBef>
+            </a:pPr>
+            <a:r>
+              <a:rPr lang="en-US" dirty="0" smtClean="0"/>
+              <a:t>Spring 2012</a:t>
+            </a:r>
           </a:p>
         </p:txBody>
       </p:sp>
@@ -7907,6 +6931,7 @@
   <p:clrMapOvr>
     <a:masterClrMapping/>
   </p:clrMapOvr>
+  <p:transition/>
   <p:timing>
     <p:tnLst>
       <p:par>
@@ -7936,9 +6961,9 @@
       </p:grpSpPr>
       <p:sp>
         <p:nvSpPr>
-          <p:cNvPr id="19458" name="Rectangle 2"/>
-          <p:cNvSpPr>
-            <a:spLocks noGrp="1" noChangeArrowheads="1"/>
+          <p:cNvPr id="18434" name="Title 4"/>
+          <p:cNvSpPr>
+            <a:spLocks noGrp="1"/>
           </p:cNvSpPr>
           <p:nvPr>
             <p:ph type="title"/>
@@ -7951,6 +6976,358 @@
           <a:p>
             <a:pPr eaLnBrk="1" hangingPunct="1"/>
             <a:r>
+              <a:rPr lang="en-US" dirty="0" smtClean="0"/>
+              <a:t>Service </a:t>
+            </a:r>
+            <a:r>
+              <a:rPr lang="en-US" dirty="0" err="1" smtClean="0"/>
+              <a:t>Infographic</a:t>
+            </a:r>
+            <a:endParaRPr lang="en-US" sz="1800" dirty="0" smtClean="0"/>
+          </a:p>
+        </p:txBody>
+      </p:sp>
+      <p:sp>
+        <p:nvSpPr>
+          <p:cNvPr id="2" name="Date Placeholder 1"/>
+          <p:cNvSpPr>
+            <a:spLocks noGrp="1"/>
+          </p:cNvSpPr>
+          <p:nvPr>
+            <p:ph type="dt" sz="quarter" idx="10"/>
+          </p:nvPr>
+        </p:nvSpPr>
+        <p:spPr/>
+        <p:txBody>
+          <a:bodyPr/>
+          <a:lstStyle/>
+          <a:p>
+            <a:pPr>
+              <a:defRPr/>
+            </a:pPr>
+            <a:r>
+              <a:rPr lang="en-US" smtClean="0"/>
+              <a:t>The Capstone Experience</a:t>
+            </a:r>
+            <a:endParaRPr lang="en-US"/>
+          </a:p>
+        </p:txBody>
+      </p:sp>
+      <p:sp>
+        <p:nvSpPr>
+          <p:cNvPr id="3" name="Footer Placeholder 2"/>
+          <p:cNvSpPr>
+            <a:spLocks noGrp="1"/>
+          </p:cNvSpPr>
+          <p:nvPr>
+            <p:ph type="ftr" sz="quarter" idx="11"/>
+          </p:nvPr>
+        </p:nvSpPr>
+        <p:spPr/>
+        <p:txBody>
+          <a:bodyPr/>
+          <a:lstStyle/>
+          <a:p>
+            <a:pPr>
+              <a:defRPr/>
+            </a:pPr>
+            <a:r>
+              <a:rPr lang="en-US" dirty="0"/>
+              <a:t>Team </a:t>
+            </a:r>
+            <a:r>
+              <a:rPr lang="en-US" dirty="0" smtClean="0"/>
+              <a:t>Urban Science </a:t>
+            </a:r>
+            <a:r>
+              <a:rPr lang="en-US" dirty="0"/>
+              <a:t>Beta Presentation</a:t>
+            </a:r>
+          </a:p>
+        </p:txBody>
+      </p:sp>
+      <p:sp>
+        <p:nvSpPr>
+          <p:cNvPr id="4" name="Slide Number Placeholder 3"/>
+          <p:cNvSpPr>
+            <a:spLocks noGrp="1"/>
+          </p:cNvSpPr>
+          <p:nvPr>
+            <p:ph type="sldNum" sz="quarter" idx="12"/>
+          </p:nvPr>
+        </p:nvSpPr>
+        <p:spPr/>
+        <p:txBody>
+          <a:bodyPr/>
+          <a:lstStyle/>
+          <a:p>
+            <a:pPr>
+              <a:defRPr/>
+            </a:pPr>
+            <a:fld id="{8EE414D8-743B-413B-AC9E-FA6C5BAF93B7}" type="slidenum">
+              <a:rPr lang="en-US"/>
+              <a:pPr>
+                <a:defRPr/>
+              </a:pPr>
+              <a:t>10</a:t>
+            </a:fld>
+            <a:endParaRPr lang="en-US"/>
+          </a:p>
+        </p:txBody>
+      </p:sp>
+      <p:pic>
+        <p:nvPicPr>
+          <p:cNvPr id="7170" name="Picture 2" descr="C:\Users\Kevin\Desktop\Capstone\infographic-generator\documents\presentations\beta-presentation\Service1.png"/>
+          <p:cNvPicPr>
+            <a:picLocks noChangeAspect="1" noChangeArrowheads="1"/>
+          </p:cNvPicPr>
+          <p:nvPr/>
+        </p:nvPicPr>
+        <p:blipFill>
+          <a:blip r:embed="rId2" cstate="print"/>
+          <a:srcRect/>
+          <a:stretch>
+            <a:fillRect/>
+          </a:stretch>
+        </p:blipFill>
+        <p:spPr bwMode="auto">
+          <a:xfrm>
+            <a:off x="2744343" y="1679448"/>
+            <a:ext cx="3655314" cy="4873752"/>
+          </a:xfrm>
+          <a:prstGeom prst="rect">
+            <a:avLst/>
+          </a:prstGeom>
+          <a:noFill/>
+        </p:spPr>
+      </p:pic>
+    </p:spTree>
+  </p:cSld>
+  <p:clrMapOvr>
+    <a:masterClrMapping/>
+  </p:clrMapOvr>
+  <p:timing>
+    <p:tnLst>
+      <p:par>
+        <p:cTn id="1" dur="indefinite" restart="never" nodeType="tmRoot"/>
+      </p:par>
+    </p:tnLst>
+  </p:timing>
+</p:sld>
+</file>
+
+<file path=ppt/slides/slide11.xml><?xml version="1.0" encoding="utf-8"?>
+<p:sld xmlns:a="http://schemas.openxmlformats.org/drawingml/2006/main" xmlns:r="http://schemas.openxmlformats.org/officeDocument/2006/relationships" xmlns:p="http://schemas.openxmlformats.org/presentationml/2006/main">
+  <p:cSld>
+    <p:spTree>
+      <p:nvGrpSpPr>
+        <p:cNvPr id="1" name=""/>
+        <p:cNvGrpSpPr/>
+        <p:nvPr/>
+      </p:nvGrpSpPr>
+      <p:grpSpPr>
+        <a:xfrm>
+          <a:off x="0" y="0"/>
+          <a:ext cx="0" cy="0"/>
+          <a:chOff x="0" y="0"/>
+          <a:chExt cx="0" cy="0"/>
+        </a:xfrm>
+      </p:grpSpPr>
+      <p:sp>
+        <p:nvSpPr>
+          <p:cNvPr id="18434" name="Title 4"/>
+          <p:cNvSpPr>
+            <a:spLocks noGrp="1"/>
+          </p:cNvSpPr>
+          <p:nvPr>
+            <p:ph type="title"/>
+          </p:nvPr>
+        </p:nvSpPr>
+        <p:spPr/>
+        <p:txBody>
+          <a:bodyPr/>
+          <a:lstStyle/>
+          <a:p>
+            <a:pPr eaLnBrk="1" hangingPunct="1"/>
+            <a:r>
+              <a:rPr lang="en-US" dirty="0" smtClean="0"/>
+              <a:t>Service </a:t>
+            </a:r>
+            <a:r>
+              <a:rPr lang="en-US" dirty="0" err="1" smtClean="0"/>
+              <a:t>Infographic</a:t>
+            </a:r>
+            <a:r>
+              <a:rPr lang="en-US" dirty="0" smtClean="0"/>
+              <a:t> cont.</a:t>
+            </a:r>
+            <a:endParaRPr lang="en-US" sz="1800" dirty="0" smtClean="0"/>
+          </a:p>
+        </p:txBody>
+      </p:sp>
+      <p:sp>
+        <p:nvSpPr>
+          <p:cNvPr id="2" name="Date Placeholder 1"/>
+          <p:cNvSpPr>
+            <a:spLocks noGrp="1"/>
+          </p:cNvSpPr>
+          <p:nvPr>
+            <p:ph type="dt" sz="quarter" idx="10"/>
+          </p:nvPr>
+        </p:nvSpPr>
+        <p:spPr/>
+        <p:txBody>
+          <a:bodyPr/>
+          <a:lstStyle/>
+          <a:p>
+            <a:pPr>
+              <a:defRPr/>
+            </a:pPr>
+            <a:r>
+              <a:rPr lang="en-US" smtClean="0"/>
+              <a:t>The Capstone Experience</a:t>
+            </a:r>
+            <a:endParaRPr lang="en-US"/>
+          </a:p>
+        </p:txBody>
+      </p:sp>
+      <p:sp>
+        <p:nvSpPr>
+          <p:cNvPr id="3" name="Footer Placeholder 2"/>
+          <p:cNvSpPr>
+            <a:spLocks noGrp="1"/>
+          </p:cNvSpPr>
+          <p:nvPr>
+            <p:ph type="ftr" sz="quarter" idx="11"/>
+          </p:nvPr>
+        </p:nvSpPr>
+        <p:spPr/>
+        <p:txBody>
+          <a:bodyPr/>
+          <a:lstStyle/>
+          <a:p>
+            <a:pPr>
+              <a:defRPr/>
+            </a:pPr>
+            <a:r>
+              <a:rPr lang="en-US" dirty="0"/>
+              <a:t>Team </a:t>
+            </a:r>
+            <a:r>
+              <a:rPr lang="en-US" dirty="0" smtClean="0"/>
+              <a:t>Urban Science </a:t>
+            </a:r>
+            <a:r>
+              <a:rPr lang="en-US" dirty="0"/>
+              <a:t>Beta Presentation</a:t>
+            </a:r>
+          </a:p>
+        </p:txBody>
+      </p:sp>
+      <p:sp>
+        <p:nvSpPr>
+          <p:cNvPr id="4" name="Slide Number Placeholder 3"/>
+          <p:cNvSpPr>
+            <a:spLocks noGrp="1"/>
+          </p:cNvSpPr>
+          <p:nvPr>
+            <p:ph type="sldNum" sz="quarter" idx="12"/>
+          </p:nvPr>
+        </p:nvSpPr>
+        <p:spPr/>
+        <p:txBody>
+          <a:bodyPr/>
+          <a:lstStyle/>
+          <a:p>
+            <a:pPr>
+              <a:defRPr/>
+            </a:pPr>
+            <a:fld id="{8EE414D8-743B-413B-AC9E-FA6C5BAF93B7}" type="slidenum">
+              <a:rPr lang="en-US"/>
+              <a:pPr>
+                <a:defRPr/>
+              </a:pPr>
+              <a:t>11</a:t>
+            </a:fld>
+            <a:endParaRPr lang="en-US"/>
+          </a:p>
+        </p:txBody>
+      </p:sp>
+      <p:pic>
+        <p:nvPicPr>
+          <p:cNvPr id="8194" name="Picture 2" descr="C:\Users\Kevin\Desktop\Capstone\infographic-generator\documents\presentations\beta-presentation\Service2.png"/>
+          <p:cNvPicPr>
+            <a:picLocks noChangeAspect="1" noChangeArrowheads="1"/>
+          </p:cNvPicPr>
+          <p:nvPr/>
+        </p:nvPicPr>
+        <p:blipFill>
+          <a:blip r:embed="rId2" cstate="print"/>
+          <a:srcRect/>
+          <a:stretch>
+            <a:fillRect/>
+          </a:stretch>
+        </p:blipFill>
+        <p:spPr bwMode="auto">
+          <a:xfrm>
+            <a:off x="2744343" y="1679448"/>
+            <a:ext cx="3655314" cy="4873752"/>
+          </a:xfrm>
+          <a:prstGeom prst="rect">
+            <a:avLst/>
+          </a:prstGeom>
+          <a:noFill/>
+        </p:spPr>
+      </p:pic>
+    </p:spTree>
+  </p:cSld>
+  <p:clrMapOvr>
+    <a:masterClrMapping/>
+  </p:clrMapOvr>
+  <p:timing>
+    <p:tnLst>
+      <p:par>
+        <p:cTn id="1" dur="indefinite" restart="never" nodeType="tmRoot"/>
+      </p:par>
+    </p:tnLst>
+  </p:timing>
+</p:sld>
+</file>
+
+<file path=ppt/slides/slide12.xml><?xml version="1.0" encoding="utf-8"?>
+<p:sld xmlns:a="http://schemas.openxmlformats.org/drawingml/2006/main" xmlns:r="http://schemas.openxmlformats.org/officeDocument/2006/relationships" xmlns:p="http://schemas.openxmlformats.org/presentationml/2006/main">
+  <p:cSld>
+    <p:spTree>
+      <p:nvGrpSpPr>
+        <p:cNvPr id="1" name=""/>
+        <p:cNvGrpSpPr/>
+        <p:nvPr/>
+      </p:nvGrpSpPr>
+      <p:grpSpPr>
+        <a:xfrm>
+          <a:off x="0" y="0"/>
+          <a:ext cx="0" cy="0"/>
+          <a:chOff x="0" y="0"/>
+          <a:chExt cx="0" cy="0"/>
+        </a:xfrm>
+      </p:grpSpPr>
+      <p:sp>
+        <p:nvSpPr>
+          <p:cNvPr id="19458" name="Rectangle 2"/>
+          <p:cNvSpPr>
+            <a:spLocks noGrp="1" noChangeArrowheads="1"/>
+          </p:cNvSpPr>
+          <p:nvPr>
+            <p:ph type="title"/>
+          </p:nvPr>
+        </p:nvSpPr>
+        <p:spPr/>
+        <p:txBody>
+          <a:bodyPr/>
+          <a:lstStyle/>
+          <a:p>
+            <a:pPr eaLnBrk="1" hangingPunct="1"/>
+            <a:r>
               <a:rPr lang="en-US" smtClean="0"/>
               <a:t>What’s left to do?</a:t>
             </a:r>
@@ -7975,7 +7352,25 @@
             <a:pPr eaLnBrk="1" hangingPunct="1"/>
             <a:r>
               <a:rPr lang="en-US" dirty="0" smtClean="0"/>
-              <a:t>Bug Fix everything</a:t>
+              <a:t>Project Video</a:t>
+            </a:r>
+          </a:p>
+          <a:p>
+            <a:pPr eaLnBrk="1" hangingPunct="1"/>
+            <a:r>
+              <a:rPr lang="en-US" dirty="0" smtClean="0"/>
+              <a:t>Project Plan </a:t>
+            </a:r>
+            <a:r>
+              <a:rPr lang="en-US" dirty="0" smtClean="0"/>
+              <a:t>Document</a:t>
+            </a:r>
+          </a:p>
+          <a:p>
+            <a:pPr eaLnBrk="1" hangingPunct="1"/>
+            <a:r>
+              <a:rPr lang="en-US" dirty="0" smtClean="0"/>
+              <a:t>Documentation Of Code</a:t>
             </a:r>
           </a:p>
           <a:p>
@@ -7990,39 +7385,23 @@
             </a:r>
             <a:r>
               <a:rPr lang="en-US" dirty="0" smtClean="0"/>
-              <a:t> bugs</a:t>
-            </a:r>
+              <a:t> </a:t>
+            </a:r>
+            <a:r>
+              <a:rPr lang="en-US" dirty="0" smtClean="0"/>
+              <a:t>Bugs</a:t>
+            </a:r>
+            <a:endParaRPr lang="en-US" dirty="0" smtClean="0"/>
           </a:p>
           <a:p>
             <a:pPr eaLnBrk="1" hangingPunct="1"/>
             <a:r>
               <a:rPr lang="en-US" dirty="0" smtClean="0"/>
-              <a:t>Documentation of code</a:t>
-            </a:r>
-          </a:p>
-          <a:p>
-            <a:pPr eaLnBrk="1" hangingPunct="1"/>
+              <a:t>Popup Close Causes </a:t>
+            </a:r>
             <a:r>
               <a:rPr lang="en-US" dirty="0" smtClean="0"/>
-              <a:t>Project Video</a:t>
-            </a:r>
-          </a:p>
-          <a:p>
-            <a:pPr eaLnBrk="1" hangingPunct="1"/>
-            <a:r>
-              <a:rPr lang="en-US" dirty="0" smtClean="0"/>
-              <a:t>Project Plan </a:t>
-            </a:r>
-            <a:r>
-              <a:rPr lang="en-US" dirty="0" smtClean="0"/>
-              <a:t>Document</a:t>
-            </a:r>
-          </a:p>
-          <a:p>
-            <a:pPr eaLnBrk="1" hangingPunct="1"/>
-            <a:r>
-              <a:rPr lang="en-US" dirty="0" smtClean="0"/>
-              <a:t>Popup close causes Swipe Gesture</a:t>
+              <a:t>Swipe Gesture</a:t>
             </a:r>
           </a:p>
           <a:p>
@@ -8033,11 +7412,19 @@
             </a:r>
             <a:r>
               <a:rPr lang="en-US" dirty="0" err="1" smtClean="0"/>
-              <a:t>infographic</a:t>
-            </a:r>
-            <a:r>
-              <a:rPr lang="en-US" smtClean="0"/>
-              <a:t> orientation issue</a:t>
+              <a:t>Infographic</a:t>
+            </a:r>
+            <a:r>
+              <a:rPr lang="en-US" dirty="0" smtClean="0"/>
+              <a:t> Orientation </a:t>
+            </a:r>
+            <a:r>
+              <a:rPr lang="en-US" dirty="0" smtClean="0"/>
+              <a:t>I</a:t>
+            </a:r>
+            <a:r>
+              <a:rPr lang="en-US" dirty="0" smtClean="0"/>
+              <a:t>ssue</a:t>
             </a:r>
             <a:endParaRPr lang="en-US" dirty="0" smtClean="0"/>
           </a:p>
@@ -8133,7 +7520,7 @@
               <a:pPr>
                 <a:defRPr/>
               </a:pPr>
-              <a:t>10</a:t>
+              <a:t>12</a:t>
             </a:fld>
             <a:endParaRPr lang="en-US"/>
           </a:p>
@@ -8173,7 +7560,7 @@
       </p:grpSpPr>
       <p:sp>
         <p:nvSpPr>
-          <p:cNvPr id="11266" name="Title 1"/>
+          <p:cNvPr id="13314" name="Title 1"/>
           <p:cNvSpPr>
             <a:spLocks noGrp="1"/>
           </p:cNvSpPr>
@@ -8188,228 +7575,20 @@
           <a:p>
             <a:pPr eaLnBrk="1" hangingPunct="1"/>
             <a:r>
-              <a:rPr lang="en-US" smtClean="0"/>
-              <a:t>Read Me (Delete this slide.)	</a:t>
-            </a:r>
-            <a:r>
-              <a:rPr lang="en-US" sz="2000" smtClean="0"/>
-              <a:t>(2 of 2)</a:t>
-            </a:r>
-          </a:p>
-        </p:txBody>
-      </p:sp>
-      <p:sp>
-        <p:nvSpPr>
-          <p:cNvPr id="3075" name="Content Placeholder 2"/>
+              <a:rPr lang="en-US" dirty="0" smtClean="0"/>
+              <a:t>Project Overview</a:t>
+            </a:r>
+          </a:p>
+        </p:txBody>
+      </p:sp>
+      <p:sp>
+        <p:nvSpPr>
+          <p:cNvPr id="13315" name="Content Placeholder 2"/>
           <p:cNvSpPr>
             <a:spLocks noGrp="1"/>
           </p:cNvSpPr>
           <p:nvPr>
             <p:ph idx="1"/>
-          </p:nvPr>
-        </p:nvSpPr>
-        <p:spPr>
-          <a:xfrm>
-            <a:off x="457200" y="1600200"/>
-            <a:ext cx="8229600" cy="3352800"/>
-          </a:xfrm>
-        </p:spPr>
-        <p:txBody>
-          <a:bodyPr rtlCol="0">
-            <a:normAutofit fontScale="47500" lnSpcReduction="20000"/>
-          </a:bodyPr>
-          <a:lstStyle/>
-          <a:p>
-            <a:pPr eaLnBrk="1" fontAlgn="auto" hangingPunct="1">
-              <a:spcAft>
-                <a:spcPts val="0"/>
-              </a:spcAft>
-              <a:buFont typeface="Arial" pitchFamily="34" charset="0"/>
-              <a:buChar char="•"/>
-              <a:defRPr/>
-            </a:pPr>
-            <a:r>
-              <a:rPr lang="en-US" dirty="0" smtClean="0"/>
-              <a:t>Required Template</a:t>
-            </a:r>
-          </a:p>
-          <a:p>
-            <a:pPr lvl="1" eaLnBrk="1" fontAlgn="auto" hangingPunct="1">
-              <a:spcAft>
-                <a:spcPts val="0"/>
-              </a:spcAft>
-              <a:defRPr/>
-            </a:pPr>
-            <a:r>
-              <a:rPr lang="en-US" dirty="0" smtClean="0"/>
-              <a:t>Do not edit the Slide Masters.</a:t>
-            </a:r>
-          </a:p>
-          <a:p>
-            <a:pPr lvl="1" eaLnBrk="1" fontAlgn="auto" hangingPunct="1">
-              <a:spcAft>
-                <a:spcPts val="0"/>
-              </a:spcAft>
-              <a:defRPr/>
-            </a:pPr>
-            <a:r>
-              <a:rPr lang="en-US" dirty="0" smtClean="0"/>
-              <a:t>Edit the slide center footer (Insert &gt; Header &amp; Footer), changing &lt;Company Name&gt; in the footer to your company name.</a:t>
-            </a:r>
-          </a:p>
-          <a:p>
-            <a:pPr lvl="1" eaLnBrk="1" fontAlgn="auto" hangingPunct="1">
-              <a:spcAft>
-                <a:spcPts val="0"/>
-              </a:spcAft>
-              <a:defRPr/>
-            </a:pPr>
-            <a:r>
-              <a:rPr lang="en-US" dirty="0" smtClean="0"/>
-              <a:t>Edit the Handout Master (6 Slides Per Page) as follows.</a:t>
-            </a:r>
-          </a:p>
-          <a:p>
-            <a:pPr lvl="2" eaLnBrk="1" fontAlgn="auto" hangingPunct="1">
-              <a:spcAft>
-                <a:spcPts val="0"/>
-              </a:spcAft>
-              <a:defRPr/>
-            </a:pPr>
-            <a:r>
-              <a:rPr lang="en-US" dirty="0" smtClean="0"/>
-              <a:t>In the left header, change &lt;Company Name&gt; to your company name.</a:t>
-            </a:r>
-          </a:p>
-          <a:p>
-            <a:pPr lvl="2" eaLnBrk="1" fontAlgn="auto" hangingPunct="1">
-              <a:spcAft>
-                <a:spcPts val="0"/>
-              </a:spcAft>
-              <a:defRPr/>
-            </a:pPr>
-            <a:r>
-              <a:rPr lang="en-US" dirty="0" smtClean="0"/>
-              <a:t>In the right footer, change &lt;Project Title&gt; to your project title.</a:t>
-            </a:r>
-          </a:p>
-          <a:p>
-            <a:pPr lvl="1" eaLnBrk="1" fontAlgn="auto" hangingPunct="1">
-              <a:spcAft>
-                <a:spcPts val="0"/>
-              </a:spcAft>
-              <a:defRPr/>
-            </a:pPr>
-            <a:r>
-              <a:rPr lang="en-US" dirty="0" smtClean="0"/>
-              <a:t>Do not change the organization of slides. </a:t>
-            </a:r>
-          </a:p>
-          <a:p>
-            <a:pPr eaLnBrk="1" fontAlgn="auto" hangingPunct="1">
-              <a:spcAft>
-                <a:spcPts val="0"/>
-              </a:spcAft>
-              <a:buFont typeface="Arial" pitchFamily="34" charset="0"/>
-              <a:buChar char="•"/>
-              <a:defRPr/>
-            </a:pPr>
-            <a:r>
-              <a:rPr lang="en-US" dirty="0" smtClean="0"/>
-              <a:t>Submission</a:t>
-            </a:r>
-          </a:p>
-          <a:p>
-            <a:pPr lvl="1" eaLnBrk="1" fontAlgn="auto" hangingPunct="1">
-              <a:spcAft>
-                <a:spcPts val="0"/>
-              </a:spcAft>
-              <a:defRPr/>
-            </a:pPr>
-            <a:r>
-              <a:rPr lang="en-US" dirty="0" smtClean="0"/>
-              <a:t>Although the presentations are scheduled over the course of four meetings, all teams must be prepared to present on the first day scheduled, Monday, November 7.</a:t>
-            </a:r>
-          </a:p>
-          <a:p>
-            <a:pPr lvl="1" eaLnBrk="1" fontAlgn="auto" hangingPunct="1">
-              <a:spcAft>
-                <a:spcPts val="0"/>
-              </a:spcAft>
-              <a:defRPr/>
-            </a:pPr>
-            <a:r>
-              <a:rPr lang="en-US" dirty="0" smtClean="0"/>
-              <a:t>The order of the presentations will be posted on our </a:t>
-            </a:r>
-            <a:r>
-              <a:rPr lang="en-US" dirty="0" smtClean="0">
-                <a:hlinkClick r:id="rId2"/>
-              </a:rPr>
-              <a:t>All-Hands Meetings</a:t>
-            </a:r>
-            <a:r>
-              <a:rPr lang="en-US" dirty="0" smtClean="0"/>
-              <a:t> page in the evening of the day before the first day scheduled for presentations.</a:t>
-            </a:r>
-          </a:p>
-          <a:p>
-            <a:pPr lvl="1" eaLnBrk="1" fontAlgn="auto" hangingPunct="1">
-              <a:spcAft>
-                <a:spcPts val="0"/>
-              </a:spcAft>
-              <a:defRPr/>
-            </a:pPr>
-            <a:r>
-              <a:rPr lang="en-US" dirty="0" smtClean="0"/>
-              <a:t>Email your presentation to </a:t>
-            </a:r>
-            <a:r>
-              <a:rPr lang="en-US" dirty="0" smtClean="0">
-                <a:hlinkClick r:id="rId3"/>
-              </a:rPr>
-              <a:t>Dr. D.</a:t>
-            </a:r>
-            <a:r>
-              <a:rPr lang="en-US" dirty="0" smtClean="0"/>
-              <a:t> by midnight, Sunday, April 1.</a:t>
-            </a:r>
-          </a:p>
-          <a:p>
-            <a:pPr lvl="1" eaLnBrk="1" fontAlgn="auto" hangingPunct="1">
-              <a:spcAft>
-                <a:spcPts val="0"/>
-              </a:spcAft>
-              <a:defRPr/>
-            </a:pPr>
-            <a:r>
-              <a:rPr lang="en-US" dirty="0" smtClean="0"/>
-              <a:t>For subject, use “Team  &lt;Company Name&gt;: Beta Presentation” as in “Team Boeing: Beta Presentation”.</a:t>
-            </a:r>
-          </a:p>
-          <a:p>
-            <a:pPr lvl="1" eaLnBrk="1" fontAlgn="auto" hangingPunct="1">
-              <a:spcAft>
-                <a:spcPts val="0"/>
-              </a:spcAft>
-              <a:defRPr/>
-            </a:pPr>
-            <a:r>
-              <a:rPr lang="en-US" dirty="0" smtClean="0"/>
-              <a:t>Attach the PowerPoint source file named “team-&lt;company-name&gt;-beta-presentation.ppt” as in “team-urban-science-beta-presentation.ppt”.</a:t>
-            </a:r>
-            <a:endParaRPr lang="en-US" dirty="0"/>
-          </a:p>
-        </p:txBody>
-      </p:sp>
-      <p:sp>
-        <p:nvSpPr>
-          <p:cNvPr id="4" name="Date Placeholder 3"/>
-          <p:cNvSpPr>
-            <a:spLocks noGrp="1"/>
-          </p:cNvSpPr>
-          <p:nvPr>
-            <p:ph type="dt" sz="quarter" idx="10"/>
           </p:nvPr>
         </p:nvSpPr>
         <p:spPr/>
@@ -8417,6 +7596,60 @@
           <a:bodyPr/>
           <a:lstStyle/>
           <a:p>
+            <a:r>
+              <a:rPr lang="en-US" dirty="0" smtClean="0"/>
+              <a:t>Web App With </a:t>
+            </a:r>
+            <a:r>
+              <a:rPr lang="en-US" dirty="0" err="1" smtClean="0"/>
+              <a:t>Infographics</a:t>
+            </a:r>
+            <a:endParaRPr lang="en-US" dirty="0" smtClean="0"/>
+          </a:p>
+          <a:p>
+            <a:r>
+              <a:rPr lang="en-US" dirty="0" smtClean="0"/>
+              <a:t>Display Information On Vehicle Sales, Service And Lead Management </a:t>
+            </a:r>
+          </a:p>
+          <a:p>
+            <a:r>
+              <a:rPr lang="en-US" dirty="0" smtClean="0"/>
+              <a:t>Convey Information To OEM’s</a:t>
+            </a:r>
+          </a:p>
+          <a:p>
+            <a:r>
+              <a:rPr lang="en-US" dirty="0" smtClean="0"/>
+              <a:t>Building Custom Library To Generate Elements Of The </a:t>
+            </a:r>
+            <a:r>
+              <a:rPr lang="en-US" dirty="0" err="1" smtClean="0"/>
+              <a:t>Infographic</a:t>
+            </a:r>
+            <a:endParaRPr lang="en-US" dirty="0" smtClean="0"/>
+          </a:p>
+          <a:p>
+            <a:pPr eaLnBrk="1" hangingPunct="1"/>
+            <a:endParaRPr lang="en-US" dirty="0" smtClean="0"/>
+          </a:p>
+        </p:txBody>
+      </p:sp>
+      <p:sp>
+        <p:nvSpPr>
+          <p:cNvPr id="5" name="Date Placeholder 4"/>
+          <p:cNvSpPr>
+            <a:spLocks noGrp="1"/>
+          </p:cNvSpPr>
+          <p:nvPr>
+            <p:ph type="dt" sz="quarter" idx="10"/>
+          </p:nvPr>
+        </p:nvSpPr>
+        <p:spPr/>
+        <p:txBody>
+          <a:bodyPr/>
+          <a:lstStyle/>
+          <a:p>
             <a:pPr>
               <a:defRPr/>
             </a:pPr>
@@ -8430,7 +7663,7 @@
       </p:sp>
       <p:sp>
         <p:nvSpPr>
-          <p:cNvPr id="5" name="Footer Placeholder 4"/>
+          <p:cNvPr id="6" name="Footer Placeholder 5"/>
           <p:cNvSpPr>
             <a:spLocks noGrp="1"/>
           </p:cNvSpPr>
@@ -8447,12 +7680,8 @@
               <a:defRPr/>
             </a:pPr>
             <a:r>
-              <a:rPr lang="en-US" dirty="0"/>
-              <a:t>Team </a:t>
-            </a:r>
-            <a:r>
               <a:rPr lang="en-US" dirty="0" smtClean="0"/>
-              <a:t>Urban Science </a:t>
+              <a:t>Team Urban Science </a:t>
             </a:r>
             <a:r>
               <a:rPr lang="en-US" dirty="0"/>
@@ -8463,7 +7692,7 @@
       </p:sp>
       <p:sp>
         <p:nvSpPr>
-          <p:cNvPr id="6" name="Slide Number Placeholder 5"/>
+          <p:cNvPr id="16" name="Slide Number Placeholder 15"/>
           <p:cNvSpPr>
             <a:spLocks noGrp="1"/>
           </p:cNvSpPr>
@@ -8479,7 +7708,7 @@
             <a:pPr>
               <a:defRPr/>
             </a:pPr>
-            <a:fld id="{395E3ED8-6FED-43AD-94AC-80A8089FEF84}" type="slidenum">
+            <a:fld id="{8C3D5338-3A35-4558-A185-8AE1FF4A5C73}" type="slidenum">
               <a:rPr lang="en-US"/>
               <a:pPr>
                 <a:defRPr/>
@@ -8524,400 +7753,6 @@
       </p:grpSpPr>
       <p:sp>
         <p:nvSpPr>
-          <p:cNvPr id="12290" name="Rectangle 2"/>
-          <p:cNvSpPr>
-            <a:spLocks noGrp="1" noChangeArrowheads="1"/>
-          </p:cNvSpPr>
-          <p:nvPr>
-            <p:ph type="ctrTitle"/>
-          </p:nvPr>
-        </p:nvSpPr>
-        <p:spPr>
-          <a:xfrm>
-            <a:off x="700088" y="1676400"/>
-            <a:ext cx="7772400" cy="1470025"/>
-          </a:xfrm>
-        </p:spPr>
-        <p:txBody>
-          <a:bodyPr/>
-          <a:lstStyle/>
-          <a:p>
-            <a:pPr eaLnBrk="1" hangingPunct="1"/>
-            <a:r>
-              <a:rPr lang="en-US" dirty="0" smtClean="0"/>
-              <a:t>Beta Presentation</a:t>
-            </a:r>
-            <a:br>
-              <a:rPr lang="en-US" dirty="0" smtClean="0"/>
-            </a:br>
-            <a:r>
-              <a:rPr lang="en-US" sz="3600" dirty="0" err="1" smtClean="0"/>
-              <a:t>Infographics</a:t>
-            </a:r>
-            <a:r>
-              <a:rPr lang="en-US" sz="3600" dirty="0" smtClean="0"/>
-              <a:t> Generator</a:t>
-            </a:r>
-          </a:p>
-        </p:txBody>
-      </p:sp>
-      <p:sp>
-        <p:nvSpPr>
-          <p:cNvPr id="12291" name="Subtitle 2"/>
-          <p:cNvSpPr>
-            <a:spLocks noGrp="1"/>
-          </p:cNvSpPr>
-          <p:nvPr>
-            <p:ph type="subTitle" idx="1"/>
-          </p:nvPr>
-        </p:nvSpPr>
-        <p:spPr>
-          <a:xfrm>
-            <a:off x="2071688" y="3962400"/>
-            <a:ext cx="6400800" cy="2362200"/>
-          </a:xfrm>
-        </p:spPr>
-        <p:txBody>
-          <a:bodyPr/>
-          <a:lstStyle/>
-          <a:p>
-            <a:pPr eaLnBrk="1" hangingPunct="1">
-              <a:spcBef>
-                <a:spcPct val="0"/>
-              </a:spcBef>
-            </a:pPr>
-            <a:r>
-              <a:rPr lang="en-US" sz="2400" dirty="0" smtClean="0">
-                <a:solidFill>
-                  <a:srgbClr val="18453B"/>
-                </a:solidFill>
-              </a:rPr>
-              <a:t>Team Urban Science</a:t>
-            </a:r>
-          </a:p>
-          <a:p>
-            <a:pPr eaLnBrk="1" hangingPunct="1">
-              <a:spcBef>
-                <a:spcPct val="0"/>
-              </a:spcBef>
-            </a:pPr>
-            <a:r>
-              <a:rPr lang="en-US" dirty="0" smtClean="0">
-                <a:solidFill>
-                  <a:srgbClr val="18453B"/>
-                </a:solidFill>
-              </a:rPr>
-              <a:t>Peter Chen</a:t>
-            </a:r>
-          </a:p>
-          <a:p>
-            <a:pPr eaLnBrk="1" hangingPunct="1">
-              <a:spcBef>
-                <a:spcPct val="0"/>
-              </a:spcBef>
-            </a:pPr>
-            <a:r>
-              <a:rPr lang="en-US" dirty="0" smtClean="0">
-                <a:solidFill>
-                  <a:srgbClr val="18453B"/>
-                </a:solidFill>
-              </a:rPr>
-              <a:t>Lok Cheung</a:t>
-            </a:r>
-          </a:p>
-          <a:p>
-            <a:pPr eaLnBrk="1" hangingPunct="1">
-              <a:spcBef>
-                <a:spcPct val="0"/>
-              </a:spcBef>
-            </a:pPr>
-            <a:r>
-              <a:rPr lang="en-US" dirty="0" smtClean="0">
-                <a:solidFill>
-                  <a:srgbClr val="18453B"/>
-                </a:solidFill>
-              </a:rPr>
-              <a:t>Louis Bodnar</a:t>
-            </a:r>
-          </a:p>
-          <a:p>
-            <a:pPr eaLnBrk="1" hangingPunct="1">
-              <a:spcBef>
-                <a:spcPct val="0"/>
-              </a:spcBef>
-            </a:pPr>
-            <a:r>
-              <a:rPr lang="en-US" dirty="0" smtClean="0">
-                <a:solidFill>
-                  <a:srgbClr val="18453B"/>
-                </a:solidFill>
-              </a:rPr>
-              <a:t>Kevin Shreve</a:t>
-            </a:r>
-          </a:p>
-          <a:p>
-            <a:pPr eaLnBrk="1" hangingPunct="1">
-              <a:spcBef>
-                <a:spcPts val="600"/>
-              </a:spcBef>
-            </a:pPr>
-            <a:r>
-              <a:rPr lang="en-US" dirty="0" smtClean="0"/>
-              <a:t>Department of Computer Science and Engineering</a:t>
-            </a:r>
-          </a:p>
-          <a:p>
-            <a:pPr eaLnBrk="1" hangingPunct="1">
-              <a:spcBef>
-                <a:spcPct val="0"/>
-              </a:spcBef>
-            </a:pPr>
-            <a:r>
-              <a:rPr lang="en-US" dirty="0" smtClean="0"/>
-              <a:t>Michigan State University</a:t>
-            </a:r>
-          </a:p>
-          <a:p>
-            <a:pPr eaLnBrk="1" hangingPunct="1">
-              <a:spcBef>
-                <a:spcPts val="600"/>
-              </a:spcBef>
-            </a:pPr>
-            <a:r>
-              <a:rPr lang="en-US" dirty="0" smtClean="0"/>
-              <a:t>Spring 2012</a:t>
-            </a:r>
-          </a:p>
-        </p:txBody>
-      </p:sp>
-    </p:spTree>
-  </p:cSld>
-  <p:clrMapOvr>
-    <a:masterClrMapping/>
-  </p:clrMapOvr>
-  <p:transition/>
-  <p:timing>
-    <p:tnLst>
-      <p:par>
-        <p:cTn id="1" dur="indefinite" restart="never" nodeType="tmRoot"/>
-      </p:par>
-    </p:tnLst>
-  </p:timing>
-</p:sld>
-</file>
-
-<file path=ppt/slides/slide4.xml><?xml version="1.0" encoding="utf-8"?>
-<p:sld xmlns:a="http://schemas.openxmlformats.org/drawingml/2006/main" xmlns:r="http://schemas.openxmlformats.org/officeDocument/2006/relationships" xmlns:p="http://schemas.openxmlformats.org/presentationml/2006/main">
-  <p:cSld>
-    <p:spTree>
-      <p:nvGrpSpPr>
-        <p:cNvPr id="1" name=""/>
-        <p:cNvGrpSpPr/>
-        <p:nvPr/>
-      </p:nvGrpSpPr>
-      <p:grpSpPr>
-        <a:xfrm>
-          <a:off x="0" y="0"/>
-          <a:ext cx="0" cy="0"/>
-          <a:chOff x="0" y="0"/>
-          <a:chExt cx="0" cy="0"/>
-        </a:xfrm>
-      </p:grpSpPr>
-      <p:sp>
-        <p:nvSpPr>
-          <p:cNvPr id="13314" name="Title 1"/>
-          <p:cNvSpPr>
-            <a:spLocks noGrp="1"/>
-          </p:cNvSpPr>
-          <p:nvPr>
-            <p:ph type="title"/>
-          </p:nvPr>
-        </p:nvSpPr>
-        <p:spPr/>
-        <p:txBody>
-          <a:bodyPr/>
-          <a:lstStyle/>
-          <a:p>
-            <a:pPr eaLnBrk="1" hangingPunct="1"/>
-            <a:r>
-              <a:rPr lang="en-US" dirty="0" smtClean="0"/>
-              <a:t>Project Overview</a:t>
-            </a:r>
-          </a:p>
-        </p:txBody>
-      </p:sp>
-      <p:sp>
-        <p:nvSpPr>
-          <p:cNvPr id="13315" name="Content Placeholder 2"/>
-          <p:cNvSpPr>
-            <a:spLocks noGrp="1"/>
-          </p:cNvSpPr>
-          <p:nvPr>
-            <p:ph idx="1"/>
-          </p:nvPr>
-        </p:nvSpPr>
-        <p:spPr/>
-        <p:txBody>
-          <a:bodyPr/>
-          <a:lstStyle/>
-          <a:p>
-            <a:r>
-              <a:rPr lang="en-US" dirty="0" smtClean="0"/>
-              <a:t>Web App With </a:t>
-            </a:r>
-            <a:r>
-              <a:rPr lang="en-US" dirty="0" err="1" smtClean="0"/>
-              <a:t>Infographics</a:t>
-            </a:r>
-            <a:endParaRPr lang="en-US" dirty="0" smtClean="0"/>
-          </a:p>
-          <a:p>
-            <a:r>
-              <a:rPr lang="en-US" dirty="0" smtClean="0"/>
-              <a:t>Display Information On Vehicle Sales, Service And Lead Management </a:t>
-            </a:r>
-          </a:p>
-          <a:p>
-            <a:r>
-              <a:rPr lang="en-US" dirty="0" smtClean="0"/>
-              <a:t>Convey Information To OEM’s</a:t>
-            </a:r>
-          </a:p>
-          <a:p>
-            <a:r>
-              <a:rPr lang="en-US" dirty="0" smtClean="0"/>
-              <a:t>Building Custom Library To Generate Elements Of The </a:t>
-            </a:r>
-            <a:r>
-              <a:rPr lang="en-US" dirty="0" err="1" smtClean="0"/>
-              <a:t>Infographic</a:t>
-            </a:r>
-            <a:endParaRPr lang="en-US" dirty="0" smtClean="0"/>
-          </a:p>
-          <a:p>
-            <a:pPr eaLnBrk="1" hangingPunct="1"/>
-            <a:endParaRPr lang="en-US" dirty="0" smtClean="0"/>
-          </a:p>
-        </p:txBody>
-      </p:sp>
-      <p:sp>
-        <p:nvSpPr>
-          <p:cNvPr id="5" name="Date Placeholder 4"/>
-          <p:cNvSpPr>
-            <a:spLocks noGrp="1"/>
-          </p:cNvSpPr>
-          <p:nvPr>
-            <p:ph type="dt" sz="quarter" idx="10"/>
-          </p:nvPr>
-        </p:nvSpPr>
-        <p:spPr/>
-        <p:txBody>
-          <a:bodyPr/>
-          <a:lstStyle/>
-          <a:p>
-            <a:pPr>
-              <a:defRPr/>
-            </a:pPr>
-            <a:r>
-              <a:rPr lang="en-US" smtClean="0"/>
-              <a:t>The Capstone Experience</a:t>
-            </a:r>
-            <a:endParaRPr lang="en-US"/>
-          </a:p>
-        </p:txBody>
-      </p:sp>
-      <p:sp>
-        <p:nvSpPr>
-          <p:cNvPr id="6" name="Footer Placeholder 5"/>
-          <p:cNvSpPr>
-            <a:spLocks noGrp="1"/>
-          </p:cNvSpPr>
-          <p:nvPr>
-            <p:ph type="ftr" sz="quarter" idx="11"/>
-          </p:nvPr>
-        </p:nvSpPr>
-        <p:spPr/>
-        <p:txBody>
-          <a:bodyPr/>
-          <a:lstStyle/>
-          <a:p>
-            <a:pPr>
-              <a:defRPr/>
-            </a:pPr>
-            <a:r>
-              <a:rPr lang="en-US" dirty="0" smtClean="0"/>
-              <a:t>Team Urban Science </a:t>
-            </a:r>
-            <a:r>
-              <a:rPr lang="en-US" dirty="0"/>
-              <a:t>Beta Presentation</a:t>
-            </a:r>
-          </a:p>
-        </p:txBody>
-      </p:sp>
-      <p:sp>
-        <p:nvSpPr>
-          <p:cNvPr id="16" name="Slide Number Placeholder 15"/>
-          <p:cNvSpPr>
-            <a:spLocks noGrp="1"/>
-          </p:cNvSpPr>
-          <p:nvPr>
-            <p:ph type="sldNum" sz="quarter" idx="12"/>
-          </p:nvPr>
-        </p:nvSpPr>
-        <p:spPr/>
-        <p:txBody>
-          <a:bodyPr/>
-          <a:lstStyle/>
-          <a:p>
-            <a:pPr>
-              <a:defRPr/>
-            </a:pPr>
-            <a:fld id="{8C3D5338-3A35-4558-A185-8AE1FF4A5C73}" type="slidenum">
-              <a:rPr lang="en-US"/>
-              <a:pPr>
-                <a:defRPr/>
-              </a:pPr>
-              <a:t>4</a:t>
-            </a:fld>
-            <a:endParaRPr lang="en-US"/>
-          </a:p>
-        </p:txBody>
-      </p:sp>
-    </p:spTree>
-  </p:cSld>
-  <p:clrMapOvr>
-    <a:masterClrMapping/>
-  </p:clrMapOvr>
-  <p:timing>
-    <p:tnLst>
-      <p:par>
-        <p:cTn id="1" dur="indefinite" restart="never" nodeType="tmRoot"/>
-      </p:par>
-    </p:tnLst>
-  </p:timing>
-</p:sld>
-</file>
-
-<file path=ppt/slides/slide5.xml><?xml version="1.0" encoding="utf-8"?>
-<p:sld xmlns:a="http://schemas.openxmlformats.org/drawingml/2006/main" xmlns:r="http://schemas.openxmlformats.org/officeDocument/2006/relationships" xmlns:p="http://schemas.openxmlformats.org/presentationml/2006/main">
-  <p:cSld>
-    <p:spTree>
-      <p:nvGrpSpPr>
-        <p:cNvPr id="1" name=""/>
-        <p:cNvGrpSpPr/>
-        <p:nvPr/>
-      </p:nvGrpSpPr>
-      <p:grpSpPr>
-        <a:xfrm>
-          <a:off x="0" y="0"/>
-          <a:ext cx="0" cy="0"/>
-          <a:chOff x="0" y="0"/>
-          <a:chExt cx="0" cy="0"/>
-        </a:xfrm>
-      </p:grpSpPr>
-      <p:sp>
-        <p:nvSpPr>
           <p:cNvPr id="14338" name="Rectangle 2"/>
           <p:cNvSpPr>
             <a:spLocks noGrp="1" noChangeArrowheads="1"/>
@@ -9021,7 +7856,7 @@
               <a:pPr>
                 <a:defRPr/>
               </a:pPr>
-              <a:t>5</a:t>
+              <a:t>3</a:t>
             </a:fld>
             <a:endParaRPr lang="en-US"/>
           </a:p>
@@ -9068,6 +7903,354 @@
 </p:sld>
 </file>
 
+<file path=ppt/slides/slide4.xml><?xml version="1.0" encoding="utf-8"?>
+<p:sld xmlns:a="http://schemas.openxmlformats.org/drawingml/2006/main" xmlns:r="http://schemas.openxmlformats.org/officeDocument/2006/relationships" xmlns:p="http://schemas.openxmlformats.org/presentationml/2006/main">
+  <p:cSld>
+    <p:spTree>
+      <p:nvGrpSpPr>
+        <p:cNvPr id="1" name=""/>
+        <p:cNvGrpSpPr/>
+        <p:nvPr/>
+      </p:nvGrpSpPr>
+      <p:grpSpPr>
+        <a:xfrm>
+          <a:off x="0" y="0"/>
+          <a:ext cx="0" cy="0"/>
+          <a:chOff x="0" y="0"/>
+          <a:chExt cx="0" cy="0"/>
+        </a:xfrm>
+      </p:grpSpPr>
+      <p:sp>
+        <p:nvSpPr>
+          <p:cNvPr id="15362" name="Title 4"/>
+          <p:cNvSpPr>
+            <a:spLocks noGrp="1"/>
+          </p:cNvSpPr>
+          <p:nvPr>
+            <p:ph type="title"/>
+          </p:nvPr>
+        </p:nvSpPr>
+        <p:spPr/>
+        <p:txBody>
+          <a:bodyPr/>
+          <a:lstStyle/>
+          <a:p>
+            <a:pPr eaLnBrk="1" hangingPunct="1"/>
+            <a:r>
+              <a:rPr lang="en-US" dirty="0" smtClean="0"/>
+              <a:t>Home </a:t>
+            </a:r>
+            <a:r>
+              <a:rPr lang="en-US" dirty="0" smtClean="0"/>
+              <a:t>Page (Portrait)</a:t>
+            </a:r>
+            <a:endParaRPr lang="en-US" sz="1800" dirty="0" smtClean="0"/>
+          </a:p>
+        </p:txBody>
+      </p:sp>
+      <p:sp>
+        <p:nvSpPr>
+          <p:cNvPr id="2" name="Date Placeholder 1"/>
+          <p:cNvSpPr>
+            <a:spLocks noGrp="1"/>
+          </p:cNvSpPr>
+          <p:nvPr>
+            <p:ph type="dt" sz="quarter" idx="10"/>
+          </p:nvPr>
+        </p:nvSpPr>
+        <p:spPr/>
+        <p:txBody>
+          <a:bodyPr/>
+          <a:lstStyle/>
+          <a:p>
+            <a:pPr>
+              <a:defRPr/>
+            </a:pPr>
+            <a:r>
+              <a:rPr lang="en-US" smtClean="0"/>
+              <a:t>The Capstone Experience</a:t>
+            </a:r>
+            <a:endParaRPr lang="en-US"/>
+          </a:p>
+        </p:txBody>
+      </p:sp>
+      <p:sp>
+        <p:nvSpPr>
+          <p:cNvPr id="3" name="Footer Placeholder 2"/>
+          <p:cNvSpPr>
+            <a:spLocks noGrp="1"/>
+          </p:cNvSpPr>
+          <p:nvPr>
+            <p:ph type="ftr" sz="quarter" idx="11"/>
+          </p:nvPr>
+        </p:nvSpPr>
+        <p:spPr/>
+        <p:txBody>
+          <a:bodyPr/>
+          <a:lstStyle/>
+          <a:p>
+            <a:pPr>
+              <a:defRPr/>
+            </a:pPr>
+            <a:r>
+              <a:rPr lang="en-US" dirty="0"/>
+              <a:t>Team </a:t>
+            </a:r>
+            <a:r>
+              <a:rPr lang="en-US" dirty="0" smtClean="0"/>
+              <a:t>Urban Science </a:t>
+            </a:r>
+            <a:r>
+              <a:rPr lang="en-US" dirty="0"/>
+              <a:t>Beta Presentation</a:t>
+            </a:r>
+          </a:p>
+        </p:txBody>
+      </p:sp>
+      <p:sp>
+        <p:nvSpPr>
+          <p:cNvPr id="4" name="Slide Number Placeholder 3"/>
+          <p:cNvSpPr>
+            <a:spLocks noGrp="1"/>
+          </p:cNvSpPr>
+          <p:nvPr>
+            <p:ph type="sldNum" sz="quarter" idx="12"/>
+          </p:nvPr>
+        </p:nvSpPr>
+        <p:spPr/>
+        <p:txBody>
+          <a:bodyPr/>
+          <a:lstStyle/>
+          <a:p>
+            <a:pPr>
+              <a:defRPr/>
+            </a:pPr>
+            <a:fld id="{FD7C155D-50DE-408C-98EC-87279C4F206A}" type="slidenum">
+              <a:rPr lang="en-US"/>
+              <a:pPr>
+                <a:defRPr/>
+              </a:pPr>
+              <a:t>4</a:t>
+            </a:fld>
+            <a:endParaRPr lang="en-US"/>
+          </a:p>
+        </p:txBody>
+      </p:sp>
+      <p:pic>
+        <p:nvPicPr>
+          <p:cNvPr id="1026" name="Picture 2" descr="C:\Users\Kevin\Desktop\Capstone\infographic-generator\documents\presentations\beta-presentation\Index Portrait.png"/>
+          <p:cNvPicPr>
+            <a:picLocks noChangeAspect="1" noChangeArrowheads="1"/>
+          </p:cNvPicPr>
+          <p:nvPr/>
+        </p:nvPicPr>
+        <p:blipFill>
+          <a:blip r:embed="rId2" cstate="print"/>
+          <a:srcRect/>
+          <a:stretch>
+            <a:fillRect/>
+          </a:stretch>
+        </p:blipFill>
+        <p:spPr bwMode="auto">
+          <a:xfrm>
+            <a:off x="2743200" y="1676400"/>
+            <a:ext cx="3657600" cy="4876800"/>
+          </a:xfrm>
+          <a:prstGeom prst="rect">
+            <a:avLst/>
+          </a:prstGeom>
+          <a:noFill/>
+        </p:spPr>
+      </p:pic>
+    </p:spTree>
+  </p:cSld>
+  <p:clrMapOvr>
+    <a:masterClrMapping/>
+  </p:clrMapOvr>
+  <p:timing>
+    <p:tnLst>
+      <p:par>
+        <p:cTn id="1" dur="indefinite" restart="never" nodeType="tmRoot"/>
+      </p:par>
+    </p:tnLst>
+  </p:timing>
+</p:sld>
+</file>
+
+<file path=ppt/slides/slide5.xml><?xml version="1.0" encoding="utf-8"?>
+<p:sld xmlns:a="http://schemas.openxmlformats.org/drawingml/2006/main" xmlns:r="http://schemas.openxmlformats.org/officeDocument/2006/relationships" xmlns:p="http://schemas.openxmlformats.org/presentationml/2006/main">
+  <p:cSld>
+    <p:spTree>
+      <p:nvGrpSpPr>
+        <p:cNvPr id="1" name=""/>
+        <p:cNvGrpSpPr/>
+        <p:nvPr/>
+      </p:nvGrpSpPr>
+      <p:grpSpPr>
+        <a:xfrm>
+          <a:off x="0" y="0"/>
+          <a:ext cx="0" cy="0"/>
+          <a:chOff x="0" y="0"/>
+          <a:chExt cx="0" cy="0"/>
+        </a:xfrm>
+      </p:grpSpPr>
+      <p:sp>
+        <p:nvSpPr>
+          <p:cNvPr id="15362" name="Title 4"/>
+          <p:cNvSpPr>
+            <a:spLocks noGrp="1"/>
+          </p:cNvSpPr>
+          <p:nvPr>
+            <p:ph type="title"/>
+          </p:nvPr>
+        </p:nvSpPr>
+        <p:spPr/>
+        <p:txBody>
+          <a:bodyPr/>
+          <a:lstStyle/>
+          <a:p>
+            <a:pPr eaLnBrk="1" hangingPunct="1"/>
+            <a:r>
+              <a:rPr lang="en-US" dirty="0" smtClean="0"/>
+              <a:t>Home </a:t>
+            </a:r>
+            <a:r>
+              <a:rPr lang="en-US" dirty="0" smtClean="0"/>
+              <a:t>Page (Landscape)</a:t>
+            </a:r>
+            <a:endParaRPr lang="en-US" sz="1800" dirty="0" smtClean="0"/>
+          </a:p>
+        </p:txBody>
+      </p:sp>
+      <p:sp>
+        <p:nvSpPr>
+          <p:cNvPr id="2" name="Date Placeholder 1"/>
+          <p:cNvSpPr>
+            <a:spLocks noGrp="1"/>
+          </p:cNvSpPr>
+          <p:nvPr>
+            <p:ph type="dt" sz="quarter" idx="10"/>
+          </p:nvPr>
+        </p:nvSpPr>
+        <p:spPr/>
+        <p:txBody>
+          <a:bodyPr/>
+          <a:lstStyle/>
+          <a:p>
+            <a:pPr>
+              <a:defRPr/>
+            </a:pPr>
+            <a:r>
+              <a:rPr lang="en-US" smtClean="0"/>
+              <a:t>The Capstone Experience</a:t>
+            </a:r>
+            <a:endParaRPr lang="en-US"/>
+          </a:p>
+        </p:txBody>
+      </p:sp>
+      <p:sp>
+        <p:nvSpPr>
+          <p:cNvPr id="3" name="Footer Placeholder 2"/>
+          <p:cNvSpPr>
+            <a:spLocks noGrp="1"/>
+          </p:cNvSpPr>
+          <p:nvPr>
+            <p:ph type="ftr" sz="quarter" idx="11"/>
+          </p:nvPr>
+        </p:nvSpPr>
+        <p:spPr/>
+        <p:txBody>
+          <a:bodyPr/>
+          <a:lstStyle/>
+          <a:p>
+            <a:pPr>
+              <a:defRPr/>
+            </a:pPr>
+            <a:r>
+              <a:rPr lang="en-US" dirty="0"/>
+              <a:t>Team </a:t>
+            </a:r>
+            <a:r>
+              <a:rPr lang="en-US" dirty="0" smtClean="0"/>
+              <a:t>Urban Science </a:t>
+            </a:r>
+            <a:r>
+              <a:rPr lang="en-US" dirty="0"/>
+              <a:t>Beta Presentation</a:t>
+            </a:r>
+          </a:p>
+        </p:txBody>
+      </p:sp>
+      <p:sp>
+        <p:nvSpPr>
+          <p:cNvPr id="4" name="Slide Number Placeholder 3"/>
+          <p:cNvSpPr>
+            <a:spLocks noGrp="1"/>
+          </p:cNvSpPr>
+          <p:nvPr>
+            <p:ph type="sldNum" sz="quarter" idx="12"/>
+          </p:nvPr>
+        </p:nvSpPr>
+        <p:spPr/>
+        <p:txBody>
+          <a:bodyPr/>
+          <a:lstStyle/>
+          <a:p>
+            <a:pPr>
+              <a:defRPr/>
+            </a:pPr>
+            <a:fld id="{FD7C155D-50DE-408C-98EC-87279C4F206A}" type="slidenum">
+              <a:rPr lang="en-US"/>
+              <a:pPr>
+                <a:defRPr/>
+              </a:pPr>
+              <a:t>5</a:t>
+            </a:fld>
+            <a:endParaRPr lang="en-US"/>
+          </a:p>
+        </p:txBody>
+      </p:sp>
+      <p:pic>
+        <p:nvPicPr>
+          <p:cNvPr id="2050" name="Picture 2" descr="C:\Users\Kevin\Desktop\Capstone\infographic-generator\documents\presentations\beta-presentation\Index Landscape.png"/>
+          <p:cNvPicPr>
+            <a:picLocks noChangeAspect="1" noChangeArrowheads="1"/>
+          </p:cNvPicPr>
+          <p:nvPr/>
+        </p:nvPicPr>
+        <p:blipFill>
+          <a:blip r:embed="rId2" cstate="print"/>
+          <a:srcRect/>
+          <a:stretch>
+            <a:fillRect/>
+          </a:stretch>
+        </p:blipFill>
+        <p:spPr bwMode="auto">
+          <a:xfrm>
+            <a:off x="1371600" y="1676400"/>
+            <a:ext cx="6400800" cy="4800600"/>
+          </a:xfrm>
+          <a:prstGeom prst="rect">
+            <a:avLst/>
+          </a:prstGeom>
+          <a:noFill/>
+        </p:spPr>
+      </p:pic>
+    </p:spTree>
+  </p:cSld>
+  <p:clrMapOvr>
+    <a:masterClrMapping/>
+  </p:clrMapOvr>
+  <p:timing>
+    <p:tnLst>
+      <p:par>
+        <p:cTn id="1" dur="indefinite" restart="never" nodeType="tmRoot"/>
+      </p:par>
+    </p:tnLst>
+  </p:timing>
+</p:sld>
+</file>
+
 <file path=ppt/slides/slide6.xml><?xml version="1.0" encoding="utf-8"?>
 <p:sld xmlns:a="http://schemas.openxmlformats.org/drawingml/2006/main" xmlns:r="http://schemas.openxmlformats.org/officeDocument/2006/relationships" xmlns:p="http://schemas.openxmlformats.org/presentationml/2006/main">
   <p:cSld>
@@ -9087,7 +8270,7 @@
       </p:grpSpPr>
       <p:sp>
         <p:nvSpPr>
-          <p:cNvPr id="15362" name="Title 4"/>
+          <p:cNvPr id="16386" name="Title 4"/>
           <p:cNvSpPr>
             <a:spLocks noGrp="1"/>
           </p:cNvSpPr>
@@ -9103,7 +8286,11 @@
             <a:pPr eaLnBrk="1" hangingPunct="1"/>
             <a:r>
               <a:rPr lang="en-US" dirty="0" smtClean="0"/>
-              <a:t>Home Page</a:t>
+              <a:t>Sales </a:t>
+            </a:r>
+            <a:r>
+              <a:rPr lang="en-US" dirty="0" err="1" smtClean="0"/>
+              <a:t>Infographic</a:t>
             </a:r>
             <a:endParaRPr lang="en-US" sz="1800" dirty="0" smtClean="0"/>
           </a:p>
@@ -9186,7 +8373,7 @@
             <a:pPr>
               <a:defRPr/>
             </a:pPr>
-            <a:fld id="{FD7C155D-50DE-408C-98EC-87279C4F206A}" type="slidenum">
+            <a:fld id="{AF211F26-8CC3-4540-A3AA-D8FCDE580380}" type="slidenum">
               <a:rPr lang="en-US"/>
               <a:pPr>
                 <a:defRPr/>
@@ -9197,6 +8384,32 @@
           </a:p>
         </p:txBody>
       </p:sp>
+      <p:pic>
+        <p:nvPicPr>
+          <p:cNvPr id="3074" name="Picture 2" descr="C:\Users\Kevin\Desktop\Capstone\infographic-generator\documents\presentations\beta-presentation\Sales1.png"/>
+          <p:cNvPicPr>
+            <a:picLocks noChangeAspect="1" noChangeArrowheads="1"/>
+          </p:cNvPicPr>
+          <p:nvPr/>
+        </p:nvPicPr>
+        <p:blipFill>
+          <a:blip r:embed="rId2" cstate="print"/>
+          <a:srcRect/>
+          <a:stretch>
+            <a:fillRect/>
+          </a:stretch>
+        </p:blipFill>
+        <p:spPr bwMode="auto">
+          <a:xfrm>
+            <a:off x="2744343" y="1679448"/>
+            <a:ext cx="3655314" cy="4873752"/>
+          </a:xfrm>
+          <a:prstGeom prst="rect">
+            <a:avLst/>
+          </a:prstGeom>
+          <a:noFill/>
+        </p:spPr>
+      </p:pic>
     </p:spTree>
   </p:cSld>
   <p:clrMapOvr>
@@ -9253,6 +8466,10 @@
               <a:rPr lang="en-US" dirty="0" err="1" smtClean="0"/>
               <a:t>Infographic</a:t>
             </a:r>
+            <a:r>
+              <a:rPr lang="en-US" dirty="0" smtClean="0"/>
+              <a:t> cont.</a:t>
+            </a:r>
             <a:endParaRPr lang="en-US" sz="1800" dirty="0" smtClean="0"/>
           </a:p>
         </p:txBody>
@@ -9345,6 +8562,32 @@
           </a:p>
         </p:txBody>
       </p:sp>
+      <p:pic>
+        <p:nvPicPr>
+          <p:cNvPr id="4098" name="Picture 2" descr="C:\Users\Kevin\Desktop\Capstone\infographic-generator\documents\presentations\beta-presentation\Sales2.png"/>
+          <p:cNvPicPr>
+            <a:picLocks noChangeAspect="1" noChangeArrowheads="1"/>
+          </p:cNvPicPr>
+          <p:nvPr/>
+        </p:nvPicPr>
+        <p:blipFill>
+          <a:blip r:embed="rId2" cstate="print"/>
+          <a:srcRect/>
+          <a:stretch>
+            <a:fillRect/>
+          </a:stretch>
+        </p:blipFill>
+        <p:spPr bwMode="auto">
+          <a:xfrm>
+            <a:off x="2744343" y="1679448"/>
+            <a:ext cx="3655314" cy="4873752"/>
+          </a:xfrm>
+          <a:prstGeom prst="rect">
+            <a:avLst/>
+          </a:prstGeom>
+          <a:noFill/>
+        </p:spPr>
+      </p:pic>
     </p:spTree>
   </p:cSld>
   <p:clrMapOvr>
@@ -9493,6 +8736,32 @@
           </a:p>
         </p:txBody>
       </p:sp>
+      <p:pic>
+        <p:nvPicPr>
+          <p:cNvPr id="5122" name="Picture 2" descr="C:\Users\Kevin\Desktop\Capstone\infographic-generator\documents\presentations\beta-presentation\Lead1.png"/>
+          <p:cNvPicPr>
+            <a:picLocks noChangeAspect="1" noChangeArrowheads="1"/>
+          </p:cNvPicPr>
+          <p:nvPr/>
+        </p:nvPicPr>
+        <p:blipFill>
+          <a:blip r:embed="rId2" cstate="print"/>
+          <a:srcRect/>
+          <a:stretch>
+            <a:fillRect/>
+          </a:stretch>
+        </p:blipFill>
+        <p:spPr bwMode="auto">
+          <a:xfrm>
+            <a:off x="2745486" y="1679448"/>
+            <a:ext cx="3655314" cy="4873752"/>
+          </a:xfrm>
+          <a:prstGeom prst="rect">
+            <a:avLst/>
+          </a:prstGeom>
+          <a:noFill/>
+        </p:spPr>
+      </p:pic>
     </p:spTree>
   </p:cSld>
   <p:clrMapOvr>
@@ -9527,7 +8796,7 @@
       </p:grpSpPr>
       <p:sp>
         <p:nvSpPr>
-          <p:cNvPr id="18434" name="Title 4"/>
+          <p:cNvPr id="17410" name="Title 4"/>
           <p:cNvSpPr>
             <a:spLocks noGrp="1"/>
           </p:cNvSpPr>
@@ -9543,12 +8812,16 @@
             <a:pPr eaLnBrk="1" hangingPunct="1"/>
             <a:r>
               <a:rPr lang="en-US" dirty="0" smtClean="0"/>
-              <a:t>Service </a:t>
+              <a:t>Lead </a:t>
             </a:r>
             <a:r>
               <a:rPr lang="en-US" dirty="0" err="1" smtClean="0"/>
               <a:t>Infographic</a:t>
             </a:r>
+            <a:r>
+              <a:rPr lang="en-US" dirty="0" smtClean="0"/>
+              <a:t> cont.</a:t>
+            </a:r>
             <a:endParaRPr lang="en-US" sz="1800" dirty="0" smtClean="0"/>
           </a:p>
         </p:txBody>
@@ -9630,7 +8903,7 @@
             <a:pPr>
               <a:defRPr/>
             </a:pPr>
-            <a:fld id="{8EE414D8-743B-413B-AC9E-FA6C5BAF93B7}" type="slidenum">
+            <a:fld id="{C1FD4F96-B5F1-4F9B-AE2E-F7C91C3A6714}" type="slidenum">
               <a:rPr lang="en-US"/>
               <a:pPr>
                 <a:defRPr/>
@@ -9641,6 +8914,32 @@
           </a:p>
         </p:txBody>
       </p:sp>
+      <p:pic>
+        <p:nvPicPr>
+          <p:cNvPr id="6146" name="Picture 2" descr="C:\Users\Kevin\Desktop\Capstone\infographic-generator\documents\presentations\beta-presentation\Lead2.png"/>
+          <p:cNvPicPr>
+            <a:picLocks noChangeAspect="1" noChangeArrowheads="1"/>
+          </p:cNvPicPr>
+          <p:nvPr/>
+        </p:nvPicPr>
+        <p:blipFill>
+          <a:blip r:embed="rId2" cstate="print"/>
+          <a:srcRect/>
+          <a:stretch>
+            <a:fillRect/>
+          </a:stretch>
+        </p:blipFill>
+        <p:spPr bwMode="auto">
+          <a:xfrm>
+            <a:off x="2744343" y="1679448"/>
+            <a:ext cx="3655314" cy="4873752"/>
+          </a:xfrm>
+          <a:prstGeom prst="rect">
+            <a:avLst/>
+          </a:prstGeom>
+          <a:noFill/>
+        </p:spPr>
+      </p:pic>
     </p:spTree>
   </p:cSld>
   <p:clrMapOvr>

--- a/documents/presentations/beta-presentation/team-urban-science-beta-presentation.pptx
+++ b/documents/presentations/beta-presentation/team-urban-science-beta-presentation.pptx
@@ -402,7 +402,7 @@
           <a:blip r:embed="rId2" cstate="print">
             <a:extLst>
               <a:ext uri="{28A0092B-C50C-407E-A947-70E740481C1C}">
-                <a14:useLocalDpi xmlns="" xmlns:a14="http://schemas.microsoft.com/office/drawing/2010/main" val="0"/>
+                <a14:useLocalDpi xmlns:a14="http://schemas.microsoft.com/office/drawing/2010/main" xmlns="" val="0"/>
               </a:ext>
             </a:extLst>
           </a:blip>
@@ -425,14 +425,14 @@
           </a:ln>
           <a:extLst>
             <a:ext uri="{909E8E84-426E-40DD-AFC4-6F175D3DCCD1}">
-              <a14:hiddenFill xmlns="" xmlns:a14="http://schemas.microsoft.com/office/drawing/2010/main">
+              <a14:hiddenFill xmlns:a14="http://schemas.microsoft.com/office/drawing/2010/main" xmlns="">
                 <a:solidFill>
                   <a:srgbClr val="FFFFFF"/>
                 </a:solidFill>
               </a14:hiddenFill>
             </a:ext>
             <a:ext uri="{91240B29-F687-4F45-9708-019B960494DF}">
-              <a14:hiddenLine xmlns="" xmlns:a14="http://schemas.microsoft.com/office/drawing/2010/main" w="9525">
+              <a14:hiddenLine xmlns:a14="http://schemas.microsoft.com/office/drawing/2010/main" xmlns="" w="9525">
                 <a:solidFill>
                   <a:srgbClr val="000000"/>
                 </a:solidFill>
@@ -466,14 +466,14 @@
           </a:ln>
           <a:extLst>
             <a:ext uri="{909E8E84-426E-40DD-AFC4-6F175D3DCCD1}">
-              <a14:hiddenFill xmlns="" xmlns:a14="http://schemas.microsoft.com/office/drawing/2010/main">
+              <a14:hiddenFill xmlns:a14="http://schemas.microsoft.com/office/drawing/2010/main" xmlns="">
                 <a:solidFill>
                   <a:srgbClr val="FFFFFF"/>
                 </a:solidFill>
               </a14:hiddenFill>
             </a:ext>
             <a:ext uri="{91240B29-F687-4F45-9708-019B960494DF}">
-              <a14:hiddenLine xmlns="" xmlns:a14="http://schemas.microsoft.com/office/drawing/2010/main" w="9525">
+              <a14:hiddenLine xmlns:a14="http://schemas.microsoft.com/office/drawing/2010/main" xmlns="" w="9525">
                 <a:solidFill>
                   <a:srgbClr val="000000"/>
                 </a:solidFill>
@@ -607,7 +607,7 @@
     </p:spTree>
     <p:extLst>
       <p:ext uri="{BB962C8B-B14F-4D97-AF65-F5344CB8AC3E}">
-        <p14:creationId xmlns="" xmlns:p14="http://schemas.microsoft.com/office/powerpoint/2010/main" val="232417806"/>
+        <p14:creationId xmlns:p14="http://schemas.microsoft.com/office/powerpoint/2010/main" xmlns="" val="232417806"/>
       </p:ext>
     </p:extLst>
   </p:cSld>
@@ -933,7 +933,7 @@
     </p:spTree>
     <p:extLst>
       <p:ext uri="{BB962C8B-B14F-4D97-AF65-F5344CB8AC3E}">
-        <p14:creationId xmlns="" xmlns:p14="http://schemas.microsoft.com/office/powerpoint/2010/main" val="2158654164"/>
+        <p14:creationId xmlns:p14="http://schemas.microsoft.com/office/powerpoint/2010/main" xmlns="" val="2158654164"/>
       </p:ext>
     </p:extLst>
   </p:cSld>
@@ -1094,14 +1094,14 @@
         <p:spPr bwMode="auto">
           <a:extLst>
             <a:ext uri="{909E8E84-426E-40DD-AFC4-6F175D3DCCD1}">
-              <a14:hiddenFill xmlns="" xmlns:a14="http://schemas.microsoft.com/office/drawing/2010/main">
+              <a14:hiddenFill xmlns:a14="http://schemas.microsoft.com/office/drawing/2010/main" xmlns="">
                 <a:solidFill>
                   <a:srgbClr val="FFFFFF"/>
                 </a:solidFill>
               </a14:hiddenFill>
             </a:ext>
             <a:ext uri="{91240B29-F687-4F45-9708-019B960494DF}">
-              <a14:hiddenLine xmlns="" xmlns:a14="http://schemas.microsoft.com/office/drawing/2010/main" w="9525">
+              <a14:hiddenLine xmlns:a14="http://schemas.microsoft.com/office/drawing/2010/main" xmlns="" w="9525">
                 <a:solidFill>
                   <a:srgbClr val="000000"/>
                 </a:solidFill>
@@ -1248,14 +1248,14 @@
         <p:spPr bwMode="auto">
           <a:extLst>
             <a:ext uri="{909E8E84-426E-40DD-AFC4-6F175D3DCCD1}">
-              <a14:hiddenFill xmlns="" xmlns:a14="http://schemas.microsoft.com/office/drawing/2010/main">
+              <a14:hiddenFill xmlns:a14="http://schemas.microsoft.com/office/drawing/2010/main" xmlns="">
                 <a:solidFill>
                   <a:srgbClr val="FFFFFF"/>
                 </a:solidFill>
               </a14:hiddenFill>
             </a:ext>
             <a:ext uri="{91240B29-F687-4F45-9708-019B960494DF}">
-              <a14:hiddenLine xmlns="" xmlns:a14="http://schemas.microsoft.com/office/drawing/2010/main" w="9525">
+              <a14:hiddenLine xmlns:a14="http://schemas.microsoft.com/office/drawing/2010/main" xmlns="" w="9525">
                 <a:solidFill>
                   <a:srgbClr val="000000"/>
                 </a:solidFill>
@@ -1402,14 +1402,14 @@
         <p:spPr bwMode="auto">
           <a:extLst>
             <a:ext uri="{909E8E84-426E-40DD-AFC4-6F175D3DCCD1}">
-              <a14:hiddenFill xmlns="" xmlns:a14="http://schemas.microsoft.com/office/drawing/2010/main">
+              <a14:hiddenFill xmlns:a14="http://schemas.microsoft.com/office/drawing/2010/main" xmlns="">
                 <a:solidFill>
                   <a:srgbClr val="FFFFFF"/>
                 </a:solidFill>
               </a14:hiddenFill>
             </a:ext>
             <a:ext uri="{91240B29-F687-4F45-9708-019B960494DF}">
-              <a14:hiddenLine xmlns="" xmlns:a14="http://schemas.microsoft.com/office/drawing/2010/main" w="9525">
+              <a14:hiddenLine xmlns:a14="http://schemas.microsoft.com/office/drawing/2010/main" xmlns="" w="9525">
                 <a:solidFill>
                   <a:srgbClr val="000000"/>
                 </a:solidFill>
@@ -1556,14 +1556,14 @@
         <p:spPr bwMode="auto">
           <a:extLst>
             <a:ext uri="{909E8E84-426E-40DD-AFC4-6F175D3DCCD1}">
-              <a14:hiddenFill xmlns="" xmlns:a14="http://schemas.microsoft.com/office/drawing/2010/main">
+              <a14:hiddenFill xmlns:a14="http://schemas.microsoft.com/office/drawing/2010/main" xmlns="">
                 <a:solidFill>
                   <a:srgbClr val="FFFFFF"/>
                 </a:solidFill>
               </a14:hiddenFill>
             </a:ext>
             <a:ext uri="{91240B29-F687-4F45-9708-019B960494DF}">
-              <a14:hiddenLine xmlns="" xmlns:a14="http://schemas.microsoft.com/office/drawing/2010/main" w="9525">
+              <a14:hiddenLine xmlns:a14="http://schemas.microsoft.com/office/drawing/2010/main" xmlns="" w="9525">
                 <a:solidFill>
                   <a:srgbClr val="000000"/>
                 </a:solidFill>
@@ -1731,7 +1731,7 @@
           </a:ln>
           <a:extLst>
             <a:ext uri="{909E8E84-426E-40DD-AFC4-6F175D3DCCD1}">
-              <a14:hiddenFill xmlns="" xmlns:a14="http://schemas.microsoft.com/office/drawing/2010/main">
+              <a14:hiddenFill xmlns:a14="http://schemas.microsoft.com/office/drawing/2010/main" xmlns="">
                 <a:solidFill>
                   <a:srgbClr val="FFFFFF"/>
                 </a:solidFill>
@@ -1758,14 +1758,14 @@
           <a:noFill/>
           <a:extLst>
             <a:ext uri="{909E8E84-426E-40DD-AFC4-6F175D3DCCD1}">
-              <a14:hiddenFill xmlns="" xmlns:a14="http://schemas.microsoft.com/office/drawing/2010/main">
+              <a14:hiddenFill xmlns:a14="http://schemas.microsoft.com/office/drawing/2010/main" xmlns="">
                 <a:solidFill>
                   <a:srgbClr val="FFFFFF"/>
                 </a:solidFill>
               </a14:hiddenFill>
             </a:ext>
             <a:ext uri="{91240B29-F687-4F45-9708-019B960494DF}">
-              <a14:hiddenLine xmlns="" xmlns:a14="http://schemas.microsoft.com/office/drawing/2010/main" w="9525">
+              <a14:hiddenLine xmlns:a14="http://schemas.microsoft.com/office/drawing/2010/main" xmlns="" w="9525">
                 <a:solidFill>
                   <a:srgbClr val="000000"/>
                 </a:solidFill>
@@ -1831,14 +1831,14 @@
         <p:spPr bwMode="auto">
           <a:extLst>
             <a:ext uri="{909E8E84-426E-40DD-AFC4-6F175D3DCCD1}">
-              <a14:hiddenFill xmlns="" xmlns:a14="http://schemas.microsoft.com/office/drawing/2010/main">
+              <a14:hiddenFill xmlns:a14="http://schemas.microsoft.com/office/drawing/2010/main" xmlns="">
                 <a:solidFill>
                   <a:srgbClr val="FFFFFF"/>
                 </a:solidFill>
               </a14:hiddenFill>
             </a:ext>
             <a:ext uri="{91240B29-F687-4F45-9708-019B960494DF}">
-              <a14:hiddenLine xmlns="" xmlns:a14="http://schemas.microsoft.com/office/drawing/2010/main" w="9525">
+              <a14:hiddenLine xmlns:a14="http://schemas.microsoft.com/office/drawing/2010/main" xmlns="" w="9525">
                 <a:solidFill>
                   <a:srgbClr val="000000"/>
                 </a:solidFill>
@@ -1985,14 +1985,14 @@
         <p:spPr bwMode="auto">
           <a:extLst>
             <a:ext uri="{909E8E84-426E-40DD-AFC4-6F175D3DCCD1}">
-              <a14:hiddenFill xmlns="" xmlns:a14="http://schemas.microsoft.com/office/drawing/2010/main">
+              <a14:hiddenFill xmlns:a14="http://schemas.microsoft.com/office/drawing/2010/main" xmlns="">
                 <a:solidFill>
                   <a:srgbClr val="FFFFFF"/>
                 </a:solidFill>
               </a14:hiddenFill>
             </a:ext>
             <a:ext uri="{91240B29-F687-4F45-9708-019B960494DF}">
-              <a14:hiddenLine xmlns="" xmlns:a14="http://schemas.microsoft.com/office/drawing/2010/main" w="9525">
+              <a14:hiddenLine xmlns:a14="http://schemas.microsoft.com/office/drawing/2010/main" xmlns="" w="9525">
                 <a:solidFill>
                   <a:srgbClr val="000000"/>
                 </a:solidFill>
@@ -2139,14 +2139,14 @@
         <p:spPr bwMode="auto">
           <a:extLst>
             <a:ext uri="{909E8E84-426E-40DD-AFC4-6F175D3DCCD1}">
-              <a14:hiddenFill xmlns="" xmlns:a14="http://schemas.microsoft.com/office/drawing/2010/main">
+              <a14:hiddenFill xmlns:a14="http://schemas.microsoft.com/office/drawing/2010/main" xmlns="">
                 <a:solidFill>
                   <a:srgbClr val="FFFFFF"/>
                 </a:solidFill>
               </a14:hiddenFill>
             </a:ext>
             <a:ext uri="{91240B29-F687-4F45-9708-019B960494DF}">
-              <a14:hiddenLine xmlns="" xmlns:a14="http://schemas.microsoft.com/office/drawing/2010/main" w="9525">
+              <a14:hiddenLine xmlns:a14="http://schemas.microsoft.com/office/drawing/2010/main" xmlns="" w="9525">
                 <a:solidFill>
                   <a:srgbClr val="000000"/>
                 </a:solidFill>
@@ -2293,14 +2293,14 @@
         <p:spPr bwMode="auto">
           <a:extLst>
             <a:ext uri="{909E8E84-426E-40DD-AFC4-6F175D3DCCD1}">
-              <a14:hiddenFill xmlns="" xmlns:a14="http://schemas.microsoft.com/office/drawing/2010/main">
+              <a14:hiddenFill xmlns:a14="http://schemas.microsoft.com/office/drawing/2010/main" xmlns="">
                 <a:solidFill>
                   <a:srgbClr val="FFFFFF"/>
                 </a:solidFill>
               </a14:hiddenFill>
             </a:ext>
             <a:ext uri="{91240B29-F687-4F45-9708-019B960494DF}">
-              <a14:hiddenLine xmlns="" xmlns:a14="http://schemas.microsoft.com/office/drawing/2010/main" w="9525">
+              <a14:hiddenLine xmlns:a14="http://schemas.microsoft.com/office/drawing/2010/main" xmlns="" w="9525">
                 <a:solidFill>
                   <a:srgbClr val="000000"/>
                 </a:solidFill>
@@ -2468,7 +2468,7 @@
           </a:ln>
           <a:extLst>
             <a:ext uri="{909E8E84-426E-40DD-AFC4-6F175D3DCCD1}">
-              <a14:hiddenFill xmlns="" xmlns:a14="http://schemas.microsoft.com/office/drawing/2010/main">
+              <a14:hiddenFill xmlns:a14="http://schemas.microsoft.com/office/drawing/2010/main" xmlns="">
                 <a:solidFill>
                   <a:srgbClr val="FFFFFF"/>
                 </a:solidFill>
@@ -2491,14 +2491,14 @@
           <a:noFill/>
           <a:extLst>
             <a:ext uri="{909E8E84-426E-40DD-AFC4-6F175D3DCCD1}">
-              <a14:hiddenFill xmlns="" xmlns:a14="http://schemas.microsoft.com/office/drawing/2010/main">
+              <a14:hiddenFill xmlns:a14="http://schemas.microsoft.com/office/drawing/2010/main" xmlns="">
                 <a:solidFill>
                   <a:srgbClr val="FFFFFF"/>
                 </a:solidFill>
               </a14:hiddenFill>
             </a:ext>
             <a:ext uri="{91240B29-F687-4F45-9708-019B960494DF}">
-              <a14:hiddenLine xmlns="" xmlns:a14="http://schemas.microsoft.com/office/drawing/2010/main" w="9525">
+              <a14:hiddenLine xmlns:a14="http://schemas.microsoft.com/office/drawing/2010/main" xmlns="" w="9525">
                 <a:solidFill>
                   <a:srgbClr val="000000"/>
                 </a:solidFill>
@@ -2564,14 +2564,14 @@
         <p:spPr bwMode="auto">
           <a:extLst>
             <a:ext uri="{909E8E84-426E-40DD-AFC4-6F175D3DCCD1}">
-              <a14:hiddenFill xmlns="" xmlns:a14="http://schemas.microsoft.com/office/drawing/2010/main">
+              <a14:hiddenFill xmlns:a14="http://schemas.microsoft.com/office/drawing/2010/main" xmlns="">
                 <a:solidFill>
                   <a:srgbClr val="FFFFFF"/>
                 </a:solidFill>
               </a14:hiddenFill>
             </a:ext>
             <a:ext uri="{91240B29-F687-4F45-9708-019B960494DF}">
-              <a14:hiddenLine xmlns="" xmlns:a14="http://schemas.microsoft.com/office/drawing/2010/main" w="9525">
+              <a14:hiddenLine xmlns:a14="http://schemas.microsoft.com/office/drawing/2010/main" xmlns="" w="9525">
                 <a:solidFill>
                   <a:srgbClr val="000000"/>
                 </a:solidFill>
@@ -2718,14 +2718,14 @@
         <p:spPr bwMode="auto">
           <a:extLst>
             <a:ext uri="{909E8E84-426E-40DD-AFC4-6F175D3DCCD1}">
-              <a14:hiddenFill xmlns="" xmlns:a14="http://schemas.microsoft.com/office/drawing/2010/main">
+              <a14:hiddenFill xmlns:a14="http://schemas.microsoft.com/office/drawing/2010/main" xmlns="">
                 <a:solidFill>
                   <a:srgbClr val="FFFFFF"/>
                 </a:solidFill>
               </a14:hiddenFill>
             </a:ext>
             <a:ext uri="{91240B29-F687-4F45-9708-019B960494DF}">
-              <a14:hiddenLine xmlns="" xmlns:a14="http://schemas.microsoft.com/office/drawing/2010/main" w="9525">
+              <a14:hiddenLine xmlns:a14="http://schemas.microsoft.com/office/drawing/2010/main" xmlns="" w="9525">
                 <a:solidFill>
                   <a:srgbClr val="000000"/>
                 </a:solidFill>
@@ -2872,14 +2872,14 @@
         <p:spPr bwMode="auto">
           <a:extLst>
             <a:ext uri="{909E8E84-426E-40DD-AFC4-6F175D3DCCD1}">
-              <a14:hiddenFill xmlns="" xmlns:a14="http://schemas.microsoft.com/office/drawing/2010/main">
+              <a14:hiddenFill xmlns:a14="http://schemas.microsoft.com/office/drawing/2010/main" xmlns="">
                 <a:solidFill>
                   <a:srgbClr val="FFFFFF"/>
                 </a:solidFill>
               </a14:hiddenFill>
             </a:ext>
             <a:ext uri="{91240B29-F687-4F45-9708-019B960494DF}">
-              <a14:hiddenLine xmlns="" xmlns:a14="http://schemas.microsoft.com/office/drawing/2010/main" w="9525">
+              <a14:hiddenLine xmlns:a14="http://schemas.microsoft.com/office/drawing/2010/main" xmlns="" w="9525">
                 <a:solidFill>
                   <a:srgbClr val="000000"/>
                 </a:solidFill>
@@ -3026,14 +3026,14 @@
         <p:spPr bwMode="auto">
           <a:extLst>
             <a:ext uri="{909E8E84-426E-40DD-AFC4-6F175D3DCCD1}">
-              <a14:hiddenFill xmlns="" xmlns:a14="http://schemas.microsoft.com/office/drawing/2010/main">
+              <a14:hiddenFill xmlns:a14="http://schemas.microsoft.com/office/drawing/2010/main" xmlns="">
                 <a:solidFill>
                   <a:srgbClr val="FFFFFF"/>
                 </a:solidFill>
               </a14:hiddenFill>
             </a:ext>
             <a:ext uri="{91240B29-F687-4F45-9708-019B960494DF}">
-              <a14:hiddenLine xmlns="" xmlns:a14="http://schemas.microsoft.com/office/drawing/2010/main" w="9525">
+              <a14:hiddenLine xmlns:a14="http://schemas.microsoft.com/office/drawing/2010/main" xmlns="" w="9525">
                 <a:solidFill>
                   <a:srgbClr val="000000"/>
                 </a:solidFill>
@@ -3201,7 +3201,7 @@
           </a:ln>
           <a:extLst>
             <a:ext uri="{909E8E84-426E-40DD-AFC4-6F175D3DCCD1}">
-              <a14:hiddenFill xmlns="" xmlns:a14="http://schemas.microsoft.com/office/drawing/2010/main">
+              <a14:hiddenFill xmlns:a14="http://schemas.microsoft.com/office/drawing/2010/main" xmlns="">
                 <a:solidFill>
                   <a:srgbClr val="FFFFFF"/>
                 </a:solidFill>
@@ -3224,14 +3224,14 @@
           <a:noFill/>
           <a:extLst>
             <a:ext uri="{909E8E84-426E-40DD-AFC4-6F175D3DCCD1}">
-              <a14:hiddenFill xmlns="" xmlns:a14="http://schemas.microsoft.com/office/drawing/2010/main">
+              <a14:hiddenFill xmlns:a14="http://schemas.microsoft.com/office/drawing/2010/main" xmlns="">
                 <a:solidFill>
                   <a:srgbClr val="FFFFFF"/>
                 </a:solidFill>
               </a14:hiddenFill>
             </a:ext>
             <a:ext uri="{91240B29-F687-4F45-9708-019B960494DF}">
-              <a14:hiddenLine xmlns="" xmlns:a14="http://schemas.microsoft.com/office/drawing/2010/main" w="9525">
+              <a14:hiddenLine xmlns:a14="http://schemas.microsoft.com/office/drawing/2010/main" xmlns="" w="9525">
                 <a:solidFill>
                   <a:srgbClr val="000000"/>
                 </a:solidFill>
@@ -3296,7 +3296,7 @@
           <a:blip r:embed="rId2" cstate="print">
             <a:extLst>
               <a:ext uri="{28A0092B-C50C-407E-A947-70E740481C1C}">
-                <a14:useLocalDpi xmlns="" xmlns:a14="http://schemas.microsoft.com/office/drawing/2010/main" val="0"/>
+                <a14:useLocalDpi xmlns:a14="http://schemas.microsoft.com/office/drawing/2010/main" xmlns="" val="0"/>
               </a:ext>
             </a:extLst>
           </a:blip>
@@ -3320,14 +3320,14 @@
           <a:effectLst/>
           <a:extLst>
             <a:ext uri="{909E8E84-426E-40DD-AFC4-6F175D3DCCD1}">
-              <a14:hiddenFill xmlns="" xmlns:a14="http://schemas.microsoft.com/office/drawing/2010/main">
+              <a14:hiddenFill xmlns:a14="http://schemas.microsoft.com/office/drawing/2010/main" xmlns="">
                 <a:solidFill>
                   <a:schemeClr val="accent1"/>
                 </a:solidFill>
               </a14:hiddenFill>
             </a:ext>
             <a:ext uri="{91240B29-F687-4F45-9708-019B960494DF}">
-              <a14:hiddenLine xmlns="" xmlns:a14="http://schemas.microsoft.com/office/drawing/2010/main" w="12700" algn="ctr">
+              <a14:hiddenLine xmlns:a14="http://schemas.microsoft.com/office/drawing/2010/main" xmlns="" w="12700" algn="ctr">
                 <a:solidFill>
                   <a:schemeClr val="tx1"/>
                 </a:solidFill>
@@ -3337,7 +3337,7 @@
               </a14:hiddenLine>
             </a:ext>
             <a:ext uri="{AF507438-7753-43E0-B8FC-AC1667EBCBE1}">
-              <a14:hiddenEffects xmlns="" xmlns:a14="http://schemas.microsoft.com/office/drawing/2010/main">
+              <a14:hiddenEffects xmlns:a14="http://schemas.microsoft.com/office/drawing/2010/main" xmlns="">
                 <a:effectLst>
                   <a:outerShdw dist="35921" dir="2700000" algn="ctr" rotWithShape="0">
                     <a:schemeClr val="bg2"/>
@@ -3378,7 +3378,7 @@
             <a:blip r:embed="rId4" cstate="print">
               <a:extLst>
                 <a:ext uri="{28A0092B-C50C-407E-A947-70E740481C1C}">
-                  <a14:useLocalDpi xmlns="" xmlns:a14="http://schemas.microsoft.com/office/drawing/2010/main" val="0"/>
+                  <a14:useLocalDpi xmlns:a14="http://schemas.microsoft.com/office/drawing/2010/main" xmlns="" val="0"/>
                 </a:ext>
               </a:extLst>
             </a:blip>
@@ -3401,14 +3401,14 @@
             </a:ln>
             <a:extLst>
               <a:ext uri="{909E8E84-426E-40DD-AFC4-6F175D3DCCD1}">
-                <a14:hiddenFill xmlns="" xmlns:a14="http://schemas.microsoft.com/office/drawing/2010/main">
+                <a14:hiddenFill xmlns:a14="http://schemas.microsoft.com/office/drawing/2010/main" xmlns="">
                   <a:solidFill>
                     <a:srgbClr val="FFFFFF"/>
                   </a:solidFill>
                 </a14:hiddenFill>
               </a:ext>
               <a:ext uri="{91240B29-F687-4F45-9708-019B960494DF}">
-                <a14:hiddenLine xmlns="" xmlns:a14="http://schemas.microsoft.com/office/drawing/2010/main" w="9525">
+                <a14:hiddenLine xmlns:a14="http://schemas.microsoft.com/office/drawing/2010/main" xmlns="" w="9525">
                   <a:solidFill>
                     <a:srgbClr val="000000"/>
                   </a:solidFill>
@@ -3442,14 +3442,14 @@
             </a:ln>
             <a:extLst>
               <a:ext uri="{909E8E84-426E-40DD-AFC4-6F175D3DCCD1}">
-                <a14:hiddenFill xmlns="" xmlns:a14="http://schemas.microsoft.com/office/drawing/2010/main">
+                <a14:hiddenFill xmlns:a14="http://schemas.microsoft.com/office/drawing/2010/main" xmlns="">
                   <a:solidFill>
                     <a:srgbClr val="FFFFFF"/>
                   </a:solidFill>
                 </a14:hiddenFill>
               </a:ext>
               <a:ext uri="{91240B29-F687-4F45-9708-019B960494DF}">
-                <a14:hiddenLine xmlns="" xmlns:a14="http://schemas.microsoft.com/office/drawing/2010/main" w="9525">
+                <a14:hiddenLine xmlns:a14="http://schemas.microsoft.com/office/drawing/2010/main" xmlns="" w="9525">
                   <a:solidFill>
                     <a:srgbClr val="000000"/>
                   </a:solidFill>
@@ -3621,14 +3621,14 @@
           </a:ln>
           <a:extLst>
             <a:ext uri="{909E8E84-426E-40DD-AFC4-6F175D3DCCD1}">
-              <a14:hiddenFill xmlns="" xmlns:a14="http://schemas.microsoft.com/office/drawing/2010/main">
+              <a14:hiddenFill xmlns:a14="http://schemas.microsoft.com/office/drawing/2010/main" xmlns="">
                 <a:solidFill>
                   <a:srgbClr val="FFFFFF"/>
                 </a:solidFill>
               </a14:hiddenFill>
             </a:ext>
             <a:ext uri="{91240B29-F687-4F45-9708-019B960494DF}">
-              <a14:hiddenLine xmlns="" xmlns:a14="http://schemas.microsoft.com/office/drawing/2010/main" w="9525">
+              <a14:hiddenLine xmlns:a14="http://schemas.microsoft.com/office/drawing/2010/main" xmlns="" w="9525">
                 <a:solidFill>
                   <a:srgbClr val="000000"/>
                 </a:solidFill>
@@ -4005,7 +4005,7 @@
     </p:spTree>
     <p:extLst>
       <p:ext uri="{BB962C8B-B14F-4D97-AF65-F5344CB8AC3E}">
-        <p14:creationId xmlns="" xmlns:p14="http://schemas.microsoft.com/office/powerpoint/2010/main" val="2588080409"/>
+        <p14:creationId xmlns:p14="http://schemas.microsoft.com/office/powerpoint/2010/main" xmlns="" val="2588080409"/>
       </p:ext>
     </p:extLst>
   </p:cSld>
@@ -4236,7 +4236,7 @@
     </p:spTree>
     <p:extLst>
       <p:ext uri="{BB962C8B-B14F-4D97-AF65-F5344CB8AC3E}">
-        <p14:creationId xmlns="" xmlns:p14="http://schemas.microsoft.com/office/powerpoint/2010/main" val="2741523762"/>
+        <p14:creationId xmlns:p14="http://schemas.microsoft.com/office/powerpoint/2010/main" xmlns="" val="2741523762"/>
       </p:ext>
     </p:extLst>
   </p:cSld>
@@ -4468,7 +4468,7 @@
     </p:spTree>
     <p:extLst>
       <p:ext uri="{BB962C8B-B14F-4D97-AF65-F5344CB8AC3E}">
-        <p14:creationId xmlns="" xmlns:p14="http://schemas.microsoft.com/office/powerpoint/2010/main" val="2682078689"/>
+        <p14:creationId xmlns:p14="http://schemas.microsoft.com/office/powerpoint/2010/main" xmlns="" val="2682078689"/>
       </p:ext>
     </p:extLst>
   </p:cSld>
@@ -4813,7 +4813,7 @@
     </p:spTree>
     <p:extLst>
       <p:ext uri="{BB962C8B-B14F-4D97-AF65-F5344CB8AC3E}">
-        <p14:creationId xmlns="" xmlns:p14="http://schemas.microsoft.com/office/powerpoint/2010/main" val="1967580509"/>
+        <p14:creationId xmlns:p14="http://schemas.microsoft.com/office/powerpoint/2010/main" xmlns="" val="1967580509"/>
       </p:ext>
     </p:extLst>
   </p:cSld>
@@ -5278,7 +5278,7 @@
     </p:spTree>
     <p:extLst>
       <p:ext uri="{BB962C8B-B14F-4D97-AF65-F5344CB8AC3E}">
-        <p14:creationId xmlns="" xmlns:p14="http://schemas.microsoft.com/office/powerpoint/2010/main" val="4110782242"/>
+        <p14:creationId xmlns:p14="http://schemas.microsoft.com/office/powerpoint/2010/main" xmlns="" val="4110782242"/>
       </p:ext>
     </p:extLst>
   </p:cSld>
@@ -5436,7 +5436,7 @@
     </p:spTree>
     <p:extLst>
       <p:ext uri="{BB962C8B-B14F-4D97-AF65-F5344CB8AC3E}">
-        <p14:creationId xmlns="" xmlns:p14="http://schemas.microsoft.com/office/powerpoint/2010/main" val="1892974325"/>
+        <p14:creationId xmlns:p14="http://schemas.microsoft.com/office/powerpoint/2010/main" xmlns="" val="1892974325"/>
       </p:ext>
     </p:extLst>
   </p:cSld>
@@ -5566,7 +5566,7 @@
     </p:spTree>
     <p:extLst>
       <p:ext uri="{BB962C8B-B14F-4D97-AF65-F5344CB8AC3E}">
-        <p14:creationId xmlns="" xmlns:p14="http://schemas.microsoft.com/office/powerpoint/2010/main" val="606310080"/>
+        <p14:creationId xmlns:p14="http://schemas.microsoft.com/office/powerpoint/2010/main" xmlns="" val="606310080"/>
       </p:ext>
     </p:extLst>
   </p:cSld>
@@ -5607,7 +5607,7 @@
           <a:blip r:embed="rId3" cstate="print">
             <a:extLst>
               <a:ext uri="{28A0092B-C50C-407E-A947-70E740481C1C}">
-                <a14:useLocalDpi xmlns="" xmlns:a14="http://schemas.microsoft.com/office/drawing/2010/main" val="0"/>
+                <a14:useLocalDpi xmlns:a14="http://schemas.microsoft.com/office/drawing/2010/main" xmlns="" val="0"/>
               </a:ext>
             </a:extLst>
           </a:blip>
@@ -5630,14 +5630,14 @@
           </a:ln>
           <a:extLst>
             <a:ext uri="{909E8E84-426E-40DD-AFC4-6F175D3DCCD1}">
-              <a14:hiddenFill xmlns="" xmlns:a14="http://schemas.microsoft.com/office/drawing/2010/main">
+              <a14:hiddenFill xmlns:a14="http://schemas.microsoft.com/office/drawing/2010/main" xmlns="">
                 <a:solidFill>
                   <a:srgbClr val="FFFFFF"/>
                 </a:solidFill>
               </a14:hiddenFill>
             </a:ext>
             <a:ext uri="{91240B29-F687-4F45-9708-019B960494DF}">
-              <a14:hiddenLine xmlns="" xmlns:a14="http://schemas.microsoft.com/office/drawing/2010/main" w="9525">
+              <a14:hiddenLine xmlns:a14="http://schemas.microsoft.com/office/drawing/2010/main" xmlns="" w="9525">
                 <a:solidFill>
                   <a:srgbClr val="000000"/>
                 </a:solidFill>
@@ -5798,7 +5798,7 @@
     </p:spTree>
     <p:extLst>
       <p:ext uri="{BB962C8B-B14F-4D97-AF65-F5344CB8AC3E}">
-        <p14:creationId xmlns="" xmlns:p14="http://schemas.microsoft.com/office/powerpoint/2010/main" val="1504093363"/>
+        <p14:creationId xmlns:p14="http://schemas.microsoft.com/office/powerpoint/2010/main" xmlns="" val="1504093363"/>
       </p:ext>
     </p:extLst>
   </p:cSld>
@@ -5859,14 +5859,14 @@
           </a:ln>
           <a:extLst>
             <a:ext uri="{909E8E84-426E-40DD-AFC4-6F175D3DCCD1}">
-              <a14:hiddenFill xmlns="" xmlns:a14="http://schemas.microsoft.com/office/drawing/2010/main">
+              <a14:hiddenFill xmlns:a14="http://schemas.microsoft.com/office/drawing/2010/main" xmlns="">
                 <a:solidFill>
                   <a:srgbClr val="FFFFFF"/>
                 </a:solidFill>
               </a14:hiddenFill>
             </a:ext>
             <a:ext uri="{91240B29-F687-4F45-9708-019B960494DF}">
-              <a14:hiddenLine xmlns="" xmlns:a14="http://schemas.microsoft.com/office/drawing/2010/main" w="9525">
+              <a14:hiddenLine xmlns:a14="http://schemas.microsoft.com/office/drawing/2010/main" xmlns="" w="9525">
                 <a:solidFill>
                   <a:srgbClr val="000000"/>
                 </a:solidFill>
@@ -5917,14 +5917,14 @@
           </a:ln>
           <a:extLst>
             <a:ext uri="{909E8E84-426E-40DD-AFC4-6F175D3DCCD1}">
-              <a14:hiddenFill xmlns="" xmlns:a14="http://schemas.microsoft.com/office/drawing/2010/main">
+              <a14:hiddenFill xmlns:a14="http://schemas.microsoft.com/office/drawing/2010/main" xmlns="">
                 <a:solidFill>
                   <a:srgbClr val="FFFFFF"/>
                 </a:solidFill>
               </a14:hiddenFill>
             </a:ext>
             <a:ext uri="{91240B29-F687-4F45-9708-019B960494DF}">
-              <a14:hiddenLine xmlns="" xmlns:a14="http://schemas.microsoft.com/office/drawing/2010/main" w="9525">
+              <a14:hiddenLine xmlns:a14="http://schemas.microsoft.com/office/drawing/2010/main" xmlns="" w="9525">
                 <a:solidFill>
                   <a:srgbClr val="000000"/>
                 </a:solidFill>
@@ -6269,7 +6269,7 @@
           <a:blip r:embed="rId11" cstate="print">
             <a:extLst>
               <a:ext uri="{28A0092B-C50C-407E-A947-70E740481C1C}">
-                <a14:useLocalDpi xmlns="" xmlns:a14="http://schemas.microsoft.com/office/drawing/2010/main" val="0"/>
+                <a14:useLocalDpi xmlns:a14="http://schemas.microsoft.com/office/drawing/2010/main" xmlns="" val="0"/>
               </a:ext>
             </a:extLst>
           </a:blip>
@@ -6292,14 +6292,14 @@
           </a:ln>
           <a:extLst>
             <a:ext uri="{909E8E84-426E-40DD-AFC4-6F175D3DCCD1}">
-              <a14:hiddenFill xmlns="" xmlns:a14="http://schemas.microsoft.com/office/drawing/2010/main">
+              <a14:hiddenFill xmlns:a14="http://schemas.microsoft.com/office/drawing/2010/main" xmlns="">
                 <a:solidFill>
                   <a:srgbClr val="FFFFFF"/>
                 </a:solidFill>
               </a14:hiddenFill>
             </a:ext>
             <a:ext uri="{91240B29-F687-4F45-9708-019B960494DF}">
-              <a14:hiddenLine xmlns="" xmlns:a14="http://schemas.microsoft.com/office/drawing/2010/main" w="9525">
+              <a14:hiddenLine xmlns:a14="http://schemas.microsoft.com/office/drawing/2010/main" xmlns="" w="9525">
                 <a:solidFill>
                   <a:srgbClr val="000000"/>
                 </a:solidFill>
@@ -7255,7 +7255,7 @@
       </p:sp>
       <p:pic>
         <p:nvPicPr>
-          <p:cNvPr id="8194" name="Picture 2" descr="C:\Users\Kevin\Desktop\Capstone\infographic-generator\documents\presentations\beta-presentation\Service2.png"/>
+          <p:cNvPr id="1027" name="Picture 3"/>
           <p:cNvPicPr>
             <a:picLocks noChangeAspect="1" noChangeArrowheads="1"/>
           </p:cNvPicPr>
@@ -7277,6 +7277,13 @@
             <a:avLst/>
           </a:prstGeom>
           <a:noFill/>
+          <a:ln w="9525">
+            <a:noFill/>
+            <a:miter lim="800000"/>
+            <a:headEnd/>
+            <a:tailEnd/>
+          </a:ln>
+          <a:effectLst/>
         </p:spPr>
       </p:pic>
     </p:spTree>
@@ -7359,11 +7366,7 @@
             <a:pPr eaLnBrk="1" hangingPunct="1"/>
             <a:r>
               <a:rPr lang="en-US" dirty="0" smtClean="0"/>
-              <a:t>Project Plan </a:t>
-            </a:r>
-            <a:r>
-              <a:rPr lang="en-US" dirty="0" smtClean="0"/>
-              <a:t>Document</a:t>
+              <a:t>Project Plan Document</a:t>
             </a:r>
           </a:p>
           <a:p>
@@ -7385,23 +7388,14 @@
             </a:r>
             <a:r>
               <a:rPr lang="en-US" dirty="0" smtClean="0"/>
-              <a:t> </a:t>
-            </a:r>
+              <a:t> Bugs</a:t>
+            </a:r>
+          </a:p>
+          <a:p>
+            <a:pPr eaLnBrk="1" hangingPunct="1"/>
             <a:r>
               <a:rPr lang="en-US" dirty="0" smtClean="0"/>
-              <a:t>Bugs</a:t>
-            </a:r>
-            <a:endParaRPr lang="en-US" dirty="0" smtClean="0"/>
-          </a:p>
-          <a:p>
-            <a:pPr eaLnBrk="1" hangingPunct="1"/>
-            <a:r>
-              <a:rPr lang="en-US" dirty="0" smtClean="0"/>
-              <a:t>Popup Close Causes </a:t>
-            </a:r>
-            <a:r>
-              <a:rPr lang="en-US" dirty="0" smtClean="0"/>
-              <a:t>Swipe Gesture</a:t>
+              <a:t>Popup Close Causes Swipe Gesture</a:t>
             </a:r>
           </a:p>
           <a:p>
@@ -7416,17 +7410,8 @@
             </a:r>
             <a:r>
               <a:rPr lang="en-US" dirty="0" smtClean="0"/>
-              <a:t> Orientation </a:t>
-            </a:r>
-            <a:r>
-              <a:rPr lang="en-US" dirty="0" smtClean="0"/>
-              <a:t>I</a:t>
-            </a:r>
-            <a:r>
-              <a:rPr lang="en-US" dirty="0" smtClean="0"/>
-              <a:t>ssue</a:t>
-            </a:r>
-            <a:endParaRPr lang="en-US" dirty="0" smtClean="0"/>
+              <a:t> Orientation Issue</a:t>
+            </a:r>
           </a:p>
           <a:p>
             <a:pPr eaLnBrk="1" hangingPunct="1"/>
@@ -7938,11 +7923,7 @@
             <a:pPr eaLnBrk="1" hangingPunct="1"/>
             <a:r>
               <a:rPr lang="en-US" dirty="0" smtClean="0"/>
-              <a:t>Home </a:t>
-            </a:r>
-            <a:r>
-              <a:rPr lang="en-US" dirty="0" smtClean="0"/>
-              <a:t>Page (Portrait)</a:t>
+              <a:t>Home Page (Portrait)</a:t>
             </a:r>
             <a:endParaRPr lang="en-US" sz="1800" dirty="0" smtClean="0"/>
           </a:p>
@@ -8112,11 +8093,7 @@
             <a:pPr eaLnBrk="1" hangingPunct="1"/>
             <a:r>
               <a:rPr lang="en-US" dirty="0" smtClean="0"/>
-              <a:t>Home </a:t>
-            </a:r>
-            <a:r>
-              <a:rPr lang="en-US" dirty="0" smtClean="0"/>
-              <a:t>Page (Landscape)</a:t>
+              <a:t>Home Page (Landscape)</a:t>
             </a:r>
             <a:endParaRPr lang="en-US" sz="1800" dirty="0" smtClean="0"/>
           </a:p>
